--- a/Python/powerpoint resources/databases.pptx
+++ b/Python/powerpoint resources/databases.pptx
@@ -5,14 +5,19 @@
     <p:sldMasterId id="2147483648" r:id="rId1"/>
   </p:sldMasterIdLst>
   <p:notesMasterIdLst>
-    <p:notesMasterId r:id="rId7"/>
+    <p:notesMasterId r:id="rId12"/>
   </p:notesMasterIdLst>
   <p:sldIdLst>
     <p:sldId id="256" r:id="rId2"/>
-    <p:sldId id="257" r:id="rId3"/>
-    <p:sldId id="258" r:id="rId4"/>
-    <p:sldId id="259" r:id="rId5"/>
-    <p:sldId id="260" r:id="rId6"/>
+    <p:sldId id="265" r:id="rId3"/>
+    <p:sldId id="257" r:id="rId4"/>
+    <p:sldId id="258" r:id="rId5"/>
+    <p:sldId id="259" r:id="rId6"/>
+    <p:sldId id="260" r:id="rId7"/>
+    <p:sldId id="261" r:id="rId8"/>
+    <p:sldId id="262" r:id="rId9"/>
+    <p:sldId id="263" r:id="rId10"/>
+    <p:sldId id="264" r:id="rId11"/>
   </p:sldIdLst>
   <p:sldSz cx="12192000" cy="6858000"/>
   <p:notesSz cx="6858000" cy="9144000"/>
@@ -201,7 +206,7 @@
           <a:p>
             <a:fld id="{FD0E47FE-9555-4DCD-8F8D-E025598DC219}" type="datetimeFigureOut">
               <a:rPr lang="en-US" smtClean="0"/>
-              <a:t>6/8/2024</a:t>
+              <a:t>6/11/2024</a:t>
             </a:fld>
             <a:endParaRPr lang="en-US"/>
           </a:p>
@@ -615,7 +620,7 @@
           <a:p>
             <a:fld id="{87F1BE64-A4A2-4A2B-BD22-A365A029CEB6}" type="datetimeFigureOut">
               <a:rPr lang="en-US" smtClean="0"/>
-              <a:t>6/8/2024</a:t>
+              <a:t>6/11/2024</a:t>
             </a:fld>
             <a:endParaRPr lang="en-US"/>
           </a:p>
@@ -813,7 +818,7 @@
           <a:p>
             <a:fld id="{87F1BE64-A4A2-4A2B-BD22-A365A029CEB6}" type="datetimeFigureOut">
               <a:rPr lang="en-US" smtClean="0"/>
-              <a:t>6/8/2024</a:t>
+              <a:t>6/11/2024</a:t>
             </a:fld>
             <a:endParaRPr lang="en-US"/>
           </a:p>
@@ -1021,7 +1026,7 @@
           <a:p>
             <a:fld id="{87F1BE64-A4A2-4A2B-BD22-A365A029CEB6}" type="datetimeFigureOut">
               <a:rPr lang="en-US" smtClean="0"/>
-              <a:t>6/8/2024</a:t>
+              <a:t>6/11/2024</a:t>
             </a:fld>
             <a:endParaRPr lang="en-US"/>
           </a:p>
@@ -1219,7 +1224,7 @@
           <a:p>
             <a:fld id="{87F1BE64-A4A2-4A2B-BD22-A365A029CEB6}" type="datetimeFigureOut">
               <a:rPr lang="en-US" smtClean="0"/>
-              <a:t>6/8/2024</a:t>
+              <a:t>6/11/2024</a:t>
             </a:fld>
             <a:endParaRPr lang="en-US"/>
           </a:p>
@@ -1494,7 +1499,7 @@
           <a:p>
             <a:fld id="{87F1BE64-A4A2-4A2B-BD22-A365A029CEB6}" type="datetimeFigureOut">
               <a:rPr lang="en-US" smtClean="0"/>
-              <a:t>6/8/2024</a:t>
+              <a:t>6/11/2024</a:t>
             </a:fld>
             <a:endParaRPr lang="en-US"/>
           </a:p>
@@ -1759,7 +1764,7 @@
           <a:p>
             <a:fld id="{87F1BE64-A4A2-4A2B-BD22-A365A029CEB6}" type="datetimeFigureOut">
               <a:rPr lang="en-US" smtClean="0"/>
-              <a:t>6/8/2024</a:t>
+              <a:t>6/11/2024</a:t>
             </a:fld>
             <a:endParaRPr lang="en-US"/>
           </a:p>
@@ -2171,7 +2176,7 @@
           <a:p>
             <a:fld id="{87F1BE64-A4A2-4A2B-BD22-A365A029CEB6}" type="datetimeFigureOut">
               <a:rPr lang="en-US" smtClean="0"/>
-              <a:t>6/8/2024</a:t>
+              <a:t>6/11/2024</a:t>
             </a:fld>
             <a:endParaRPr lang="en-US"/>
           </a:p>
@@ -2312,7 +2317,7 @@
           <a:p>
             <a:fld id="{87F1BE64-A4A2-4A2B-BD22-A365A029CEB6}" type="datetimeFigureOut">
               <a:rPr lang="en-US" smtClean="0"/>
-              <a:t>6/8/2024</a:t>
+              <a:t>6/11/2024</a:t>
             </a:fld>
             <a:endParaRPr lang="en-US"/>
           </a:p>
@@ -2425,7 +2430,7 @@
           <a:p>
             <a:fld id="{87F1BE64-A4A2-4A2B-BD22-A365A029CEB6}" type="datetimeFigureOut">
               <a:rPr lang="en-US" smtClean="0"/>
-              <a:t>6/8/2024</a:t>
+              <a:t>6/11/2024</a:t>
             </a:fld>
             <a:endParaRPr lang="en-US"/>
           </a:p>
@@ -2736,7 +2741,7 @@
           <a:p>
             <a:fld id="{87F1BE64-A4A2-4A2B-BD22-A365A029CEB6}" type="datetimeFigureOut">
               <a:rPr lang="en-US" smtClean="0"/>
-              <a:t>6/8/2024</a:t>
+              <a:t>6/11/2024</a:t>
             </a:fld>
             <a:endParaRPr lang="en-US"/>
           </a:p>
@@ -3024,7 +3029,7 @@
           <a:p>
             <a:fld id="{87F1BE64-A4A2-4A2B-BD22-A365A029CEB6}" type="datetimeFigureOut">
               <a:rPr lang="en-US" smtClean="0"/>
-              <a:t>6/8/2024</a:t>
+              <a:t>6/11/2024</a:t>
             </a:fld>
             <a:endParaRPr lang="en-US"/>
           </a:p>
@@ -3265,7 +3270,7 @@
           <a:p>
             <a:fld id="{87F1BE64-A4A2-4A2B-BD22-A365A029CEB6}" type="datetimeFigureOut">
               <a:rPr lang="en-US" smtClean="0"/>
-              <a:t>6/8/2024</a:t>
+              <a:t>6/11/2024</a:t>
             </a:fld>
             <a:endParaRPr lang="en-US"/>
           </a:p>
@@ -5162,7 +5167,2229 @@
 </p:sld>
 </file>
 
+<file path=ppt/slides/slide10.xml><?xml version="1.0" encoding="utf-8"?>
+<p:sld xmlns:a="http://schemas.openxmlformats.org/drawingml/2006/main" xmlns:r="http://schemas.openxmlformats.org/officeDocument/2006/relationships" xmlns:p="http://schemas.openxmlformats.org/presentationml/2006/main">
+  <p:cSld>
+    <p:spTree>
+      <p:nvGrpSpPr>
+        <p:cNvPr id="1" name=""/>
+        <p:cNvGrpSpPr/>
+        <p:nvPr/>
+      </p:nvGrpSpPr>
+      <p:grpSpPr>
+        <a:xfrm>
+          <a:off x="0" y="0"/>
+          <a:ext cx="0" cy="0"/>
+          <a:chOff x="0" y="0"/>
+          <a:chExt cx="0" cy="0"/>
+        </a:xfrm>
+      </p:grpSpPr>
+      <p:sp>
+        <p:nvSpPr>
+          <p:cNvPr id="2" name="TextBox 1">
+            <a:extLst>
+              <a:ext uri="{FF2B5EF4-FFF2-40B4-BE49-F238E27FC236}">
+                <a16:creationId xmlns:a16="http://schemas.microsoft.com/office/drawing/2014/main" id="{A75F5B4D-26B0-4F0E-8254-6DC095053777}"/>
+              </a:ext>
+            </a:extLst>
+          </p:cNvPr>
+          <p:cNvSpPr txBox="1"/>
+          <p:nvPr/>
+        </p:nvSpPr>
+        <p:spPr>
+          <a:xfrm>
+            <a:off x="4724394" y="121902"/>
+            <a:ext cx="5564777" cy="523220"/>
+          </a:xfrm>
+          <a:prstGeom prst="rect">
+            <a:avLst/>
+          </a:prstGeom>
+          <a:noFill/>
+        </p:spPr>
+        <p:txBody>
+          <a:bodyPr wrap="square" rtlCol="0">
+            <a:spAutoFit/>
+          </a:bodyPr>
+          <a:lstStyle/>
+          <a:p>
+            <a:r>
+              <a:rPr lang="en-US" sz="2800" dirty="0"/>
+              <a:t>ONE TO MANY</a:t>
+            </a:r>
+          </a:p>
+        </p:txBody>
+      </p:sp>
+      <p:sp>
+        <p:nvSpPr>
+          <p:cNvPr id="3" name="Rectangle 2">
+            <a:extLst>
+              <a:ext uri="{FF2B5EF4-FFF2-40B4-BE49-F238E27FC236}">
+                <a16:creationId xmlns:a16="http://schemas.microsoft.com/office/drawing/2014/main" id="{0AB2E0C2-7475-4123-B0CC-B0BA681ACB08}"/>
+              </a:ext>
+            </a:extLst>
+          </p:cNvPr>
+          <p:cNvSpPr/>
+          <p:nvPr/>
+        </p:nvSpPr>
+        <p:spPr>
+          <a:xfrm>
+            <a:off x="535577" y="1463039"/>
+            <a:ext cx="4310743" cy="2617931"/>
+          </a:xfrm>
+          <a:prstGeom prst="rect">
+            <a:avLst/>
+          </a:prstGeom>
+          <a:noFill/>
+        </p:spPr>
+        <p:style>
+          <a:lnRef idx="2">
+            <a:schemeClr val="accent1">
+              <a:shade val="50000"/>
+            </a:schemeClr>
+          </a:lnRef>
+          <a:fillRef idx="1">
+            <a:schemeClr val="accent1"/>
+          </a:fillRef>
+          <a:effectRef idx="0">
+            <a:schemeClr val="accent1"/>
+          </a:effectRef>
+          <a:fontRef idx="minor">
+            <a:schemeClr val="lt1"/>
+          </a:fontRef>
+        </p:style>
+        <p:txBody>
+          <a:bodyPr rtlCol="0" anchor="ctr"/>
+          <a:lstStyle/>
+          <a:p>
+            <a:pPr algn="ctr"/>
+            <a:endParaRPr lang="en-US"/>
+          </a:p>
+        </p:txBody>
+      </p:sp>
+      <p:cxnSp>
+        <p:nvCxnSpPr>
+          <p:cNvPr id="4" name="Straight Connector 3">
+            <a:extLst>
+              <a:ext uri="{FF2B5EF4-FFF2-40B4-BE49-F238E27FC236}">
+                <a16:creationId xmlns:a16="http://schemas.microsoft.com/office/drawing/2014/main" id="{A863E783-587D-455A-B04C-22A8DAB76C43}"/>
+              </a:ext>
+            </a:extLst>
+          </p:cNvPr>
+          <p:cNvCxnSpPr/>
+          <p:nvPr/>
+        </p:nvCxnSpPr>
+        <p:spPr>
+          <a:xfrm>
+            <a:off x="535577" y="1881051"/>
+            <a:ext cx="4310743" cy="0"/>
+          </a:xfrm>
+          <a:prstGeom prst="line">
+            <a:avLst/>
+          </a:prstGeom>
+        </p:spPr>
+        <p:style>
+          <a:lnRef idx="1">
+            <a:schemeClr val="accent1"/>
+          </a:lnRef>
+          <a:fillRef idx="0">
+            <a:schemeClr val="accent1"/>
+          </a:fillRef>
+          <a:effectRef idx="0">
+            <a:schemeClr val="accent1"/>
+          </a:effectRef>
+          <a:fontRef idx="minor">
+            <a:schemeClr val="tx1"/>
+          </a:fontRef>
+        </p:style>
+      </p:cxnSp>
+      <p:sp>
+        <p:nvSpPr>
+          <p:cNvPr id="5" name="TextBox 4">
+            <a:extLst>
+              <a:ext uri="{FF2B5EF4-FFF2-40B4-BE49-F238E27FC236}">
+                <a16:creationId xmlns:a16="http://schemas.microsoft.com/office/drawing/2014/main" id="{80CE85D7-9EB5-45D1-8D6F-FC3A838EEC10}"/>
+              </a:ext>
+            </a:extLst>
+          </p:cNvPr>
+          <p:cNvSpPr txBox="1"/>
+          <p:nvPr/>
+        </p:nvSpPr>
+        <p:spPr>
+          <a:xfrm>
+            <a:off x="1946366" y="1463040"/>
+            <a:ext cx="1763485" cy="369332"/>
+          </a:xfrm>
+          <a:prstGeom prst="rect">
+            <a:avLst/>
+          </a:prstGeom>
+          <a:noFill/>
+        </p:spPr>
+        <p:txBody>
+          <a:bodyPr wrap="square" rtlCol="0">
+            <a:spAutoFit/>
+          </a:bodyPr>
+          <a:lstStyle/>
+          <a:p>
+            <a:r>
+              <a:rPr lang="en-US" dirty="0"/>
+              <a:t>Course Table</a:t>
+            </a:r>
+          </a:p>
+        </p:txBody>
+      </p:sp>
+      <p:cxnSp>
+        <p:nvCxnSpPr>
+          <p:cNvPr id="6" name="Straight Connector 5">
+            <a:extLst>
+              <a:ext uri="{FF2B5EF4-FFF2-40B4-BE49-F238E27FC236}">
+                <a16:creationId xmlns:a16="http://schemas.microsoft.com/office/drawing/2014/main" id="{40A16BC9-1BF4-485A-A7FE-041652BB39B3}"/>
+              </a:ext>
+            </a:extLst>
+          </p:cNvPr>
+          <p:cNvCxnSpPr>
+            <a:cxnSpLocks/>
+            <a:stCxn id="5" idx="2"/>
+          </p:cNvCxnSpPr>
+          <p:nvPr/>
+        </p:nvCxnSpPr>
+        <p:spPr>
+          <a:xfrm flipH="1">
+            <a:off x="2808514" y="1832372"/>
+            <a:ext cx="19595" cy="2248599"/>
+          </a:xfrm>
+          <a:prstGeom prst="line">
+            <a:avLst/>
+          </a:prstGeom>
+        </p:spPr>
+        <p:style>
+          <a:lnRef idx="1">
+            <a:schemeClr val="accent1"/>
+          </a:lnRef>
+          <a:fillRef idx="0">
+            <a:schemeClr val="accent1"/>
+          </a:fillRef>
+          <a:effectRef idx="0">
+            <a:schemeClr val="accent1"/>
+          </a:effectRef>
+          <a:fontRef idx="minor">
+            <a:schemeClr val="tx1"/>
+          </a:fontRef>
+        </p:style>
+      </p:cxnSp>
+      <p:cxnSp>
+        <p:nvCxnSpPr>
+          <p:cNvPr id="7" name="Straight Connector 6">
+            <a:extLst>
+              <a:ext uri="{FF2B5EF4-FFF2-40B4-BE49-F238E27FC236}">
+                <a16:creationId xmlns:a16="http://schemas.microsoft.com/office/drawing/2014/main" id="{C980348A-2B74-4064-A515-D51595088878}"/>
+              </a:ext>
+            </a:extLst>
+          </p:cNvPr>
+          <p:cNvCxnSpPr/>
+          <p:nvPr/>
+        </p:nvCxnSpPr>
+        <p:spPr>
+          <a:xfrm>
+            <a:off x="535577" y="2976545"/>
+            <a:ext cx="4310743" cy="0"/>
+          </a:xfrm>
+          <a:prstGeom prst="line">
+            <a:avLst/>
+          </a:prstGeom>
+        </p:spPr>
+        <p:style>
+          <a:lnRef idx="1">
+            <a:schemeClr val="accent1"/>
+          </a:lnRef>
+          <a:fillRef idx="0">
+            <a:schemeClr val="accent1"/>
+          </a:fillRef>
+          <a:effectRef idx="0">
+            <a:schemeClr val="accent1"/>
+          </a:effectRef>
+          <a:fontRef idx="minor">
+            <a:schemeClr val="tx1"/>
+          </a:fontRef>
+        </p:style>
+      </p:cxnSp>
+      <p:sp>
+        <p:nvSpPr>
+          <p:cNvPr id="8" name="TextBox 7">
+            <a:extLst>
+              <a:ext uri="{FF2B5EF4-FFF2-40B4-BE49-F238E27FC236}">
+                <a16:creationId xmlns:a16="http://schemas.microsoft.com/office/drawing/2014/main" id="{8046E643-952B-413C-905D-640F856E3E8A}"/>
+              </a:ext>
+            </a:extLst>
+          </p:cNvPr>
+          <p:cNvSpPr txBox="1"/>
+          <p:nvPr/>
+        </p:nvSpPr>
+        <p:spPr>
+          <a:xfrm>
+            <a:off x="770708" y="2407698"/>
+            <a:ext cx="2057400" cy="369332"/>
+          </a:xfrm>
+          <a:prstGeom prst="rect">
+            <a:avLst/>
+          </a:prstGeom>
+          <a:noFill/>
+        </p:spPr>
+        <p:txBody>
+          <a:bodyPr wrap="square" rtlCol="0">
+            <a:spAutoFit/>
+          </a:bodyPr>
+          <a:lstStyle/>
+          <a:p>
+            <a:r>
+              <a:rPr lang="en-US" dirty="0"/>
+              <a:t>Python</a:t>
+            </a:r>
+          </a:p>
+        </p:txBody>
+      </p:sp>
+      <p:sp>
+        <p:nvSpPr>
+          <p:cNvPr id="9" name="TextBox 8">
+            <a:extLst>
+              <a:ext uri="{FF2B5EF4-FFF2-40B4-BE49-F238E27FC236}">
+                <a16:creationId xmlns:a16="http://schemas.microsoft.com/office/drawing/2014/main" id="{12D8B615-267D-4630-A2B3-163574D98F42}"/>
+              </a:ext>
+            </a:extLst>
+          </p:cNvPr>
+          <p:cNvSpPr txBox="1"/>
+          <p:nvPr/>
+        </p:nvSpPr>
+        <p:spPr>
+          <a:xfrm>
+            <a:off x="751115" y="3114879"/>
+            <a:ext cx="2057400" cy="369332"/>
+          </a:xfrm>
+          <a:prstGeom prst="rect">
+            <a:avLst/>
+          </a:prstGeom>
+          <a:noFill/>
+        </p:spPr>
+        <p:txBody>
+          <a:bodyPr wrap="square" rtlCol="0">
+            <a:spAutoFit/>
+          </a:bodyPr>
+          <a:lstStyle/>
+          <a:p>
+            <a:r>
+              <a:rPr lang="en-US" dirty="0"/>
+              <a:t>Java</a:t>
+            </a:r>
+          </a:p>
+        </p:txBody>
+      </p:sp>
+      <p:sp>
+        <p:nvSpPr>
+          <p:cNvPr id="10" name="TextBox 9">
+            <a:extLst>
+              <a:ext uri="{FF2B5EF4-FFF2-40B4-BE49-F238E27FC236}">
+                <a16:creationId xmlns:a16="http://schemas.microsoft.com/office/drawing/2014/main" id="{D3472BF8-B408-43B1-AAF5-776130F1BD5A}"/>
+              </a:ext>
+            </a:extLst>
+          </p:cNvPr>
+          <p:cNvSpPr txBox="1"/>
+          <p:nvPr/>
+        </p:nvSpPr>
+        <p:spPr>
+          <a:xfrm>
+            <a:off x="3664131" y="2388717"/>
+            <a:ext cx="2057400" cy="369332"/>
+          </a:xfrm>
+          <a:prstGeom prst="rect">
+            <a:avLst/>
+          </a:prstGeom>
+          <a:noFill/>
+        </p:spPr>
+        <p:txBody>
+          <a:bodyPr wrap="square" rtlCol="0">
+            <a:spAutoFit/>
+          </a:bodyPr>
+          <a:lstStyle/>
+          <a:p>
+            <a:r>
+              <a:rPr lang="en-US" dirty="0"/>
+              <a:t>1</a:t>
+            </a:r>
+          </a:p>
+        </p:txBody>
+      </p:sp>
+      <p:sp>
+        <p:nvSpPr>
+          <p:cNvPr id="11" name="TextBox 10">
+            <a:extLst>
+              <a:ext uri="{FF2B5EF4-FFF2-40B4-BE49-F238E27FC236}">
+                <a16:creationId xmlns:a16="http://schemas.microsoft.com/office/drawing/2014/main" id="{06E8C9D5-30A2-496C-8336-3A38DFE2F368}"/>
+              </a:ext>
+            </a:extLst>
+          </p:cNvPr>
+          <p:cNvSpPr txBox="1"/>
+          <p:nvPr/>
+        </p:nvSpPr>
+        <p:spPr>
+          <a:xfrm>
+            <a:off x="3664131" y="3079262"/>
+            <a:ext cx="2057400" cy="369332"/>
+          </a:xfrm>
+          <a:prstGeom prst="rect">
+            <a:avLst/>
+          </a:prstGeom>
+          <a:noFill/>
+        </p:spPr>
+        <p:txBody>
+          <a:bodyPr wrap="square" rtlCol="0">
+            <a:spAutoFit/>
+          </a:bodyPr>
+          <a:lstStyle/>
+          <a:p>
+            <a:r>
+              <a:rPr lang="en-US" dirty="0"/>
+              <a:t>2</a:t>
+            </a:r>
+          </a:p>
+        </p:txBody>
+      </p:sp>
+      <p:cxnSp>
+        <p:nvCxnSpPr>
+          <p:cNvPr id="12" name="Straight Connector 11">
+            <a:extLst>
+              <a:ext uri="{FF2B5EF4-FFF2-40B4-BE49-F238E27FC236}">
+                <a16:creationId xmlns:a16="http://schemas.microsoft.com/office/drawing/2014/main" id="{18B5095D-87EF-4A9E-8B47-E975828B10BA}"/>
+              </a:ext>
+            </a:extLst>
+          </p:cNvPr>
+          <p:cNvCxnSpPr/>
+          <p:nvPr/>
+        </p:nvCxnSpPr>
+        <p:spPr>
+          <a:xfrm>
+            <a:off x="535576" y="2292923"/>
+            <a:ext cx="4310743" cy="0"/>
+          </a:xfrm>
+          <a:prstGeom prst="line">
+            <a:avLst/>
+          </a:prstGeom>
+        </p:spPr>
+        <p:style>
+          <a:lnRef idx="1">
+            <a:schemeClr val="accent1"/>
+          </a:lnRef>
+          <a:fillRef idx="0">
+            <a:schemeClr val="accent1"/>
+          </a:fillRef>
+          <a:effectRef idx="0">
+            <a:schemeClr val="accent1"/>
+          </a:effectRef>
+          <a:fontRef idx="minor">
+            <a:schemeClr val="tx1"/>
+          </a:fontRef>
+        </p:style>
+      </p:cxnSp>
+      <p:sp>
+        <p:nvSpPr>
+          <p:cNvPr id="13" name="TextBox 12">
+            <a:extLst>
+              <a:ext uri="{FF2B5EF4-FFF2-40B4-BE49-F238E27FC236}">
+                <a16:creationId xmlns:a16="http://schemas.microsoft.com/office/drawing/2014/main" id="{AED9D0F6-D8C5-4E69-A063-024E1D7708F0}"/>
+              </a:ext>
+            </a:extLst>
+          </p:cNvPr>
+          <p:cNvSpPr txBox="1"/>
+          <p:nvPr/>
+        </p:nvSpPr>
+        <p:spPr>
+          <a:xfrm>
+            <a:off x="751114" y="1922121"/>
+            <a:ext cx="2057400" cy="369332"/>
+          </a:xfrm>
+          <a:prstGeom prst="rect">
+            <a:avLst/>
+          </a:prstGeom>
+          <a:noFill/>
+        </p:spPr>
+        <p:txBody>
+          <a:bodyPr wrap="square" rtlCol="0">
+            <a:spAutoFit/>
+          </a:bodyPr>
+          <a:lstStyle/>
+          <a:p>
+            <a:pPr algn="ctr"/>
+            <a:r>
+              <a:rPr lang="en-US" dirty="0"/>
+              <a:t>title</a:t>
+            </a:r>
+          </a:p>
+        </p:txBody>
+      </p:sp>
+      <p:sp>
+        <p:nvSpPr>
+          <p:cNvPr id="14" name="TextBox 13">
+            <a:extLst>
+              <a:ext uri="{FF2B5EF4-FFF2-40B4-BE49-F238E27FC236}">
+                <a16:creationId xmlns:a16="http://schemas.microsoft.com/office/drawing/2014/main" id="{2DDF9B29-E905-4845-89B5-A58C122E301F}"/>
+              </a:ext>
+            </a:extLst>
+          </p:cNvPr>
+          <p:cNvSpPr txBox="1"/>
+          <p:nvPr/>
+        </p:nvSpPr>
+        <p:spPr>
+          <a:xfrm>
+            <a:off x="2666994" y="1905206"/>
+            <a:ext cx="2057400" cy="369332"/>
+          </a:xfrm>
+          <a:prstGeom prst="rect">
+            <a:avLst/>
+          </a:prstGeom>
+          <a:noFill/>
+        </p:spPr>
+        <p:txBody>
+          <a:bodyPr wrap="square" rtlCol="0">
+            <a:spAutoFit/>
+          </a:bodyPr>
+          <a:lstStyle/>
+          <a:p>
+            <a:pPr algn="ctr"/>
+            <a:r>
+              <a:rPr lang="en-US" dirty="0"/>
+              <a:t>ID</a:t>
+            </a:r>
+          </a:p>
+        </p:txBody>
+      </p:sp>
+      <p:cxnSp>
+        <p:nvCxnSpPr>
+          <p:cNvPr id="45" name="Straight Connector 44">
+            <a:extLst>
+              <a:ext uri="{FF2B5EF4-FFF2-40B4-BE49-F238E27FC236}">
+                <a16:creationId xmlns:a16="http://schemas.microsoft.com/office/drawing/2014/main" id="{45D12D66-BEA2-4FF5-A5FC-A1DB10B8E384}"/>
+              </a:ext>
+            </a:extLst>
+          </p:cNvPr>
+          <p:cNvCxnSpPr/>
+          <p:nvPr/>
+        </p:nvCxnSpPr>
+        <p:spPr>
+          <a:xfrm>
+            <a:off x="535576" y="3484211"/>
+            <a:ext cx="4310743" cy="0"/>
+          </a:xfrm>
+          <a:prstGeom prst="line">
+            <a:avLst/>
+          </a:prstGeom>
+        </p:spPr>
+        <p:style>
+          <a:lnRef idx="1">
+            <a:schemeClr val="accent1"/>
+          </a:lnRef>
+          <a:fillRef idx="0">
+            <a:schemeClr val="accent1"/>
+          </a:fillRef>
+          <a:effectRef idx="0">
+            <a:schemeClr val="accent1"/>
+          </a:effectRef>
+          <a:fontRef idx="minor">
+            <a:schemeClr val="tx1"/>
+          </a:fontRef>
+        </p:style>
+      </p:cxnSp>
+      <p:sp>
+        <p:nvSpPr>
+          <p:cNvPr id="46" name="TextBox 45">
+            <a:extLst>
+              <a:ext uri="{FF2B5EF4-FFF2-40B4-BE49-F238E27FC236}">
+                <a16:creationId xmlns:a16="http://schemas.microsoft.com/office/drawing/2014/main" id="{2D84961F-8322-4641-BDB6-B20D365DAB91}"/>
+              </a:ext>
+            </a:extLst>
+          </p:cNvPr>
+          <p:cNvSpPr txBox="1"/>
+          <p:nvPr/>
+        </p:nvSpPr>
+        <p:spPr>
+          <a:xfrm>
+            <a:off x="790303" y="3602502"/>
+            <a:ext cx="2057400" cy="369332"/>
+          </a:xfrm>
+          <a:prstGeom prst="rect">
+            <a:avLst/>
+          </a:prstGeom>
+          <a:noFill/>
+        </p:spPr>
+        <p:txBody>
+          <a:bodyPr wrap="square" rtlCol="0">
+            <a:spAutoFit/>
+          </a:bodyPr>
+          <a:lstStyle/>
+          <a:p>
+            <a:r>
+              <a:rPr lang="en-US" dirty="0"/>
+              <a:t>C++</a:t>
+            </a:r>
+          </a:p>
+        </p:txBody>
+      </p:sp>
+      <p:sp>
+        <p:nvSpPr>
+          <p:cNvPr id="47" name="TextBox 46">
+            <a:extLst>
+              <a:ext uri="{FF2B5EF4-FFF2-40B4-BE49-F238E27FC236}">
+                <a16:creationId xmlns:a16="http://schemas.microsoft.com/office/drawing/2014/main" id="{1D855CB3-7034-45E9-84DE-922D913571CE}"/>
+              </a:ext>
+            </a:extLst>
+          </p:cNvPr>
+          <p:cNvSpPr txBox="1"/>
+          <p:nvPr/>
+        </p:nvSpPr>
+        <p:spPr>
+          <a:xfrm>
+            <a:off x="3651068" y="3581179"/>
+            <a:ext cx="2057400" cy="369332"/>
+          </a:xfrm>
+          <a:prstGeom prst="rect">
+            <a:avLst/>
+          </a:prstGeom>
+          <a:noFill/>
+        </p:spPr>
+        <p:txBody>
+          <a:bodyPr wrap="square" rtlCol="0">
+            <a:spAutoFit/>
+          </a:bodyPr>
+          <a:lstStyle/>
+          <a:p>
+            <a:r>
+              <a:rPr lang="en-US" dirty="0"/>
+              <a:t>3</a:t>
+            </a:r>
+          </a:p>
+        </p:txBody>
+      </p:sp>
+      <p:sp>
+        <p:nvSpPr>
+          <p:cNvPr id="48" name="Rectangle 47">
+            <a:extLst>
+              <a:ext uri="{FF2B5EF4-FFF2-40B4-BE49-F238E27FC236}">
+                <a16:creationId xmlns:a16="http://schemas.microsoft.com/office/drawing/2014/main" id="{847CEFF4-9FBA-4C90-9FDD-3B09F729D268}"/>
+              </a:ext>
+            </a:extLst>
+          </p:cNvPr>
+          <p:cNvSpPr/>
+          <p:nvPr/>
+        </p:nvSpPr>
+        <p:spPr>
+          <a:xfrm>
+            <a:off x="6972663" y="730068"/>
+            <a:ext cx="4310743" cy="2975983"/>
+          </a:xfrm>
+          <a:prstGeom prst="rect">
+            <a:avLst/>
+          </a:prstGeom>
+          <a:noFill/>
+        </p:spPr>
+        <p:style>
+          <a:lnRef idx="2">
+            <a:schemeClr val="accent1">
+              <a:shade val="50000"/>
+            </a:schemeClr>
+          </a:lnRef>
+          <a:fillRef idx="1">
+            <a:schemeClr val="accent1"/>
+          </a:fillRef>
+          <a:effectRef idx="0">
+            <a:schemeClr val="accent1"/>
+          </a:effectRef>
+          <a:fontRef idx="minor">
+            <a:schemeClr val="lt1"/>
+          </a:fontRef>
+        </p:style>
+        <p:txBody>
+          <a:bodyPr rtlCol="0" anchor="ctr"/>
+          <a:lstStyle/>
+          <a:p>
+            <a:pPr algn="ctr"/>
+            <a:endParaRPr lang="en-US"/>
+          </a:p>
+        </p:txBody>
+      </p:sp>
+      <p:cxnSp>
+        <p:nvCxnSpPr>
+          <p:cNvPr id="49" name="Straight Connector 48">
+            <a:extLst>
+              <a:ext uri="{FF2B5EF4-FFF2-40B4-BE49-F238E27FC236}">
+                <a16:creationId xmlns:a16="http://schemas.microsoft.com/office/drawing/2014/main" id="{312ADCB3-852D-4AF5-8473-401411D8BB8D}"/>
+              </a:ext>
+            </a:extLst>
+          </p:cNvPr>
+          <p:cNvCxnSpPr/>
+          <p:nvPr/>
+        </p:nvCxnSpPr>
+        <p:spPr>
+          <a:xfrm>
+            <a:off x="6972663" y="1148080"/>
+            <a:ext cx="4310743" cy="0"/>
+          </a:xfrm>
+          <a:prstGeom prst="line">
+            <a:avLst/>
+          </a:prstGeom>
+        </p:spPr>
+        <p:style>
+          <a:lnRef idx="1">
+            <a:schemeClr val="accent1"/>
+          </a:lnRef>
+          <a:fillRef idx="0">
+            <a:schemeClr val="accent1"/>
+          </a:fillRef>
+          <a:effectRef idx="0">
+            <a:schemeClr val="accent1"/>
+          </a:effectRef>
+          <a:fontRef idx="minor">
+            <a:schemeClr val="tx1"/>
+          </a:fontRef>
+        </p:style>
+      </p:cxnSp>
+      <p:sp>
+        <p:nvSpPr>
+          <p:cNvPr id="50" name="TextBox 49">
+            <a:extLst>
+              <a:ext uri="{FF2B5EF4-FFF2-40B4-BE49-F238E27FC236}">
+                <a16:creationId xmlns:a16="http://schemas.microsoft.com/office/drawing/2014/main" id="{3F969BE5-A360-4BBB-B96A-17DF57763CB0}"/>
+              </a:ext>
+            </a:extLst>
+          </p:cNvPr>
+          <p:cNvSpPr txBox="1"/>
+          <p:nvPr/>
+        </p:nvSpPr>
+        <p:spPr>
+          <a:xfrm>
+            <a:off x="8383452" y="730069"/>
+            <a:ext cx="1763485" cy="369332"/>
+          </a:xfrm>
+          <a:prstGeom prst="rect">
+            <a:avLst/>
+          </a:prstGeom>
+          <a:noFill/>
+        </p:spPr>
+        <p:txBody>
+          <a:bodyPr wrap="square" rtlCol="0">
+            <a:spAutoFit/>
+          </a:bodyPr>
+          <a:lstStyle/>
+          <a:p>
+            <a:r>
+              <a:rPr lang="en-US" dirty="0"/>
+              <a:t>member Table</a:t>
+            </a:r>
+          </a:p>
+        </p:txBody>
+      </p:sp>
+      <p:cxnSp>
+        <p:nvCxnSpPr>
+          <p:cNvPr id="51" name="Straight Connector 50">
+            <a:extLst>
+              <a:ext uri="{FF2B5EF4-FFF2-40B4-BE49-F238E27FC236}">
+                <a16:creationId xmlns:a16="http://schemas.microsoft.com/office/drawing/2014/main" id="{4C2A5DA3-C527-4E12-8F5D-856DD80F5B0E}"/>
+              </a:ext>
+            </a:extLst>
+          </p:cNvPr>
+          <p:cNvCxnSpPr>
+            <a:cxnSpLocks/>
+            <a:stCxn id="50" idx="2"/>
+          </p:cNvCxnSpPr>
+          <p:nvPr/>
+        </p:nvCxnSpPr>
+        <p:spPr>
+          <a:xfrm flipH="1">
+            <a:off x="9245600" y="1099401"/>
+            <a:ext cx="19595" cy="2606650"/>
+          </a:xfrm>
+          <a:prstGeom prst="line">
+            <a:avLst/>
+          </a:prstGeom>
+        </p:spPr>
+        <p:style>
+          <a:lnRef idx="1">
+            <a:schemeClr val="accent1"/>
+          </a:lnRef>
+          <a:fillRef idx="0">
+            <a:schemeClr val="accent1"/>
+          </a:fillRef>
+          <a:effectRef idx="0">
+            <a:schemeClr val="accent1"/>
+          </a:effectRef>
+          <a:fontRef idx="minor">
+            <a:schemeClr val="tx1"/>
+          </a:fontRef>
+        </p:style>
+      </p:cxnSp>
+      <p:cxnSp>
+        <p:nvCxnSpPr>
+          <p:cNvPr id="52" name="Straight Connector 51">
+            <a:extLst>
+              <a:ext uri="{FF2B5EF4-FFF2-40B4-BE49-F238E27FC236}">
+                <a16:creationId xmlns:a16="http://schemas.microsoft.com/office/drawing/2014/main" id="{91DD52D9-436C-41D5-8E62-81847B6FB96C}"/>
+              </a:ext>
+            </a:extLst>
+          </p:cNvPr>
+          <p:cNvCxnSpPr/>
+          <p:nvPr/>
+        </p:nvCxnSpPr>
+        <p:spPr>
+          <a:xfrm>
+            <a:off x="6972663" y="2243574"/>
+            <a:ext cx="4310743" cy="0"/>
+          </a:xfrm>
+          <a:prstGeom prst="line">
+            <a:avLst/>
+          </a:prstGeom>
+        </p:spPr>
+        <p:style>
+          <a:lnRef idx="1">
+            <a:schemeClr val="accent1"/>
+          </a:lnRef>
+          <a:fillRef idx="0">
+            <a:schemeClr val="accent1"/>
+          </a:fillRef>
+          <a:effectRef idx="0">
+            <a:schemeClr val="accent1"/>
+          </a:effectRef>
+          <a:fontRef idx="minor">
+            <a:schemeClr val="tx1"/>
+          </a:fontRef>
+        </p:style>
+      </p:cxnSp>
+      <p:sp>
+        <p:nvSpPr>
+          <p:cNvPr id="53" name="TextBox 52">
+            <a:extLst>
+              <a:ext uri="{FF2B5EF4-FFF2-40B4-BE49-F238E27FC236}">
+                <a16:creationId xmlns:a16="http://schemas.microsoft.com/office/drawing/2014/main" id="{CEDFB941-EBEA-4156-A2E2-D4C7ACA489C6}"/>
+              </a:ext>
+            </a:extLst>
+          </p:cNvPr>
+          <p:cNvSpPr txBox="1"/>
+          <p:nvPr/>
+        </p:nvSpPr>
+        <p:spPr>
+          <a:xfrm>
+            <a:off x="7207794" y="1674727"/>
+            <a:ext cx="2057400" cy="2031325"/>
+          </a:xfrm>
+          <a:prstGeom prst="rect">
+            <a:avLst/>
+          </a:prstGeom>
+          <a:noFill/>
+        </p:spPr>
+        <p:txBody>
+          <a:bodyPr wrap="square" rtlCol="0">
+            <a:spAutoFit/>
+          </a:bodyPr>
+          <a:lstStyle/>
+          <a:p>
+            <a:r>
+              <a:rPr lang="en-US" dirty="0"/>
+              <a:t>1 (</a:t>
+            </a:r>
+            <a:r>
+              <a:rPr lang="en-US" dirty="0" err="1"/>
+              <a:t>Peepo</a:t>
+            </a:r>
+            <a:r>
+              <a:rPr lang="en-US" dirty="0"/>
+              <a:t>)       </a:t>
+            </a:r>
+          </a:p>
+          <a:p>
+            <a:endParaRPr lang="en-US" dirty="0"/>
+          </a:p>
+          <a:p>
+            <a:r>
+              <a:rPr lang="en-US" dirty="0"/>
+              <a:t>1   (</a:t>
+            </a:r>
+            <a:r>
+              <a:rPr lang="en-US" dirty="0" err="1"/>
+              <a:t>Peepo</a:t>
+            </a:r>
+            <a:r>
+              <a:rPr lang="en-US" dirty="0"/>
+              <a:t>)</a:t>
+            </a:r>
+          </a:p>
+          <a:p>
+            <a:endParaRPr lang="en-US" dirty="0"/>
+          </a:p>
+          <a:p>
+            <a:r>
+              <a:rPr lang="en-US" dirty="0"/>
+              <a:t>2   (Jenna)</a:t>
+            </a:r>
+          </a:p>
+          <a:p>
+            <a:endParaRPr lang="en-US" dirty="0"/>
+          </a:p>
+          <a:p>
+            <a:r>
+              <a:rPr lang="en-US" dirty="0"/>
+              <a:t>3    (Einstein)      </a:t>
+            </a:r>
+          </a:p>
+        </p:txBody>
+      </p:sp>
+      <p:cxnSp>
+        <p:nvCxnSpPr>
+          <p:cNvPr id="55" name="Straight Connector 54">
+            <a:extLst>
+              <a:ext uri="{FF2B5EF4-FFF2-40B4-BE49-F238E27FC236}">
+                <a16:creationId xmlns:a16="http://schemas.microsoft.com/office/drawing/2014/main" id="{7DDFD51B-F6B6-4487-B678-02F18DB98E8B}"/>
+              </a:ext>
+            </a:extLst>
+          </p:cNvPr>
+          <p:cNvCxnSpPr/>
+          <p:nvPr/>
+        </p:nvCxnSpPr>
+        <p:spPr>
+          <a:xfrm>
+            <a:off x="6972662" y="1559952"/>
+            <a:ext cx="4310743" cy="0"/>
+          </a:xfrm>
+          <a:prstGeom prst="line">
+            <a:avLst/>
+          </a:prstGeom>
+        </p:spPr>
+        <p:style>
+          <a:lnRef idx="1">
+            <a:schemeClr val="accent1"/>
+          </a:lnRef>
+          <a:fillRef idx="0">
+            <a:schemeClr val="accent1"/>
+          </a:fillRef>
+          <a:effectRef idx="0">
+            <a:schemeClr val="accent1"/>
+          </a:effectRef>
+          <a:fontRef idx="minor">
+            <a:schemeClr val="tx1"/>
+          </a:fontRef>
+        </p:style>
+      </p:cxnSp>
+      <p:sp>
+        <p:nvSpPr>
+          <p:cNvPr id="56" name="TextBox 55">
+            <a:extLst>
+              <a:ext uri="{FF2B5EF4-FFF2-40B4-BE49-F238E27FC236}">
+                <a16:creationId xmlns:a16="http://schemas.microsoft.com/office/drawing/2014/main" id="{8D26FE42-2AEC-4E55-AFED-BBD1EDB8BD84}"/>
+              </a:ext>
+            </a:extLst>
+          </p:cNvPr>
+          <p:cNvSpPr txBox="1"/>
+          <p:nvPr/>
+        </p:nvSpPr>
+        <p:spPr>
+          <a:xfrm>
+            <a:off x="7188200" y="1189150"/>
+            <a:ext cx="2057400" cy="369332"/>
+          </a:xfrm>
+          <a:prstGeom prst="rect">
+            <a:avLst/>
+          </a:prstGeom>
+          <a:noFill/>
+        </p:spPr>
+        <p:txBody>
+          <a:bodyPr wrap="square" rtlCol="0">
+            <a:spAutoFit/>
+          </a:bodyPr>
+          <a:lstStyle/>
+          <a:p>
+            <a:pPr algn="ctr"/>
+            <a:r>
+              <a:rPr lang="en-US" dirty="0"/>
+              <a:t>STUDENT_ID</a:t>
+            </a:r>
+          </a:p>
+        </p:txBody>
+      </p:sp>
+      <p:sp>
+        <p:nvSpPr>
+          <p:cNvPr id="57" name="TextBox 56">
+            <a:extLst>
+              <a:ext uri="{FF2B5EF4-FFF2-40B4-BE49-F238E27FC236}">
+                <a16:creationId xmlns:a16="http://schemas.microsoft.com/office/drawing/2014/main" id="{1E0D81D7-AC4B-4919-8812-500DE7E56EFC}"/>
+              </a:ext>
+            </a:extLst>
+          </p:cNvPr>
+          <p:cNvSpPr txBox="1"/>
+          <p:nvPr/>
+        </p:nvSpPr>
+        <p:spPr>
+          <a:xfrm>
+            <a:off x="9104080" y="1172235"/>
+            <a:ext cx="2057400" cy="369332"/>
+          </a:xfrm>
+          <a:prstGeom prst="rect">
+            <a:avLst/>
+          </a:prstGeom>
+          <a:noFill/>
+        </p:spPr>
+        <p:txBody>
+          <a:bodyPr wrap="square" rtlCol="0">
+            <a:spAutoFit/>
+          </a:bodyPr>
+          <a:lstStyle/>
+          <a:p>
+            <a:pPr algn="ctr"/>
+            <a:r>
+              <a:rPr lang="en-US" dirty="0"/>
+              <a:t>COURSE_ID</a:t>
+            </a:r>
+          </a:p>
+        </p:txBody>
+      </p:sp>
+      <p:cxnSp>
+        <p:nvCxnSpPr>
+          <p:cNvPr id="58" name="Straight Connector 57">
+            <a:extLst>
+              <a:ext uri="{FF2B5EF4-FFF2-40B4-BE49-F238E27FC236}">
+                <a16:creationId xmlns:a16="http://schemas.microsoft.com/office/drawing/2014/main" id="{DFADA182-7797-4D3C-A177-BA8EC7C8FABE}"/>
+              </a:ext>
+            </a:extLst>
+          </p:cNvPr>
+          <p:cNvCxnSpPr/>
+          <p:nvPr/>
+        </p:nvCxnSpPr>
+        <p:spPr>
+          <a:xfrm>
+            <a:off x="6972662" y="2751240"/>
+            <a:ext cx="4310743" cy="0"/>
+          </a:xfrm>
+          <a:prstGeom prst="line">
+            <a:avLst/>
+          </a:prstGeom>
+        </p:spPr>
+        <p:style>
+          <a:lnRef idx="1">
+            <a:schemeClr val="accent1"/>
+          </a:lnRef>
+          <a:fillRef idx="0">
+            <a:schemeClr val="accent1"/>
+          </a:fillRef>
+          <a:effectRef idx="0">
+            <a:schemeClr val="accent1"/>
+          </a:effectRef>
+          <a:fontRef idx="minor">
+            <a:schemeClr val="tx1"/>
+          </a:fontRef>
+        </p:style>
+      </p:cxnSp>
+      <p:cxnSp>
+        <p:nvCxnSpPr>
+          <p:cNvPr id="60" name="Straight Connector 59">
+            <a:extLst>
+              <a:ext uri="{FF2B5EF4-FFF2-40B4-BE49-F238E27FC236}">
+                <a16:creationId xmlns:a16="http://schemas.microsoft.com/office/drawing/2014/main" id="{70DADF3D-B66F-4C98-84D2-1876DFF83C09}"/>
+              </a:ext>
+            </a:extLst>
+          </p:cNvPr>
+          <p:cNvCxnSpPr/>
+          <p:nvPr/>
+        </p:nvCxnSpPr>
+        <p:spPr>
+          <a:xfrm>
+            <a:off x="6972662" y="3348000"/>
+            <a:ext cx="4310743" cy="0"/>
+          </a:xfrm>
+          <a:prstGeom prst="line">
+            <a:avLst/>
+          </a:prstGeom>
+        </p:spPr>
+        <p:style>
+          <a:lnRef idx="1">
+            <a:schemeClr val="accent1"/>
+          </a:lnRef>
+          <a:fillRef idx="0">
+            <a:schemeClr val="accent1"/>
+          </a:fillRef>
+          <a:effectRef idx="0">
+            <a:schemeClr val="accent1"/>
+          </a:effectRef>
+          <a:fontRef idx="minor">
+            <a:schemeClr val="tx1"/>
+          </a:fontRef>
+        </p:style>
+      </p:cxnSp>
+      <p:sp>
+        <p:nvSpPr>
+          <p:cNvPr id="62" name="TextBox 61">
+            <a:extLst>
+              <a:ext uri="{FF2B5EF4-FFF2-40B4-BE49-F238E27FC236}">
+                <a16:creationId xmlns:a16="http://schemas.microsoft.com/office/drawing/2014/main" id="{FB89E555-883B-4EC3-AEFC-0272F3329D71}"/>
+              </a:ext>
+            </a:extLst>
+          </p:cNvPr>
+          <p:cNvSpPr txBox="1"/>
+          <p:nvPr/>
+        </p:nvSpPr>
+        <p:spPr>
+          <a:xfrm>
+            <a:off x="9914708" y="1695260"/>
+            <a:ext cx="2057400" cy="2031325"/>
+          </a:xfrm>
+          <a:prstGeom prst="rect">
+            <a:avLst/>
+          </a:prstGeom>
+          <a:noFill/>
+        </p:spPr>
+        <p:txBody>
+          <a:bodyPr wrap="square" rtlCol="0">
+            <a:spAutoFit/>
+          </a:bodyPr>
+          <a:lstStyle/>
+          <a:p>
+            <a:r>
+              <a:rPr lang="en-US" dirty="0"/>
+              <a:t>2  (Java) </a:t>
+            </a:r>
+          </a:p>
+          <a:p>
+            <a:endParaRPr lang="en-US" dirty="0"/>
+          </a:p>
+          <a:p>
+            <a:r>
+              <a:rPr lang="en-US" dirty="0"/>
+              <a:t>3   (C++)</a:t>
+            </a:r>
+          </a:p>
+          <a:p>
+            <a:endParaRPr lang="en-US" dirty="0"/>
+          </a:p>
+          <a:p>
+            <a:r>
+              <a:rPr lang="en-US" dirty="0"/>
+              <a:t>1  (Python)</a:t>
+            </a:r>
+          </a:p>
+          <a:p>
+            <a:endParaRPr lang="en-US" dirty="0"/>
+          </a:p>
+          <a:p>
+            <a:r>
+              <a:rPr lang="en-US" dirty="0"/>
+              <a:t>1    (Python)     </a:t>
+            </a:r>
+          </a:p>
+        </p:txBody>
+      </p:sp>
+      <p:sp>
+        <p:nvSpPr>
+          <p:cNvPr id="63" name="Rectangle 62">
+            <a:extLst>
+              <a:ext uri="{FF2B5EF4-FFF2-40B4-BE49-F238E27FC236}">
+                <a16:creationId xmlns:a16="http://schemas.microsoft.com/office/drawing/2014/main" id="{4F0EAA27-1E68-41C3-B0E8-ED3B110022E7}"/>
+              </a:ext>
+            </a:extLst>
+          </p:cNvPr>
+          <p:cNvSpPr/>
+          <p:nvPr/>
+        </p:nvSpPr>
+        <p:spPr>
+          <a:xfrm>
+            <a:off x="4098836" y="4228013"/>
+            <a:ext cx="4310743" cy="2617931"/>
+          </a:xfrm>
+          <a:prstGeom prst="rect">
+            <a:avLst/>
+          </a:prstGeom>
+          <a:noFill/>
+        </p:spPr>
+        <p:style>
+          <a:lnRef idx="2">
+            <a:schemeClr val="accent1">
+              <a:shade val="50000"/>
+            </a:schemeClr>
+          </a:lnRef>
+          <a:fillRef idx="1">
+            <a:schemeClr val="accent1"/>
+          </a:fillRef>
+          <a:effectRef idx="0">
+            <a:schemeClr val="accent1"/>
+          </a:effectRef>
+          <a:fontRef idx="minor">
+            <a:schemeClr val="lt1"/>
+          </a:fontRef>
+        </p:style>
+        <p:txBody>
+          <a:bodyPr rtlCol="0" anchor="ctr"/>
+          <a:lstStyle/>
+          <a:p>
+            <a:pPr algn="ctr"/>
+            <a:endParaRPr lang="en-US"/>
+          </a:p>
+        </p:txBody>
+      </p:sp>
+      <p:cxnSp>
+        <p:nvCxnSpPr>
+          <p:cNvPr id="64" name="Straight Connector 63">
+            <a:extLst>
+              <a:ext uri="{FF2B5EF4-FFF2-40B4-BE49-F238E27FC236}">
+                <a16:creationId xmlns:a16="http://schemas.microsoft.com/office/drawing/2014/main" id="{726BF43F-34C6-43C7-844E-00D5A612E930}"/>
+              </a:ext>
+            </a:extLst>
+          </p:cNvPr>
+          <p:cNvCxnSpPr/>
+          <p:nvPr/>
+        </p:nvCxnSpPr>
+        <p:spPr>
+          <a:xfrm>
+            <a:off x="4098836" y="4646025"/>
+            <a:ext cx="4310743" cy="0"/>
+          </a:xfrm>
+          <a:prstGeom prst="line">
+            <a:avLst/>
+          </a:prstGeom>
+        </p:spPr>
+        <p:style>
+          <a:lnRef idx="1">
+            <a:schemeClr val="accent1"/>
+          </a:lnRef>
+          <a:fillRef idx="0">
+            <a:schemeClr val="accent1"/>
+          </a:fillRef>
+          <a:effectRef idx="0">
+            <a:schemeClr val="accent1"/>
+          </a:effectRef>
+          <a:fontRef idx="minor">
+            <a:schemeClr val="tx1"/>
+          </a:fontRef>
+        </p:style>
+      </p:cxnSp>
+      <p:sp>
+        <p:nvSpPr>
+          <p:cNvPr id="65" name="TextBox 64">
+            <a:extLst>
+              <a:ext uri="{FF2B5EF4-FFF2-40B4-BE49-F238E27FC236}">
+                <a16:creationId xmlns:a16="http://schemas.microsoft.com/office/drawing/2014/main" id="{C123F7FC-9972-4794-97BF-8766786A8F7E}"/>
+              </a:ext>
+            </a:extLst>
+          </p:cNvPr>
+          <p:cNvSpPr txBox="1"/>
+          <p:nvPr/>
+        </p:nvSpPr>
+        <p:spPr>
+          <a:xfrm>
+            <a:off x="5509625" y="4228014"/>
+            <a:ext cx="1763485" cy="369332"/>
+          </a:xfrm>
+          <a:prstGeom prst="rect">
+            <a:avLst/>
+          </a:prstGeom>
+          <a:noFill/>
+        </p:spPr>
+        <p:txBody>
+          <a:bodyPr wrap="square" rtlCol="0">
+            <a:spAutoFit/>
+          </a:bodyPr>
+          <a:lstStyle/>
+          <a:p>
+            <a:r>
+              <a:rPr lang="en-US" dirty="0"/>
+              <a:t>Student Table</a:t>
+            </a:r>
+          </a:p>
+        </p:txBody>
+      </p:sp>
+      <p:cxnSp>
+        <p:nvCxnSpPr>
+          <p:cNvPr id="66" name="Straight Connector 65">
+            <a:extLst>
+              <a:ext uri="{FF2B5EF4-FFF2-40B4-BE49-F238E27FC236}">
+                <a16:creationId xmlns:a16="http://schemas.microsoft.com/office/drawing/2014/main" id="{052BC2A5-64AD-4867-B1CA-7650AF991FBB}"/>
+              </a:ext>
+            </a:extLst>
+          </p:cNvPr>
+          <p:cNvCxnSpPr>
+            <a:cxnSpLocks/>
+            <a:stCxn id="65" idx="2"/>
+          </p:cNvCxnSpPr>
+          <p:nvPr/>
+        </p:nvCxnSpPr>
+        <p:spPr>
+          <a:xfrm flipH="1">
+            <a:off x="6371773" y="4597346"/>
+            <a:ext cx="19595" cy="2248599"/>
+          </a:xfrm>
+          <a:prstGeom prst="line">
+            <a:avLst/>
+          </a:prstGeom>
+        </p:spPr>
+        <p:style>
+          <a:lnRef idx="1">
+            <a:schemeClr val="accent1"/>
+          </a:lnRef>
+          <a:fillRef idx="0">
+            <a:schemeClr val="accent1"/>
+          </a:fillRef>
+          <a:effectRef idx="0">
+            <a:schemeClr val="accent1"/>
+          </a:effectRef>
+          <a:fontRef idx="minor">
+            <a:schemeClr val="tx1"/>
+          </a:fontRef>
+        </p:style>
+      </p:cxnSp>
+      <p:cxnSp>
+        <p:nvCxnSpPr>
+          <p:cNvPr id="67" name="Straight Connector 66">
+            <a:extLst>
+              <a:ext uri="{FF2B5EF4-FFF2-40B4-BE49-F238E27FC236}">
+                <a16:creationId xmlns:a16="http://schemas.microsoft.com/office/drawing/2014/main" id="{CA5CDA0B-F89C-4752-B2A4-C443693C9523}"/>
+              </a:ext>
+            </a:extLst>
+          </p:cNvPr>
+          <p:cNvCxnSpPr/>
+          <p:nvPr/>
+        </p:nvCxnSpPr>
+        <p:spPr>
+          <a:xfrm>
+            <a:off x="4098836" y="5741519"/>
+            <a:ext cx="4310743" cy="0"/>
+          </a:xfrm>
+          <a:prstGeom prst="line">
+            <a:avLst/>
+          </a:prstGeom>
+        </p:spPr>
+        <p:style>
+          <a:lnRef idx="1">
+            <a:schemeClr val="accent1"/>
+          </a:lnRef>
+          <a:fillRef idx="0">
+            <a:schemeClr val="accent1"/>
+          </a:fillRef>
+          <a:effectRef idx="0">
+            <a:schemeClr val="accent1"/>
+          </a:effectRef>
+          <a:fontRef idx="minor">
+            <a:schemeClr val="tx1"/>
+          </a:fontRef>
+        </p:style>
+      </p:cxnSp>
+      <p:sp>
+        <p:nvSpPr>
+          <p:cNvPr id="68" name="TextBox 67">
+            <a:extLst>
+              <a:ext uri="{FF2B5EF4-FFF2-40B4-BE49-F238E27FC236}">
+                <a16:creationId xmlns:a16="http://schemas.microsoft.com/office/drawing/2014/main" id="{9381F132-2E35-4147-9432-064CB849C458}"/>
+              </a:ext>
+            </a:extLst>
+          </p:cNvPr>
+          <p:cNvSpPr txBox="1"/>
+          <p:nvPr/>
+        </p:nvSpPr>
+        <p:spPr>
+          <a:xfrm>
+            <a:off x="4333967" y="5172672"/>
+            <a:ext cx="2057400" cy="369332"/>
+          </a:xfrm>
+          <a:prstGeom prst="rect">
+            <a:avLst/>
+          </a:prstGeom>
+          <a:noFill/>
+        </p:spPr>
+        <p:txBody>
+          <a:bodyPr wrap="square" rtlCol="0">
+            <a:spAutoFit/>
+          </a:bodyPr>
+          <a:lstStyle/>
+          <a:p>
+            <a:r>
+              <a:rPr lang="en-US" dirty="0" err="1"/>
+              <a:t>Peepo</a:t>
+            </a:r>
+            <a:endParaRPr lang="en-US" dirty="0"/>
+          </a:p>
+        </p:txBody>
+      </p:sp>
+      <p:sp>
+        <p:nvSpPr>
+          <p:cNvPr id="69" name="TextBox 68">
+            <a:extLst>
+              <a:ext uri="{FF2B5EF4-FFF2-40B4-BE49-F238E27FC236}">
+                <a16:creationId xmlns:a16="http://schemas.microsoft.com/office/drawing/2014/main" id="{1C53DA62-E6E3-49D8-ADA2-711CF25E4FB8}"/>
+              </a:ext>
+            </a:extLst>
+          </p:cNvPr>
+          <p:cNvSpPr txBox="1"/>
+          <p:nvPr/>
+        </p:nvSpPr>
+        <p:spPr>
+          <a:xfrm>
+            <a:off x="4314374" y="5879853"/>
+            <a:ext cx="2057400" cy="369332"/>
+          </a:xfrm>
+          <a:prstGeom prst="rect">
+            <a:avLst/>
+          </a:prstGeom>
+          <a:noFill/>
+        </p:spPr>
+        <p:txBody>
+          <a:bodyPr wrap="square" rtlCol="0">
+            <a:spAutoFit/>
+          </a:bodyPr>
+          <a:lstStyle/>
+          <a:p>
+            <a:r>
+              <a:rPr lang="en-US" dirty="0"/>
+              <a:t>Jenna</a:t>
+            </a:r>
+          </a:p>
+        </p:txBody>
+      </p:sp>
+      <p:sp>
+        <p:nvSpPr>
+          <p:cNvPr id="70" name="TextBox 69">
+            <a:extLst>
+              <a:ext uri="{FF2B5EF4-FFF2-40B4-BE49-F238E27FC236}">
+                <a16:creationId xmlns:a16="http://schemas.microsoft.com/office/drawing/2014/main" id="{95D10FA3-FC4B-4D98-AC85-BF28F736E43E}"/>
+              </a:ext>
+            </a:extLst>
+          </p:cNvPr>
+          <p:cNvSpPr txBox="1"/>
+          <p:nvPr/>
+        </p:nvSpPr>
+        <p:spPr>
+          <a:xfrm>
+            <a:off x="7227390" y="5153691"/>
+            <a:ext cx="2057400" cy="369332"/>
+          </a:xfrm>
+          <a:prstGeom prst="rect">
+            <a:avLst/>
+          </a:prstGeom>
+          <a:noFill/>
+        </p:spPr>
+        <p:txBody>
+          <a:bodyPr wrap="square" rtlCol="0">
+            <a:spAutoFit/>
+          </a:bodyPr>
+          <a:lstStyle/>
+          <a:p>
+            <a:r>
+              <a:rPr lang="en-US" dirty="0"/>
+              <a:t>1</a:t>
+            </a:r>
+          </a:p>
+        </p:txBody>
+      </p:sp>
+      <p:sp>
+        <p:nvSpPr>
+          <p:cNvPr id="71" name="TextBox 70">
+            <a:extLst>
+              <a:ext uri="{FF2B5EF4-FFF2-40B4-BE49-F238E27FC236}">
+                <a16:creationId xmlns:a16="http://schemas.microsoft.com/office/drawing/2014/main" id="{28B36729-7F75-4214-B97E-FE3C4493924F}"/>
+              </a:ext>
+            </a:extLst>
+          </p:cNvPr>
+          <p:cNvSpPr txBox="1"/>
+          <p:nvPr/>
+        </p:nvSpPr>
+        <p:spPr>
+          <a:xfrm>
+            <a:off x="7227390" y="5844236"/>
+            <a:ext cx="2057400" cy="369332"/>
+          </a:xfrm>
+          <a:prstGeom prst="rect">
+            <a:avLst/>
+          </a:prstGeom>
+          <a:noFill/>
+        </p:spPr>
+        <p:txBody>
+          <a:bodyPr wrap="square" rtlCol="0">
+            <a:spAutoFit/>
+          </a:bodyPr>
+          <a:lstStyle/>
+          <a:p>
+            <a:r>
+              <a:rPr lang="en-US" dirty="0"/>
+              <a:t>2</a:t>
+            </a:r>
+          </a:p>
+        </p:txBody>
+      </p:sp>
+      <p:cxnSp>
+        <p:nvCxnSpPr>
+          <p:cNvPr id="72" name="Straight Connector 71">
+            <a:extLst>
+              <a:ext uri="{FF2B5EF4-FFF2-40B4-BE49-F238E27FC236}">
+                <a16:creationId xmlns:a16="http://schemas.microsoft.com/office/drawing/2014/main" id="{1F58BE95-DA38-4CFC-A0B0-9355FEED69F8}"/>
+              </a:ext>
+            </a:extLst>
+          </p:cNvPr>
+          <p:cNvCxnSpPr/>
+          <p:nvPr/>
+        </p:nvCxnSpPr>
+        <p:spPr>
+          <a:xfrm>
+            <a:off x="4098835" y="5057897"/>
+            <a:ext cx="4310743" cy="0"/>
+          </a:xfrm>
+          <a:prstGeom prst="line">
+            <a:avLst/>
+          </a:prstGeom>
+        </p:spPr>
+        <p:style>
+          <a:lnRef idx="1">
+            <a:schemeClr val="accent1"/>
+          </a:lnRef>
+          <a:fillRef idx="0">
+            <a:schemeClr val="accent1"/>
+          </a:fillRef>
+          <a:effectRef idx="0">
+            <a:schemeClr val="accent1"/>
+          </a:effectRef>
+          <a:fontRef idx="minor">
+            <a:schemeClr val="tx1"/>
+          </a:fontRef>
+        </p:style>
+      </p:cxnSp>
+      <p:sp>
+        <p:nvSpPr>
+          <p:cNvPr id="73" name="TextBox 72">
+            <a:extLst>
+              <a:ext uri="{FF2B5EF4-FFF2-40B4-BE49-F238E27FC236}">
+                <a16:creationId xmlns:a16="http://schemas.microsoft.com/office/drawing/2014/main" id="{06E63D91-EA1C-41E0-B088-FBAD3C3A6F20}"/>
+              </a:ext>
+            </a:extLst>
+          </p:cNvPr>
+          <p:cNvSpPr txBox="1"/>
+          <p:nvPr/>
+        </p:nvSpPr>
+        <p:spPr>
+          <a:xfrm>
+            <a:off x="4314373" y="4687095"/>
+            <a:ext cx="2057400" cy="369332"/>
+          </a:xfrm>
+          <a:prstGeom prst="rect">
+            <a:avLst/>
+          </a:prstGeom>
+          <a:noFill/>
+        </p:spPr>
+        <p:txBody>
+          <a:bodyPr wrap="square" rtlCol="0">
+            <a:spAutoFit/>
+          </a:bodyPr>
+          <a:lstStyle/>
+          <a:p>
+            <a:pPr algn="ctr"/>
+            <a:r>
+              <a:rPr lang="en-US" dirty="0"/>
+              <a:t>name</a:t>
+            </a:r>
+          </a:p>
+        </p:txBody>
+      </p:sp>
+      <p:sp>
+        <p:nvSpPr>
+          <p:cNvPr id="74" name="TextBox 73">
+            <a:extLst>
+              <a:ext uri="{FF2B5EF4-FFF2-40B4-BE49-F238E27FC236}">
+                <a16:creationId xmlns:a16="http://schemas.microsoft.com/office/drawing/2014/main" id="{F9072929-F592-49FD-8BDF-3CDC5C2E17DA}"/>
+              </a:ext>
+            </a:extLst>
+          </p:cNvPr>
+          <p:cNvSpPr txBox="1"/>
+          <p:nvPr/>
+        </p:nvSpPr>
+        <p:spPr>
+          <a:xfrm>
+            <a:off x="6230253" y="4670180"/>
+            <a:ext cx="2057400" cy="369332"/>
+          </a:xfrm>
+          <a:prstGeom prst="rect">
+            <a:avLst/>
+          </a:prstGeom>
+          <a:noFill/>
+        </p:spPr>
+        <p:txBody>
+          <a:bodyPr wrap="square" rtlCol="0">
+            <a:spAutoFit/>
+          </a:bodyPr>
+          <a:lstStyle/>
+          <a:p>
+            <a:pPr algn="ctr"/>
+            <a:r>
+              <a:rPr lang="en-US" dirty="0"/>
+              <a:t>ID</a:t>
+            </a:r>
+          </a:p>
+        </p:txBody>
+      </p:sp>
+      <p:cxnSp>
+        <p:nvCxnSpPr>
+          <p:cNvPr id="75" name="Straight Connector 74">
+            <a:extLst>
+              <a:ext uri="{FF2B5EF4-FFF2-40B4-BE49-F238E27FC236}">
+                <a16:creationId xmlns:a16="http://schemas.microsoft.com/office/drawing/2014/main" id="{9C0B08A3-DB12-4158-8A10-D63656BEC2E5}"/>
+              </a:ext>
+            </a:extLst>
+          </p:cNvPr>
+          <p:cNvCxnSpPr/>
+          <p:nvPr/>
+        </p:nvCxnSpPr>
+        <p:spPr>
+          <a:xfrm>
+            <a:off x="4098835" y="6249185"/>
+            <a:ext cx="4310743" cy="0"/>
+          </a:xfrm>
+          <a:prstGeom prst="line">
+            <a:avLst/>
+          </a:prstGeom>
+        </p:spPr>
+        <p:style>
+          <a:lnRef idx="1">
+            <a:schemeClr val="accent1"/>
+          </a:lnRef>
+          <a:fillRef idx="0">
+            <a:schemeClr val="accent1"/>
+          </a:fillRef>
+          <a:effectRef idx="0">
+            <a:schemeClr val="accent1"/>
+          </a:effectRef>
+          <a:fontRef idx="minor">
+            <a:schemeClr val="tx1"/>
+          </a:fontRef>
+        </p:style>
+      </p:cxnSp>
+      <p:sp>
+        <p:nvSpPr>
+          <p:cNvPr id="76" name="TextBox 75">
+            <a:extLst>
+              <a:ext uri="{FF2B5EF4-FFF2-40B4-BE49-F238E27FC236}">
+                <a16:creationId xmlns:a16="http://schemas.microsoft.com/office/drawing/2014/main" id="{ABDA8173-702C-4AD4-9BC3-8863AB63782E}"/>
+              </a:ext>
+            </a:extLst>
+          </p:cNvPr>
+          <p:cNvSpPr txBox="1"/>
+          <p:nvPr/>
+        </p:nvSpPr>
+        <p:spPr>
+          <a:xfrm>
+            <a:off x="4353562" y="6367476"/>
+            <a:ext cx="2057400" cy="369332"/>
+          </a:xfrm>
+          <a:prstGeom prst="rect">
+            <a:avLst/>
+          </a:prstGeom>
+          <a:noFill/>
+        </p:spPr>
+        <p:txBody>
+          <a:bodyPr wrap="square" rtlCol="0">
+            <a:spAutoFit/>
+          </a:bodyPr>
+          <a:lstStyle/>
+          <a:p>
+            <a:r>
+              <a:rPr lang="en-US" dirty="0"/>
+              <a:t>Einstein</a:t>
+            </a:r>
+          </a:p>
+        </p:txBody>
+      </p:sp>
+      <p:sp>
+        <p:nvSpPr>
+          <p:cNvPr id="77" name="TextBox 76">
+            <a:extLst>
+              <a:ext uri="{FF2B5EF4-FFF2-40B4-BE49-F238E27FC236}">
+                <a16:creationId xmlns:a16="http://schemas.microsoft.com/office/drawing/2014/main" id="{BD62B6A9-19C4-49C1-892A-F01B53E42BCF}"/>
+              </a:ext>
+            </a:extLst>
+          </p:cNvPr>
+          <p:cNvSpPr txBox="1"/>
+          <p:nvPr/>
+        </p:nvSpPr>
+        <p:spPr>
+          <a:xfrm>
+            <a:off x="7214327" y="6346153"/>
+            <a:ext cx="2057400" cy="369332"/>
+          </a:xfrm>
+          <a:prstGeom prst="rect">
+            <a:avLst/>
+          </a:prstGeom>
+          <a:noFill/>
+        </p:spPr>
+        <p:txBody>
+          <a:bodyPr wrap="square" rtlCol="0">
+            <a:spAutoFit/>
+          </a:bodyPr>
+          <a:lstStyle/>
+          <a:p>
+            <a:r>
+              <a:rPr lang="en-US" dirty="0"/>
+              <a:t>3</a:t>
+            </a:r>
+          </a:p>
+        </p:txBody>
+      </p:sp>
+      <p:sp>
+        <p:nvSpPr>
+          <p:cNvPr id="79" name="TextBox 78">
+            <a:extLst>
+              <a:ext uri="{FF2B5EF4-FFF2-40B4-BE49-F238E27FC236}">
+                <a16:creationId xmlns:a16="http://schemas.microsoft.com/office/drawing/2014/main" id="{B5455CE2-9948-43D8-85D6-D14A961A6BBC}"/>
+              </a:ext>
+            </a:extLst>
+          </p:cNvPr>
+          <p:cNvSpPr txBox="1"/>
+          <p:nvPr/>
+        </p:nvSpPr>
+        <p:spPr>
+          <a:xfrm>
+            <a:off x="8503190" y="4228013"/>
+            <a:ext cx="3468917" cy="2585323"/>
+          </a:xfrm>
+          <a:prstGeom prst="rect">
+            <a:avLst/>
+          </a:prstGeom>
+          <a:noFill/>
+        </p:spPr>
+        <p:txBody>
+          <a:bodyPr wrap="square" rtlCol="0">
+            <a:spAutoFit/>
+          </a:bodyPr>
+          <a:lstStyle/>
+          <a:p>
+            <a:r>
+              <a:rPr lang="en-US" dirty="0"/>
+              <a:t>Try to connect lines. </a:t>
+            </a:r>
+          </a:p>
+          <a:p>
+            <a:r>
+              <a:rPr lang="en-US" dirty="0" err="1">
+                <a:solidFill>
+                  <a:srgbClr val="7030A0"/>
+                </a:solidFill>
+              </a:rPr>
+              <a:t>Peepo</a:t>
+            </a:r>
+            <a:r>
+              <a:rPr lang="en-US" dirty="0">
+                <a:solidFill>
+                  <a:srgbClr val="7030A0"/>
+                </a:solidFill>
+              </a:rPr>
+              <a:t> is a student of course Java and C++  </a:t>
+            </a:r>
+          </a:p>
+          <a:p>
+            <a:pPr marL="285750" indent="-285750">
+              <a:buFont typeface="Symbol" panose="05050102010706020507" pitchFamily="18" charset="2"/>
+              <a:buChar char="Þ"/>
+            </a:pPr>
+            <a:r>
+              <a:rPr lang="en-US" dirty="0">
+                <a:solidFill>
+                  <a:srgbClr val="7030A0"/>
+                </a:solidFill>
+              </a:rPr>
+              <a:t>ONE TO MANY </a:t>
+            </a:r>
+          </a:p>
+          <a:p>
+            <a:pPr marL="285750" indent="-285750">
+              <a:buFont typeface="Symbol" panose="05050102010706020507" pitchFamily="18" charset="2"/>
+              <a:buChar char="Þ"/>
+            </a:pPr>
+            <a:endParaRPr lang="en-US" dirty="0">
+              <a:solidFill>
+                <a:srgbClr val="7030A0"/>
+              </a:solidFill>
+            </a:endParaRPr>
+          </a:p>
+          <a:p>
+            <a:r>
+              <a:rPr lang="en-US" dirty="0">
+                <a:solidFill>
+                  <a:schemeClr val="accent2">
+                    <a:lumMod val="75000"/>
+                  </a:schemeClr>
+                </a:solidFill>
+              </a:rPr>
+              <a:t>Jenna and Einstein are students of Python course</a:t>
+            </a:r>
+          </a:p>
+          <a:p>
+            <a:pPr marL="285750" indent="-285750">
+              <a:buFont typeface="Symbol" panose="05050102010706020507" pitchFamily="18" charset="2"/>
+              <a:buChar char="Þ"/>
+            </a:pPr>
+            <a:r>
+              <a:rPr lang="en-US" dirty="0">
+                <a:solidFill>
+                  <a:schemeClr val="accent2">
+                    <a:lumMod val="75000"/>
+                  </a:schemeClr>
+                </a:solidFill>
+              </a:rPr>
+              <a:t>MANY TO ONE </a:t>
+            </a:r>
+          </a:p>
+          <a:p>
+            <a:r>
+              <a:rPr lang="en-US" dirty="0"/>
+              <a:t>TOGETHER FORM MANY TO MANY</a:t>
+            </a:r>
+          </a:p>
+        </p:txBody>
+      </p:sp>
+    </p:spTree>
+    <p:extLst>
+      <p:ext uri="{BB962C8B-B14F-4D97-AF65-F5344CB8AC3E}">
+        <p14:creationId xmlns:p14="http://schemas.microsoft.com/office/powerpoint/2010/main" val="1244669969"/>
+      </p:ext>
+    </p:extLst>
+  </p:cSld>
+  <p:clrMapOvr>
+    <a:masterClrMapping/>
+  </p:clrMapOvr>
+</p:sld>
+</file>
+
 <file path=ppt/slides/slide2.xml><?xml version="1.0" encoding="utf-8"?>
+<p:sld xmlns:a="http://schemas.openxmlformats.org/drawingml/2006/main" xmlns:r="http://schemas.openxmlformats.org/officeDocument/2006/relationships" xmlns:p="http://schemas.openxmlformats.org/presentationml/2006/main">
+  <p:cSld>
+    <p:spTree>
+      <p:nvGrpSpPr>
+        <p:cNvPr id="1" name=""/>
+        <p:cNvGrpSpPr/>
+        <p:nvPr/>
+      </p:nvGrpSpPr>
+      <p:grpSpPr>
+        <a:xfrm>
+          <a:off x="0" y="0"/>
+          <a:ext cx="0" cy="0"/>
+          <a:chOff x="0" y="0"/>
+          <a:chExt cx="0" cy="0"/>
+        </a:xfrm>
+      </p:grpSpPr>
+      <p:pic>
+        <p:nvPicPr>
+          <p:cNvPr id="3" name="Picture 2">
+            <a:extLst>
+              <a:ext uri="{FF2B5EF4-FFF2-40B4-BE49-F238E27FC236}">
+                <a16:creationId xmlns:a16="http://schemas.microsoft.com/office/drawing/2014/main" id="{41A893F1-B24B-4F2C-BC8C-CD5441FB4424}"/>
+              </a:ext>
+            </a:extLst>
+          </p:cNvPr>
+          <p:cNvPicPr>
+            <a:picLocks noChangeAspect="1"/>
+          </p:cNvPicPr>
+          <p:nvPr/>
+        </p:nvPicPr>
+        <p:blipFill>
+          <a:blip r:embed="rId2">
+            <a:extLst>
+              <a:ext uri="{28A0092B-C50C-407E-A947-70E740481C1C}">
+                <a14:useLocalDpi xmlns:a14="http://schemas.microsoft.com/office/drawing/2010/main" val="0"/>
+              </a:ext>
+            </a:extLst>
+          </a:blip>
+          <a:stretch>
+            <a:fillRect/>
+          </a:stretch>
+        </p:blipFill>
+        <p:spPr>
+          <a:xfrm>
+            <a:off x="674028" y="156754"/>
+            <a:ext cx="11183760" cy="6701246"/>
+          </a:xfrm>
+          <a:prstGeom prst="rect">
+            <a:avLst/>
+          </a:prstGeom>
+        </p:spPr>
+      </p:pic>
+      <p:sp>
+        <p:nvSpPr>
+          <p:cNvPr id="4" name="Rectangle 3">
+            <a:extLst>
+              <a:ext uri="{FF2B5EF4-FFF2-40B4-BE49-F238E27FC236}">
+                <a16:creationId xmlns:a16="http://schemas.microsoft.com/office/drawing/2014/main" id="{EEB9F2DC-04CE-4361-B2DB-EC91FED9FAB2}"/>
+              </a:ext>
+            </a:extLst>
+          </p:cNvPr>
+          <p:cNvSpPr/>
+          <p:nvPr/>
+        </p:nvSpPr>
+        <p:spPr>
+          <a:xfrm>
+            <a:off x="6096000" y="6510746"/>
+            <a:ext cx="701040" cy="297180"/>
+          </a:xfrm>
+          <a:prstGeom prst="rect">
+            <a:avLst/>
+          </a:prstGeom>
+          <a:noFill/>
+          <a:ln>
+            <a:solidFill>
+              <a:schemeClr val="accent2"/>
+            </a:solidFill>
+          </a:ln>
+        </p:spPr>
+        <p:style>
+          <a:lnRef idx="2">
+            <a:schemeClr val="accent1">
+              <a:shade val="50000"/>
+            </a:schemeClr>
+          </a:lnRef>
+          <a:fillRef idx="1">
+            <a:schemeClr val="accent1"/>
+          </a:fillRef>
+          <a:effectRef idx="0">
+            <a:schemeClr val="accent1"/>
+          </a:effectRef>
+          <a:fontRef idx="minor">
+            <a:schemeClr val="lt1"/>
+          </a:fontRef>
+        </p:style>
+        <p:txBody>
+          <a:bodyPr rtlCol="0" anchor="ctr"/>
+          <a:lstStyle/>
+          <a:p>
+            <a:pPr algn="ctr"/>
+            <a:endParaRPr lang="en-US"/>
+          </a:p>
+        </p:txBody>
+      </p:sp>
+      <p:sp>
+        <p:nvSpPr>
+          <p:cNvPr id="5" name="TextBox 4">
+            <a:extLst>
+              <a:ext uri="{FF2B5EF4-FFF2-40B4-BE49-F238E27FC236}">
+                <a16:creationId xmlns:a16="http://schemas.microsoft.com/office/drawing/2014/main" id="{8194E078-ED6E-4E7A-B59E-CA688CC52A74}"/>
+              </a:ext>
+            </a:extLst>
+          </p:cNvPr>
+          <p:cNvSpPr txBox="1"/>
+          <p:nvPr/>
+        </p:nvSpPr>
+        <p:spPr>
+          <a:xfrm>
+            <a:off x="6873240" y="6507174"/>
+            <a:ext cx="1005840" cy="369332"/>
+          </a:xfrm>
+          <a:prstGeom prst="rect">
+            <a:avLst/>
+          </a:prstGeom>
+          <a:noFill/>
+        </p:spPr>
+        <p:txBody>
+          <a:bodyPr wrap="square" rtlCol="0">
+            <a:spAutoFit/>
+          </a:bodyPr>
+          <a:lstStyle/>
+          <a:p>
+            <a:r>
+              <a:rPr lang="en-US" dirty="0">
+                <a:solidFill>
+                  <a:schemeClr val="accent2"/>
+                </a:solidFill>
+              </a:rPr>
+              <a:t>Label-x</a:t>
+            </a:r>
+          </a:p>
+        </p:txBody>
+      </p:sp>
+      <p:sp>
+        <p:nvSpPr>
+          <p:cNvPr id="6" name="Rectangle 5">
+            <a:extLst>
+              <a:ext uri="{FF2B5EF4-FFF2-40B4-BE49-F238E27FC236}">
+                <a16:creationId xmlns:a16="http://schemas.microsoft.com/office/drawing/2014/main" id="{38ECFFA3-65C3-416E-8FCF-1D543F6D1DD7}"/>
+              </a:ext>
+            </a:extLst>
+          </p:cNvPr>
+          <p:cNvSpPr/>
+          <p:nvPr/>
+        </p:nvSpPr>
+        <p:spPr>
+          <a:xfrm rot="16200000">
+            <a:off x="1066800" y="3479800"/>
+            <a:ext cx="701040" cy="297180"/>
+          </a:xfrm>
+          <a:prstGeom prst="rect">
+            <a:avLst/>
+          </a:prstGeom>
+          <a:noFill/>
+          <a:ln>
+            <a:solidFill>
+              <a:schemeClr val="accent2"/>
+            </a:solidFill>
+          </a:ln>
+        </p:spPr>
+        <p:style>
+          <a:lnRef idx="2">
+            <a:schemeClr val="accent1">
+              <a:shade val="50000"/>
+            </a:schemeClr>
+          </a:lnRef>
+          <a:fillRef idx="1">
+            <a:schemeClr val="accent1"/>
+          </a:fillRef>
+          <a:effectRef idx="0">
+            <a:schemeClr val="accent1"/>
+          </a:effectRef>
+          <a:fontRef idx="minor">
+            <a:schemeClr val="lt1"/>
+          </a:fontRef>
+        </p:style>
+        <p:txBody>
+          <a:bodyPr rtlCol="0" anchor="ctr"/>
+          <a:lstStyle/>
+          <a:p>
+            <a:pPr algn="ctr"/>
+            <a:endParaRPr lang="en-US"/>
+          </a:p>
+        </p:txBody>
+      </p:sp>
+      <p:sp>
+        <p:nvSpPr>
+          <p:cNvPr id="7" name="TextBox 6">
+            <a:extLst>
+              <a:ext uri="{FF2B5EF4-FFF2-40B4-BE49-F238E27FC236}">
+                <a16:creationId xmlns:a16="http://schemas.microsoft.com/office/drawing/2014/main" id="{588C6F18-1DD4-444E-990B-6B6A14F5E716}"/>
+              </a:ext>
+            </a:extLst>
+          </p:cNvPr>
+          <p:cNvSpPr txBox="1"/>
+          <p:nvPr/>
+        </p:nvSpPr>
+        <p:spPr>
+          <a:xfrm rot="16200000">
+            <a:off x="581144" y="3443724"/>
+            <a:ext cx="1005840" cy="369332"/>
+          </a:xfrm>
+          <a:prstGeom prst="rect">
+            <a:avLst/>
+          </a:prstGeom>
+          <a:noFill/>
+        </p:spPr>
+        <p:txBody>
+          <a:bodyPr wrap="square" rtlCol="0">
+            <a:spAutoFit/>
+          </a:bodyPr>
+          <a:lstStyle/>
+          <a:p>
+            <a:r>
+              <a:rPr lang="en-US" dirty="0">
+                <a:solidFill>
+                  <a:schemeClr val="accent2"/>
+                </a:solidFill>
+              </a:rPr>
+              <a:t>Label-y</a:t>
+            </a:r>
+          </a:p>
+        </p:txBody>
+      </p:sp>
+      <p:sp>
+        <p:nvSpPr>
+          <p:cNvPr id="8" name="Rectangle 7">
+            <a:extLst>
+              <a:ext uri="{FF2B5EF4-FFF2-40B4-BE49-F238E27FC236}">
+                <a16:creationId xmlns:a16="http://schemas.microsoft.com/office/drawing/2014/main" id="{23CCEA64-0ED3-472A-844F-C1F28FE04FEB}"/>
+              </a:ext>
+            </a:extLst>
+          </p:cNvPr>
+          <p:cNvSpPr/>
+          <p:nvPr/>
+        </p:nvSpPr>
+        <p:spPr>
+          <a:xfrm>
+            <a:off x="1930400" y="1003300"/>
+            <a:ext cx="1701800" cy="825500"/>
+          </a:xfrm>
+          <a:prstGeom prst="rect">
+            <a:avLst/>
+          </a:prstGeom>
+          <a:noFill/>
+          <a:ln>
+            <a:solidFill>
+              <a:srgbClr val="7030A0"/>
+            </a:solidFill>
+          </a:ln>
+        </p:spPr>
+        <p:style>
+          <a:lnRef idx="2">
+            <a:schemeClr val="accent1">
+              <a:shade val="50000"/>
+            </a:schemeClr>
+          </a:lnRef>
+          <a:fillRef idx="1">
+            <a:schemeClr val="accent1"/>
+          </a:fillRef>
+          <a:effectRef idx="0">
+            <a:schemeClr val="accent1"/>
+          </a:effectRef>
+          <a:fontRef idx="minor">
+            <a:schemeClr val="lt1"/>
+          </a:fontRef>
+        </p:style>
+        <p:txBody>
+          <a:bodyPr rtlCol="0" anchor="ctr"/>
+          <a:lstStyle/>
+          <a:p>
+            <a:pPr algn="ctr"/>
+            <a:endParaRPr lang="en-US"/>
+          </a:p>
+        </p:txBody>
+      </p:sp>
+      <p:sp>
+        <p:nvSpPr>
+          <p:cNvPr id="9" name="TextBox 8">
+            <a:extLst>
+              <a:ext uri="{FF2B5EF4-FFF2-40B4-BE49-F238E27FC236}">
+                <a16:creationId xmlns:a16="http://schemas.microsoft.com/office/drawing/2014/main" id="{BC893480-FC86-4CFE-B1A6-11F933EBAF3C}"/>
+              </a:ext>
+            </a:extLst>
+          </p:cNvPr>
+          <p:cNvSpPr txBox="1"/>
+          <p:nvPr/>
+        </p:nvSpPr>
+        <p:spPr>
+          <a:xfrm>
+            <a:off x="1930400" y="526086"/>
+            <a:ext cx="1701800" cy="369332"/>
+          </a:xfrm>
+          <a:prstGeom prst="rect">
+            <a:avLst/>
+          </a:prstGeom>
+          <a:noFill/>
+        </p:spPr>
+        <p:txBody>
+          <a:bodyPr wrap="square" rtlCol="0">
+            <a:spAutoFit/>
+          </a:bodyPr>
+          <a:lstStyle/>
+          <a:p>
+            <a:pPr algn="ctr"/>
+            <a:r>
+              <a:rPr lang="en-US" dirty="0">
+                <a:solidFill>
+                  <a:srgbClr val="7030A0"/>
+                </a:solidFill>
+              </a:rPr>
+              <a:t>Legend</a:t>
+            </a:r>
+          </a:p>
+        </p:txBody>
+      </p:sp>
+      <p:sp>
+        <p:nvSpPr>
+          <p:cNvPr id="10" name="Oval 9">
+            <a:extLst>
+              <a:ext uri="{FF2B5EF4-FFF2-40B4-BE49-F238E27FC236}">
+                <a16:creationId xmlns:a16="http://schemas.microsoft.com/office/drawing/2014/main" id="{EE88D0D4-CA55-45D5-A057-913D15391A90}"/>
+              </a:ext>
+            </a:extLst>
+          </p:cNvPr>
+          <p:cNvSpPr/>
+          <p:nvPr/>
+        </p:nvSpPr>
+        <p:spPr>
+          <a:xfrm>
+            <a:off x="7086600" y="1828800"/>
+            <a:ext cx="609600" cy="495300"/>
+          </a:xfrm>
+          <a:prstGeom prst="ellipse">
+            <a:avLst/>
+          </a:prstGeom>
+          <a:noFill/>
+          <a:ln>
+            <a:solidFill>
+              <a:srgbClr val="7030A0"/>
+            </a:solidFill>
+          </a:ln>
+        </p:spPr>
+        <p:style>
+          <a:lnRef idx="2">
+            <a:schemeClr val="accent1">
+              <a:shade val="50000"/>
+            </a:schemeClr>
+          </a:lnRef>
+          <a:fillRef idx="1">
+            <a:schemeClr val="accent1"/>
+          </a:fillRef>
+          <a:effectRef idx="0">
+            <a:schemeClr val="accent1"/>
+          </a:effectRef>
+          <a:fontRef idx="minor">
+            <a:schemeClr val="lt1"/>
+          </a:fontRef>
+        </p:style>
+        <p:txBody>
+          <a:bodyPr rtlCol="0" anchor="ctr"/>
+          <a:lstStyle/>
+          <a:p>
+            <a:pPr algn="ctr"/>
+            <a:endParaRPr lang="en-US"/>
+          </a:p>
+        </p:txBody>
+      </p:sp>
+      <p:sp>
+        <p:nvSpPr>
+          <p:cNvPr id="11" name="TextBox 10">
+            <a:extLst>
+              <a:ext uri="{FF2B5EF4-FFF2-40B4-BE49-F238E27FC236}">
+                <a16:creationId xmlns:a16="http://schemas.microsoft.com/office/drawing/2014/main" id="{903BC364-2A8B-46DC-8414-F0D403753B75}"/>
+              </a:ext>
+            </a:extLst>
+          </p:cNvPr>
+          <p:cNvSpPr txBox="1"/>
+          <p:nvPr/>
+        </p:nvSpPr>
+        <p:spPr>
+          <a:xfrm>
+            <a:off x="6522720" y="1459468"/>
+            <a:ext cx="1701800" cy="369332"/>
+          </a:xfrm>
+          <a:prstGeom prst="rect">
+            <a:avLst/>
+          </a:prstGeom>
+          <a:noFill/>
+        </p:spPr>
+        <p:txBody>
+          <a:bodyPr wrap="square" rtlCol="0">
+            <a:spAutoFit/>
+          </a:bodyPr>
+          <a:lstStyle/>
+          <a:p>
+            <a:pPr algn="ctr"/>
+            <a:r>
+              <a:rPr lang="en-US">
+                <a:solidFill>
+                  <a:srgbClr val="7030A0"/>
+                </a:solidFill>
+              </a:rPr>
+              <a:t>Marker</a:t>
+            </a:r>
+            <a:endParaRPr lang="en-US" dirty="0">
+              <a:solidFill>
+                <a:srgbClr val="7030A0"/>
+              </a:solidFill>
+            </a:endParaRPr>
+          </a:p>
+        </p:txBody>
+      </p:sp>
+    </p:spTree>
+    <p:extLst>
+      <p:ext uri="{BB962C8B-B14F-4D97-AF65-F5344CB8AC3E}">
+        <p14:creationId xmlns:p14="http://schemas.microsoft.com/office/powerpoint/2010/main" val="620154381"/>
+      </p:ext>
+    </p:extLst>
+  </p:cSld>
+  <p:clrMapOvr>
+    <a:masterClrMapping/>
+  </p:clrMapOvr>
+</p:sld>
+</file>
+
+<file path=ppt/slides/slide3.xml><?xml version="1.0" encoding="utf-8"?>
 <p:sld xmlns:a="http://schemas.openxmlformats.org/drawingml/2006/main" xmlns:r="http://schemas.openxmlformats.org/officeDocument/2006/relationships" xmlns:p="http://schemas.openxmlformats.org/presentationml/2006/main">
   <p:cSld>
     <p:spTree>
@@ -6403,7 +8630,7 @@
 </p:sld>
 </file>
 
-<file path=ppt/slides/slide3.xml><?xml version="1.0" encoding="utf-8"?>
+<file path=ppt/slides/slide4.xml><?xml version="1.0" encoding="utf-8"?>
 <p:sld xmlns:a="http://schemas.openxmlformats.org/drawingml/2006/main" xmlns:r="http://schemas.openxmlformats.org/officeDocument/2006/relationships" xmlns:p="http://schemas.openxmlformats.org/presentationml/2006/main">
   <p:cSld>
     <p:spTree>
@@ -8776,7 +11003,7 @@
 </p:sld>
 </file>
 
-<file path=ppt/slides/slide4.xml><?xml version="1.0" encoding="utf-8"?>
+<file path=ppt/slides/slide5.xml><?xml version="1.0" encoding="utf-8"?>
 <p:sld xmlns:a="http://schemas.openxmlformats.org/drawingml/2006/main" xmlns:r="http://schemas.openxmlformats.org/officeDocument/2006/relationships" xmlns:p="http://schemas.openxmlformats.org/presentationml/2006/main">
   <p:cSld>
     <p:spTree>
@@ -10547,7 +12774,7 @@
 </p:sld>
 </file>
 
-<file path=ppt/slides/slide5.xml><?xml version="1.0" encoding="utf-8"?>
+<file path=ppt/slides/slide6.xml><?xml version="1.0" encoding="utf-8"?>
 <p:sld xmlns:a="http://schemas.openxmlformats.org/drawingml/2006/main" xmlns:r="http://schemas.openxmlformats.org/officeDocument/2006/relationships" xmlns:p="http://schemas.openxmlformats.org/presentationml/2006/main">
   <p:cSld>
     <p:spTree>
@@ -12021,6 +14248,3967 @@
     <p:extLst>
       <p:ext uri="{BB962C8B-B14F-4D97-AF65-F5344CB8AC3E}">
         <p14:creationId xmlns:p14="http://schemas.microsoft.com/office/powerpoint/2010/main" val="4125428121"/>
+      </p:ext>
+    </p:extLst>
+  </p:cSld>
+  <p:clrMapOvr>
+    <a:masterClrMapping/>
+  </p:clrMapOvr>
+</p:sld>
+</file>
+
+<file path=ppt/slides/slide7.xml><?xml version="1.0" encoding="utf-8"?>
+<p:sld xmlns:a="http://schemas.openxmlformats.org/drawingml/2006/main" xmlns:r="http://schemas.openxmlformats.org/officeDocument/2006/relationships" xmlns:p="http://schemas.openxmlformats.org/presentationml/2006/main">
+  <p:cSld>
+    <p:spTree>
+      <p:nvGrpSpPr>
+        <p:cNvPr id="1" name=""/>
+        <p:cNvGrpSpPr/>
+        <p:nvPr/>
+      </p:nvGrpSpPr>
+      <p:grpSpPr>
+        <a:xfrm>
+          <a:off x="0" y="0"/>
+          <a:ext cx="0" cy="0"/>
+          <a:chOff x="0" y="0"/>
+          <a:chExt cx="0" cy="0"/>
+        </a:xfrm>
+      </p:grpSpPr>
+      <p:sp>
+        <p:nvSpPr>
+          <p:cNvPr id="2" name="Rectangle 1">
+            <a:extLst>
+              <a:ext uri="{FF2B5EF4-FFF2-40B4-BE49-F238E27FC236}">
+                <a16:creationId xmlns:a16="http://schemas.microsoft.com/office/drawing/2014/main" id="{6383267C-C98D-4C68-A2D2-44D4A9C7F316}"/>
+              </a:ext>
+            </a:extLst>
+          </p:cNvPr>
+          <p:cNvSpPr/>
+          <p:nvPr/>
+        </p:nvSpPr>
+        <p:spPr>
+          <a:xfrm>
+            <a:off x="1018902" y="855617"/>
+            <a:ext cx="1972492" cy="1567542"/>
+          </a:xfrm>
+          <a:prstGeom prst="rect">
+            <a:avLst/>
+          </a:prstGeom>
+        </p:spPr>
+        <p:style>
+          <a:lnRef idx="2">
+            <a:schemeClr val="accent1">
+              <a:shade val="50000"/>
+            </a:schemeClr>
+          </a:lnRef>
+          <a:fillRef idx="1">
+            <a:schemeClr val="accent1"/>
+          </a:fillRef>
+          <a:effectRef idx="0">
+            <a:schemeClr val="accent1"/>
+          </a:effectRef>
+          <a:fontRef idx="minor">
+            <a:schemeClr val="lt1"/>
+          </a:fontRef>
+        </p:style>
+        <p:txBody>
+          <a:bodyPr rtlCol="0" anchor="ctr"/>
+          <a:lstStyle/>
+          <a:p>
+            <a:pPr algn="ctr"/>
+            <a:r>
+              <a:rPr lang="en-US" dirty="0"/>
+              <a:t>TEACHER</a:t>
+            </a:r>
+          </a:p>
+        </p:txBody>
+      </p:sp>
+      <p:sp>
+        <p:nvSpPr>
+          <p:cNvPr id="3" name="Rectangle 2">
+            <a:extLst>
+              <a:ext uri="{FF2B5EF4-FFF2-40B4-BE49-F238E27FC236}">
+                <a16:creationId xmlns:a16="http://schemas.microsoft.com/office/drawing/2014/main" id="{2AFBF472-7900-4015-87A3-DE3335E43D41}"/>
+              </a:ext>
+            </a:extLst>
+          </p:cNvPr>
+          <p:cNvSpPr/>
+          <p:nvPr/>
+        </p:nvSpPr>
+        <p:spPr>
+          <a:xfrm>
+            <a:off x="7014754" y="739683"/>
+            <a:ext cx="1550125" cy="524690"/>
+          </a:xfrm>
+          <a:prstGeom prst="rect">
+            <a:avLst/>
+          </a:prstGeom>
+        </p:spPr>
+        <p:style>
+          <a:lnRef idx="2">
+            <a:schemeClr val="accent1">
+              <a:shade val="50000"/>
+            </a:schemeClr>
+          </a:lnRef>
+          <a:fillRef idx="1">
+            <a:schemeClr val="accent1"/>
+          </a:fillRef>
+          <a:effectRef idx="0">
+            <a:schemeClr val="accent1"/>
+          </a:effectRef>
+          <a:fontRef idx="minor">
+            <a:schemeClr val="lt1"/>
+          </a:fontRef>
+        </p:style>
+        <p:txBody>
+          <a:bodyPr rtlCol="0" anchor="ctr"/>
+          <a:lstStyle/>
+          <a:p>
+            <a:pPr algn="ctr"/>
+            <a:r>
+              <a:rPr lang="en-US" dirty="0"/>
+              <a:t>Student</a:t>
+            </a:r>
+          </a:p>
+        </p:txBody>
+      </p:sp>
+      <p:sp>
+        <p:nvSpPr>
+          <p:cNvPr id="4" name="Rectangle 3">
+            <a:extLst>
+              <a:ext uri="{FF2B5EF4-FFF2-40B4-BE49-F238E27FC236}">
+                <a16:creationId xmlns:a16="http://schemas.microsoft.com/office/drawing/2014/main" id="{EB22F32A-EF13-4788-921E-6401D7CD2722}"/>
+              </a:ext>
+            </a:extLst>
+          </p:cNvPr>
+          <p:cNvSpPr/>
+          <p:nvPr/>
+        </p:nvSpPr>
+        <p:spPr>
+          <a:xfrm>
+            <a:off x="9622973" y="2049231"/>
+            <a:ext cx="1550125" cy="524690"/>
+          </a:xfrm>
+          <a:prstGeom prst="rect">
+            <a:avLst/>
+          </a:prstGeom>
+        </p:spPr>
+        <p:style>
+          <a:lnRef idx="2">
+            <a:schemeClr val="accent1">
+              <a:shade val="50000"/>
+            </a:schemeClr>
+          </a:lnRef>
+          <a:fillRef idx="1">
+            <a:schemeClr val="accent1"/>
+          </a:fillRef>
+          <a:effectRef idx="0">
+            <a:schemeClr val="accent1"/>
+          </a:effectRef>
+          <a:fontRef idx="minor">
+            <a:schemeClr val="lt1"/>
+          </a:fontRef>
+        </p:style>
+        <p:txBody>
+          <a:bodyPr rtlCol="0" anchor="ctr"/>
+          <a:lstStyle/>
+          <a:p>
+            <a:pPr algn="ctr"/>
+            <a:r>
+              <a:rPr lang="en-US" dirty="0"/>
+              <a:t>Student</a:t>
+            </a:r>
+          </a:p>
+        </p:txBody>
+      </p:sp>
+      <p:sp>
+        <p:nvSpPr>
+          <p:cNvPr id="5" name="Rectangle 4">
+            <a:extLst>
+              <a:ext uri="{FF2B5EF4-FFF2-40B4-BE49-F238E27FC236}">
+                <a16:creationId xmlns:a16="http://schemas.microsoft.com/office/drawing/2014/main" id="{D8485692-2EEE-476F-9B0D-F72E2A667494}"/>
+              </a:ext>
+            </a:extLst>
+          </p:cNvPr>
+          <p:cNvSpPr/>
+          <p:nvPr/>
+        </p:nvSpPr>
+        <p:spPr>
+          <a:xfrm>
+            <a:off x="8730342" y="102323"/>
+            <a:ext cx="1550125" cy="524690"/>
+          </a:xfrm>
+          <a:prstGeom prst="rect">
+            <a:avLst/>
+          </a:prstGeom>
+        </p:spPr>
+        <p:style>
+          <a:lnRef idx="2">
+            <a:schemeClr val="accent1">
+              <a:shade val="50000"/>
+            </a:schemeClr>
+          </a:lnRef>
+          <a:fillRef idx="1">
+            <a:schemeClr val="accent1"/>
+          </a:fillRef>
+          <a:effectRef idx="0">
+            <a:schemeClr val="accent1"/>
+          </a:effectRef>
+          <a:fontRef idx="minor">
+            <a:schemeClr val="lt1"/>
+          </a:fontRef>
+        </p:style>
+        <p:txBody>
+          <a:bodyPr rtlCol="0" anchor="ctr"/>
+          <a:lstStyle/>
+          <a:p>
+            <a:pPr algn="ctr"/>
+            <a:r>
+              <a:rPr lang="en-US" dirty="0"/>
+              <a:t>Student</a:t>
+            </a:r>
+          </a:p>
+        </p:txBody>
+      </p:sp>
+      <p:sp>
+        <p:nvSpPr>
+          <p:cNvPr id="6" name="Rectangle 5">
+            <a:extLst>
+              <a:ext uri="{FF2B5EF4-FFF2-40B4-BE49-F238E27FC236}">
+                <a16:creationId xmlns:a16="http://schemas.microsoft.com/office/drawing/2014/main" id="{862B16ED-AFBB-49D1-9368-8F4888C549F1}"/>
+              </a:ext>
+            </a:extLst>
+          </p:cNvPr>
+          <p:cNvSpPr/>
+          <p:nvPr/>
+        </p:nvSpPr>
+        <p:spPr>
+          <a:xfrm>
+            <a:off x="7454532" y="1377043"/>
+            <a:ext cx="1550125" cy="524690"/>
+          </a:xfrm>
+          <a:prstGeom prst="rect">
+            <a:avLst/>
+          </a:prstGeom>
+        </p:spPr>
+        <p:style>
+          <a:lnRef idx="2">
+            <a:schemeClr val="accent1">
+              <a:shade val="50000"/>
+            </a:schemeClr>
+          </a:lnRef>
+          <a:fillRef idx="1">
+            <a:schemeClr val="accent1"/>
+          </a:fillRef>
+          <a:effectRef idx="0">
+            <a:schemeClr val="accent1"/>
+          </a:effectRef>
+          <a:fontRef idx="minor">
+            <a:schemeClr val="lt1"/>
+          </a:fontRef>
+        </p:style>
+        <p:txBody>
+          <a:bodyPr rtlCol="0" anchor="ctr"/>
+          <a:lstStyle/>
+          <a:p>
+            <a:pPr algn="ctr"/>
+            <a:r>
+              <a:rPr lang="en-US" dirty="0"/>
+              <a:t>Student</a:t>
+            </a:r>
+          </a:p>
+        </p:txBody>
+      </p:sp>
+      <p:sp>
+        <p:nvSpPr>
+          <p:cNvPr id="7" name="Rectangle 6">
+            <a:extLst>
+              <a:ext uri="{FF2B5EF4-FFF2-40B4-BE49-F238E27FC236}">
+                <a16:creationId xmlns:a16="http://schemas.microsoft.com/office/drawing/2014/main" id="{86ABE253-6941-4F35-B4B0-BF2D25E9B80A}"/>
+              </a:ext>
+            </a:extLst>
+          </p:cNvPr>
+          <p:cNvSpPr/>
+          <p:nvPr/>
+        </p:nvSpPr>
+        <p:spPr>
+          <a:xfrm>
+            <a:off x="7458889" y="2160814"/>
+            <a:ext cx="1550125" cy="524690"/>
+          </a:xfrm>
+          <a:prstGeom prst="rect">
+            <a:avLst/>
+          </a:prstGeom>
+        </p:spPr>
+        <p:style>
+          <a:lnRef idx="2">
+            <a:schemeClr val="accent1">
+              <a:shade val="50000"/>
+            </a:schemeClr>
+          </a:lnRef>
+          <a:fillRef idx="1">
+            <a:schemeClr val="accent1"/>
+          </a:fillRef>
+          <a:effectRef idx="0">
+            <a:schemeClr val="accent1"/>
+          </a:effectRef>
+          <a:fontRef idx="minor">
+            <a:schemeClr val="lt1"/>
+          </a:fontRef>
+        </p:style>
+        <p:txBody>
+          <a:bodyPr rtlCol="0" anchor="ctr"/>
+          <a:lstStyle/>
+          <a:p>
+            <a:pPr algn="ctr"/>
+            <a:r>
+              <a:rPr lang="en-US" dirty="0"/>
+              <a:t>Student</a:t>
+            </a:r>
+          </a:p>
+        </p:txBody>
+      </p:sp>
+      <p:cxnSp>
+        <p:nvCxnSpPr>
+          <p:cNvPr id="9" name="Straight Arrow Connector 8">
+            <a:extLst>
+              <a:ext uri="{FF2B5EF4-FFF2-40B4-BE49-F238E27FC236}">
+                <a16:creationId xmlns:a16="http://schemas.microsoft.com/office/drawing/2014/main" id="{F5429A7D-AB3E-4424-AA4A-5F5D33E0B921}"/>
+              </a:ext>
+            </a:extLst>
+          </p:cNvPr>
+          <p:cNvCxnSpPr>
+            <a:stCxn id="2" idx="3"/>
+            <a:endCxn id="5" idx="1"/>
+          </p:cNvCxnSpPr>
+          <p:nvPr/>
+        </p:nvCxnSpPr>
+        <p:spPr>
+          <a:xfrm flipV="1">
+            <a:off x="2991394" y="364668"/>
+            <a:ext cx="5738948" cy="1274720"/>
+          </a:xfrm>
+          <a:prstGeom prst="straightConnector1">
+            <a:avLst/>
+          </a:prstGeom>
+          <a:ln w="28575">
+            <a:tailEnd type="triangle"/>
+          </a:ln>
+        </p:spPr>
+        <p:style>
+          <a:lnRef idx="1">
+            <a:schemeClr val="accent1"/>
+          </a:lnRef>
+          <a:fillRef idx="0">
+            <a:schemeClr val="accent1"/>
+          </a:fillRef>
+          <a:effectRef idx="0">
+            <a:schemeClr val="accent1"/>
+          </a:effectRef>
+          <a:fontRef idx="minor">
+            <a:schemeClr val="tx1"/>
+          </a:fontRef>
+        </p:style>
+      </p:cxnSp>
+      <p:cxnSp>
+        <p:nvCxnSpPr>
+          <p:cNvPr id="11" name="Straight Arrow Connector 10">
+            <a:extLst>
+              <a:ext uri="{FF2B5EF4-FFF2-40B4-BE49-F238E27FC236}">
+                <a16:creationId xmlns:a16="http://schemas.microsoft.com/office/drawing/2014/main" id="{8741F888-7CFB-4778-92A7-F6ED872CDBD0}"/>
+              </a:ext>
+            </a:extLst>
+          </p:cNvPr>
+          <p:cNvCxnSpPr>
+            <a:cxnSpLocks/>
+            <a:stCxn id="2" idx="3"/>
+            <a:endCxn id="3" idx="1"/>
+          </p:cNvCxnSpPr>
+          <p:nvPr/>
+        </p:nvCxnSpPr>
+        <p:spPr>
+          <a:xfrm flipV="1">
+            <a:off x="2991394" y="1002028"/>
+            <a:ext cx="4023360" cy="637360"/>
+          </a:xfrm>
+          <a:prstGeom prst="straightConnector1">
+            <a:avLst/>
+          </a:prstGeom>
+          <a:ln>
+            <a:tailEnd type="triangle"/>
+          </a:ln>
+        </p:spPr>
+        <p:style>
+          <a:lnRef idx="1">
+            <a:schemeClr val="accent1"/>
+          </a:lnRef>
+          <a:fillRef idx="0">
+            <a:schemeClr val="accent1"/>
+          </a:fillRef>
+          <a:effectRef idx="0">
+            <a:schemeClr val="accent1"/>
+          </a:effectRef>
+          <a:fontRef idx="minor">
+            <a:schemeClr val="tx1"/>
+          </a:fontRef>
+        </p:style>
+      </p:cxnSp>
+      <p:cxnSp>
+        <p:nvCxnSpPr>
+          <p:cNvPr id="15" name="Straight Arrow Connector 14">
+            <a:extLst>
+              <a:ext uri="{FF2B5EF4-FFF2-40B4-BE49-F238E27FC236}">
+                <a16:creationId xmlns:a16="http://schemas.microsoft.com/office/drawing/2014/main" id="{1691307C-720D-41ED-AA44-D5F4A8EF7584}"/>
+              </a:ext>
+            </a:extLst>
+          </p:cNvPr>
+          <p:cNvCxnSpPr>
+            <a:stCxn id="2" idx="3"/>
+            <a:endCxn id="6" idx="1"/>
+          </p:cNvCxnSpPr>
+          <p:nvPr/>
+        </p:nvCxnSpPr>
+        <p:spPr>
+          <a:xfrm>
+            <a:off x="2991394" y="1639388"/>
+            <a:ext cx="4463138" cy="0"/>
+          </a:xfrm>
+          <a:prstGeom prst="straightConnector1">
+            <a:avLst/>
+          </a:prstGeom>
+          <a:ln>
+            <a:tailEnd type="triangle"/>
+          </a:ln>
+        </p:spPr>
+        <p:style>
+          <a:lnRef idx="1">
+            <a:schemeClr val="accent1"/>
+          </a:lnRef>
+          <a:fillRef idx="0">
+            <a:schemeClr val="accent1"/>
+          </a:fillRef>
+          <a:effectRef idx="0">
+            <a:schemeClr val="accent1"/>
+          </a:effectRef>
+          <a:fontRef idx="minor">
+            <a:schemeClr val="tx1"/>
+          </a:fontRef>
+        </p:style>
+      </p:cxnSp>
+      <p:cxnSp>
+        <p:nvCxnSpPr>
+          <p:cNvPr id="17" name="Straight Arrow Connector 16">
+            <a:extLst>
+              <a:ext uri="{FF2B5EF4-FFF2-40B4-BE49-F238E27FC236}">
+                <a16:creationId xmlns:a16="http://schemas.microsoft.com/office/drawing/2014/main" id="{EDDDE480-A989-4B29-AC76-C3CC0DDA6292}"/>
+              </a:ext>
+            </a:extLst>
+          </p:cNvPr>
+          <p:cNvCxnSpPr>
+            <a:stCxn id="2" idx="3"/>
+            <a:endCxn id="7" idx="1"/>
+          </p:cNvCxnSpPr>
+          <p:nvPr/>
+        </p:nvCxnSpPr>
+        <p:spPr>
+          <a:xfrm>
+            <a:off x="2991394" y="1639388"/>
+            <a:ext cx="4467495" cy="783771"/>
+          </a:xfrm>
+          <a:prstGeom prst="straightConnector1">
+            <a:avLst/>
+          </a:prstGeom>
+          <a:ln>
+            <a:tailEnd type="triangle"/>
+          </a:ln>
+        </p:spPr>
+        <p:style>
+          <a:lnRef idx="1">
+            <a:schemeClr val="accent1"/>
+          </a:lnRef>
+          <a:fillRef idx="0">
+            <a:schemeClr val="accent1"/>
+          </a:fillRef>
+          <a:effectRef idx="0">
+            <a:schemeClr val="accent1"/>
+          </a:effectRef>
+          <a:fontRef idx="minor">
+            <a:schemeClr val="tx1"/>
+          </a:fontRef>
+        </p:style>
+      </p:cxnSp>
+      <p:cxnSp>
+        <p:nvCxnSpPr>
+          <p:cNvPr id="19" name="Straight Arrow Connector 18">
+            <a:extLst>
+              <a:ext uri="{FF2B5EF4-FFF2-40B4-BE49-F238E27FC236}">
+                <a16:creationId xmlns:a16="http://schemas.microsoft.com/office/drawing/2014/main" id="{FF79BA33-4DA7-46F2-8ACF-F7549C82431B}"/>
+              </a:ext>
+            </a:extLst>
+          </p:cNvPr>
+          <p:cNvCxnSpPr>
+            <a:stCxn id="2" idx="3"/>
+            <a:endCxn id="4" idx="1"/>
+          </p:cNvCxnSpPr>
+          <p:nvPr/>
+        </p:nvCxnSpPr>
+        <p:spPr>
+          <a:xfrm>
+            <a:off x="2991394" y="1639388"/>
+            <a:ext cx="6631579" cy="672188"/>
+          </a:xfrm>
+          <a:prstGeom prst="straightConnector1">
+            <a:avLst/>
+          </a:prstGeom>
+          <a:ln>
+            <a:tailEnd type="triangle"/>
+          </a:ln>
+        </p:spPr>
+        <p:style>
+          <a:lnRef idx="1">
+            <a:schemeClr val="accent1"/>
+          </a:lnRef>
+          <a:fillRef idx="0">
+            <a:schemeClr val="accent1"/>
+          </a:fillRef>
+          <a:effectRef idx="0">
+            <a:schemeClr val="accent1"/>
+          </a:effectRef>
+          <a:fontRef idx="minor">
+            <a:schemeClr val="tx1"/>
+          </a:fontRef>
+        </p:style>
+      </p:cxnSp>
+      <p:sp>
+        <p:nvSpPr>
+          <p:cNvPr id="20" name="TextBox 19">
+            <a:extLst>
+              <a:ext uri="{FF2B5EF4-FFF2-40B4-BE49-F238E27FC236}">
+                <a16:creationId xmlns:a16="http://schemas.microsoft.com/office/drawing/2014/main" id="{1A47B0E2-59AD-4EF0-9317-67C0E7F23321}"/>
+              </a:ext>
+            </a:extLst>
+          </p:cNvPr>
+          <p:cNvSpPr txBox="1"/>
+          <p:nvPr/>
+        </p:nvSpPr>
+        <p:spPr>
+          <a:xfrm>
+            <a:off x="4672143" y="3021857"/>
+            <a:ext cx="5564777" cy="523220"/>
+          </a:xfrm>
+          <a:prstGeom prst="rect">
+            <a:avLst/>
+          </a:prstGeom>
+          <a:noFill/>
+        </p:spPr>
+        <p:txBody>
+          <a:bodyPr wrap="square" rtlCol="0">
+            <a:spAutoFit/>
+          </a:bodyPr>
+          <a:lstStyle/>
+          <a:p>
+            <a:r>
+              <a:rPr lang="en-US" sz="2800" dirty="0"/>
+              <a:t>ONE TO MANY</a:t>
+            </a:r>
+          </a:p>
+        </p:txBody>
+      </p:sp>
+      <p:sp>
+        <p:nvSpPr>
+          <p:cNvPr id="21" name="Rectangle 20">
+            <a:extLst>
+              <a:ext uri="{FF2B5EF4-FFF2-40B4-BE49-F238E27FC236}">
+                <a16:creationId xmlns:a16="http://schemas.microsoft.com/office/drawing/2014/main" id="{6C52E485-E430-4A68-B4D1-D8D527283322}"/>
+              </a:ext>
+            </a:extLst>
+          </p:cNvPr>
+          <p:cNvSpPr/>
+          <p:nvPr/>
+        </p:nvSpPr>
+        <p:spPr>
+          <a:xfrm>
+            <a:off x="1445622" y="4288430"/>
+            <a:ext cx="1972492" cy="1567542"/>
+          </a:xfrm>
+          <a:prstGeom prst="rect">
+            <a:avLst/>
+          </a:prstGeom>
+        </p:spPr>
+        <p:style>
+          <a:lnRef idx="2">
+            <a:schemeClr val="accent1">
+              <a:shade val="50000"/>
+            </a:schemeClr>
+          </a:lnRef>
+          <a:fillRef idx="1">
+            <a:schemeClr val="accent1"/>
+          </a:fillRef>
+          <a:effectRef idx="0">
+            <a:schemeClr val="accent1"/>
+          </a:effectRef>
+          <a:fontRef idx="minor">
+            <a:schemeClr val="lt1"/>
+          </a:fontRef>
+        </p:style>
+        <p:txBody>
+          <a:bodyPr rtlCol="0" anchor="ctr"/>
+          <a:lstStyle/>
+          <a:p>
+            <a:pPr algn="ctr"/>
+            <a:r>
+              <a:rPr lang="en-US" dirty="0"/>
+              <a:t>TEACHER</a:t>
+            </a:r>
+          </a:p>
+        </p:txBody>
+      </p:sp>
+      <p:sp>
+        <p:nvSpPr>
+          <p:cNvPr id="22" name="Rectangle 21">
+            <a:extLst>
+              <a:ext uri="{FF2B5EF4-FFF2-40B4-BE49-F238E27FC236}">
+                <a16:creationId xmlns:a16="http://schemas.microsoft.com/office/drawing/2014/main" id="{7B9E8113-E09E-428D-B509-B43C29E7EBC4}"/>
+              </a:ext>
+            </a:extLst>
+          </p:cNvPr>
+          <p:cNvSpPr/>
+          <p:nvPr/>
+        </p:nvSpPr>
+        <p:spPr>
+          <a:xfrm>
+            <a:off x="7532912" y="4143775"/>
+            <a:ext cx="1972492" cy="1567542"/>
+          </a:xfrm>
+          <a:prstGeom prst="rect">
+            <a:avLst/>
+          </a:prstGeom>
+        </p:spPr>
+        <p:style>
+          <a:lnRef idx="2">
+            <a:schemeClr val="accent1">
+              <a:shade val="50000"/>
+            </a:schemeClr>
+          </a:lnRef>
+          <a:fillRef idx="1">
+            <a:schemeClr val="accent1"/>
+          </a:fillRef>
+          <a:effectRef idx="0">
+            <a:schemeClr val="accent1"/>
+          </a:effectRef>
+          <a:fontRef idx="minor">
+            <a:schemeClr val="lt1"/>
+          </a:fontRef>
+        </p:style>
+        <p:txBody>
+          <a:bodyPr rtlCol="0" anchor="ctr"/>
+          <a:lstStyle/>
+          <a:p>
+            <a:pPr algn="ctr"/>
+            <a:r>
+              <a:rPr lang="en-US" dirty="0"/>
+              <a:t>Student</a:t>
+            </a:r>
+          </a:p>
+        </p:txBody>
+      </p:sp>
+      <p:cxnSp>
+        <p:nvCxnSpPr>
+          <p:cNvPr id="24" name="Straight Arrow Connector 23">
+            <a:extLst>
+              <a:ext uri="{FF2B5EF4-FFF2-40B4-BE49-F238E27FC236}">
+                <a16:creationId xmlns:a16="http://schemas.microsoft.com/office/drawing/2014/main" id="{B4BFC916-5AE8-4C64-986B-521411CC4FD3}"/>
+              </a:ext>
+            </a:extLst>
+          </p:cNvPr>
+          <p:cNvCxnSpPr>
+            <a:stCxn id="21" idx="3"/>
+            <a:endCxn id="22" idx="1"/>
+          </p:cNvCxnSpPr>
+          <p:nvPr/>
+        </p:nvCxnSpPr>
+        <p:spPr>
+          <a:xfrm flipV="1">
+            <a:off x="3418114" y="4927546"/>
+            <a:ext cx="4114798" cy="144655"/>
+          </a:xfrm>
+          <a:prstGeom prst="straightConnector1">
+            <a:avLst/>
+          </a:prstGeom>
+          <a:ln>
+            <a:tailEnd type="triangle"/>
+          </a:ln>
+        </p:spPr>
+        <p:style>
+          <a:lnRef idx="1">
+            <a:schemeClr val="accent1"/>
+          </a:lnRef>
+          <a:fillRef idx="0">
+            <a:schemeClr val="accent1"/>
+          </a:fillRef>
+          <a:effectRef idx="0">
+            <a:schemeClr val="accent1"/>
+          </a:effectRef>
+          <a:fontRef idx="minor">
+            <a:schemeClr val="tx1"/>
+          </a:fontRef>
+        </p:style>
+      </p:cxnSp>
+      <p:cxnSp>
+        <p:nvCxnSpPr>
+          <p:cNvPr id="26" name="Straight Arrow Connector 25">
+            <a:extLst>
+              <a:ext uri="{FF2B5EF4-FFF2-40B4-BE49-F238E27FC236}">
+                <a16:creationId xmlns:a16="http://schemas.microsoft.com/office/drawing/2014/main" id="{FF507E7F-CEB5-41A2-9629-1AD0FA75D601}"/>
+              </a:ext>
+            </a:extLst>
+          </p:cNvPr>
+          <p:cNvCxnSpPr/>
+          <p:nvPr/>
+        </p:nvCxnSpPr>
+        <p:spPr>
+          <a:xfrm flipV="1">
+            <a:off x="7048500" y="4619625"/>
+            <a:ext cx="484412" cy="307921"/>
+          </a:xfrm>
+          <a:prstGeom prst="straightConnector1">
+            <a:avLst/>
+          </a:prstGeom>
+          <a:ln>
+            <a:tailEnd type="triangle"/>
+          </a:ln>
+        </p:spPr>
+        <p:style>
+          <a:lnRef idx="1">
+            <a:schemeClr val="accent1"/>
+          </a:lnRef>
+          <a:fillRef idx="0">
+            <a:schemeClr val="accent1"/>
+          </a:fillRef>
+          <a:effectRef idx="0">
+            <a:schemeClr val="accent1"/>
+          </a:effectRef>
+          <a:fontRef idx="minor">
+            <a:schemeClr val="tx1"/>
+          </a:fontRef>
+        </p:style>
+      </p:cxnSp>
+      <p:cxnSp>
+        <p:nvCxnSpPr>
+          <p:cNvPr id="28" name="Straight Arrow Connector 27">
+            <a:extLst>
+              <a:ext uri="{FF2B5EF4-FFF2-40B4-BE49-F238E27FC236}">
+                <a16:creationId xmlns:a16="http://schemas.microsoft.com/office/drawing/2014/main" id="{C28F0A60-CB3F-4367-A8F7-7E6C3E1EBE52}"/>
+              </a:ext>
+            </a:extLst>
+          </p:cNvPr>
+          <p:cNvCxnSpPr/>
+          <p:nvPr/>
+        </p:nvCxnSpPr>
+        <p:spPr>
+          <a:xfrm>
+            <a:off x="7048500" y="4927546"/>
+            <a:ext cx="484412" cy="291066"/>
+          </a:xfrm>
+          <a:prstGeom prst="straightConnector1">
+            <a:avLst/>
+          </a:prstGeom>
+          <a:ln>
+            <a:tailEnd type="triangle"/>
+          </a:ln>
+        </p:spPr>
+        <p:style>
+          <a:lnRef idx="1">
+            <a:schemeClr val="accent1"/>
+          </a:lnRef>
+          <a:fillRef idx="0">
+            <a:schemeClr val="accent1"/>
+          </a:fillRef>
+          <a:effectRef idx="0">
+            <a:schemeClr val="accent1"/>
+          </a:effectRef>
+          <a:fontRef idx="minor">
+            <a:schemeClr val="tx1"/>
+          </a:fontRef>
+        </p:style>
+      </p:cxnSp>
+      <p:sp>
+        <p:nvSpPr>
+          <p:cNvPr id="29" name="TextBox 28">
+            <a:extLst>
+              <a:ext uri="{FF2B5EF4-FFF2-40B4-BE49-F238E27FC236}">
+                <a16:creationId xmlns:a16="http://schemas.microsoft.com/office/drawing/2014/main" id="{62315CCF-B5AA-4E2C-9677-D9B3D8D24206}"/>
+              </a:ext>
+            </a:extLst>
+          </p:cNvPr>
+          <p:cNvSpPr txBox="1"/>
+          <p:nvPr/>
+        </p:nvSpPr>
+        <p:spPr>
+          <a:xfrm>
+            <a:off x="4672143" y="5218612"/>
+            <a:ext cx="2081354" cy="646331"/>
+          </a:xfrm>
+          <a:prstGeom prst="rect">
+            <a:avLst/>
+          </a:prstGeom>
+          <a:noFill/>
+        </p:spPr>
+        <p:txBody>
+          <a:bodyPr wrap="square" rtlCol="0">
+            <a:spAutoFit/>
+          </a:bodyPr>
+          <a:lstStyle/>
+          <a:p>
+            <a:r>
+              <a:rPr lang="en-US" dirty="0"/>
+              <a:t>That’s how we represent it</a:t>
+            </a:r>
+          </a:p>
+        </p:txBody>
+      </p:sp>
+      <p:sp>
+        <p:nvSpPr>
+          <p:cNvPr id="30" name="TextBox 29">
+            <a:extLst>
+              <a:ext uri="{FF2B5EF4-FFF2-40B4-BE49-F238E27FC236}">
+                <a16:creationId xmlns:a16="http://schemas.microsoft.com/office/drawing/2014/main" id="{E694E2B4-42EE-4555-8214-27D7CC80B2CE}"/>
+              </a:ext>
+            </a:extLst>
+          </p:cNvPr>
+          <p:cNvSpPr txBox="1"/>
+          <p:nvPr/>
+        </p:nvSpPr>
+        <p:spPr>
+          <a:xfrm>
+            <a:off x="3526971" y="4728754"/>
+            <a:ext cx="670558" cy="369332"/>
+          </a:xfrm>
+          <a:prstGeom prst="rect">
+            <a:avLst/>
+          </a:prstGeom>
+          <a:noFill/>
+        </p:spPr>
+        <p:txBody>
+          <a:bodyPr wrap="square" rtlCol="0">
+            <a:spAutoFit/>
+          </a:bodyPr>
+          <a:lstStyle/>
+          <a:p>
+            <a:r>
+              <a:rPr lang="en-US" dirty="0"/>
+              <a:t>One</a:t>
+            </a:r>
+          </a:p>
+        </p:txBody>
+      </p:sp>
+      <p:sp>
+        <p:nvSpPr>
+          <p:cNvPr id="32" name="TextBox 31">
+            <a:extLst>
+              <a:ext uri="{FF2B5EF4-FFF2-40B4-BE49-F238E27FC236}">
+                <a16:creationId xmlns:a16="http://schemas.microsoft.com/office/drawing/2014/main" id="{05C66284-DC6E-48BA-9C40-2C25AEE69956}"/>
+              </a:ext>
+            </a:extLst>
+          </p:cNvPr>
+          <p:cNvSpPr txBox="1"/>
+          <p:nvPr/>
+        </p:nvSpPr>
+        <p:spPr>
+          <a:xfrm>
+            <a:off x="6269085" y="4574126"/>
+            <a:ext cx="874120" cy="369332"/>
+          </a:xfrm>
+          <a:prstGeom prst="rect">
+            <a:avLst/>
+          </a:prstGeom>
+          <a:noFill/>
+        </p:spPr>
+        <p:txBody>
+          <a:bodyPr wrap="square" rtlCol="0">
+            <a:spAutoFit/>
+          </a:bodyPr>
+          <a:lstStyle/>
+          <a:p>
+            <a:r>
+              <a:rPr lang="en-US" dirty="0"/>
+              <a:t>many</a:t>
+            </a:r>
+          </a:p>
+        </p:txBody>
+      </p:sp>
+    </p:spTree>
+    <p:extLst>
+      <p:ext uri="{BB962C8B-B14F-4D97-AF65-F5344CB8AC3E}">
+        <p14:creationId xmlns:p14="http://schemas.microsoft.com/office/powerpoint/2010/main" val="94503496"/>
+      </p:ext>
+    </p:extLst>
+  </p:cSld>
+  <p:clrMapOvr>
+    <a:masterClrMapping/>
+  </p:clrMapOvr>
+</p:sld>
+</file>
+
+<file path=ppt/slides/slide8.xml><?xml version="1.0" encoding="utf-8"?>
+<p:sld xmlns:a="http://schemas.openxmlformats.org/drawingml/2006/main" xmlns:r="http://schemas.openxmlformats.org/officeDocument/2006/relationships" xmlns:p="http://schemas.openxmlformats.org/presentationml/2006/main">
+  <p:cSld>
+    <p:spTree>
+      <p:nvGrpSpPr>
+        <p:cNvPr id="1" name=""/>
+        <p:cNvGrpSpPr/>
+        <p:nvPr/>
+      </p:nvGrpSpPr>
+      <p:grpSpPr>
+        <a:xfrm>
+          <a:off x="0" y="0"/>
+          <a:ext cx="0" cy="0"/>
+          <a:chOff x="0" y="0"/>
+          <a:chExt cx="0" cy="0"/>
+        </a:xfrm>
+      </p:grpSpPr>
+      <p:sp>
+        <p:nvSpPr>
+          <p:cNvPr id="2" name="TextBox 1">
+            <a:extLst>
+              <a:ext uri="{FF2B5EF4-FFF2-40B4-BE49-F238E27FC236}">
+                <a16:creationId xmlns:a16="http://schemas.microsoft.com/office/drawing/2014/main" id="{8990092D-E07A-4F9F-8AE3-B855EFA4B0C3}"/>
+              </a:ext>
+            </a:extLst>
+          </p:cNvPr>
+          <p:cNvSpPr txBox="1"/>
+          <p:nvPr/>
+        </p:nvSpPr>
+        <p:spPr>
+          <a:xfrm>
+            <a:off x="4724394" y="121902"/>
+            <a:ext cx="5564777" cy="523220"/>
+          </a:xfrm>
+          <a:prstGeom prst="rect">
+            <a:avLst/>
+          </a:prstGeom>
+          <a:noFill/>
+        </p:spPr>
+        <p:txBody>
+          <a:bodyPr wrap="square" rtlCol="0">
+            <a:spAutoFit/>
+          </a:bodyPr>
+          <a:lstStyle/>
+          <a:p>
+            <a:r>
+              <a:rPr lang="en-US" sz="2800" dirty="0"/>
+              <a:t>ONE TO MANY</a:t>
+            </a:r>
+          </a:p>
+        </p:txBody>
+      </p:sp>
+      <p:sp>
+        <p:nvSpPr>
+          <p:cNvPr id="4" name="Rectangle 3">
+            <a:extLst>
+              <a:ext uri="{FF2B5EF4-FFF2-40B4-BE49-F238E27FC236}">
+                <a16:creationId xmlns:a16="http://schemas.microsoft.com/office/drawing/2014/main" id="{7A49A566-97CD-4F37-A0EB-8FD13C52E50E}"/>
+              </a:ext>
+            </a:extLst>
+          </p:cNvPr>
+          <p:cNvSpPr/>
+          <p:nvPr/>
+        </p:nvSpPr>
+        <p:spPr>
+          <a:xfrm>
+            <a:off x="535577" y="1463040"/>
+            <a:ext cx="4310743" cy="2220686"/>
+          </a:xfrm>
+          <a:prstGeom prst="rect">
+            <a:avLst/>
+          </a:prstGeom>
+          <a:noFill/>
+        </p:spPr>
+        <p:style>
+          <a:lnRef idx="2">
+            <a:schemeClr val="accent1">
+              <a:shade val="50000"/>
+            </a:schemeClr>
+          </a:lnRef>
+          <a:fillRef idx="1">
+            <a:schemeClr val="accent1"/>
+          </a:fillRef>
+          <a:effectRef idx="0">
+            <a:schemeClr val="accent1"/>
+          </a:effectRef>
+          <a:fontRef idx="minor">
+            <a:schemeClr val="lt1"/>
+          </a:fontRef>
+        </p:style>
+        <p:txBody>
+          <a:bodyPr rtlCol="0" anchor="ctr"/>
+          <a:lstStyle/>
+          <a:p>
+            <a:pPr algn="ctr"/>
+            <a:endParaRPr lang="en-US"/>
+          </a:p>
+        </p:txBody>
+      </p:sp>
+      <p:cxnSp>
+        <p:nvCxnSpPr>
+          <p:cNvPr id="6" name="Straight Connector 5">
+            <a:extLst>
+              <a:ext uri="{FF2B5EF4-FFF2-40B4-BE49-F238E27FC236}">
+                <a16:creationId xmlns:a16="http://schemas.microsoft.com/office/drawing/2014/main" id="{647948D5-82FE-42E9-8A63-8894BA861CF7}"/>
+              </a:ext>
+            </a:extLst>
+          </p:cNvPr>
+          <p:cNvCxnSpPr/>
+          <p:nvPr/>
+        </p:nvCxnSpPr>
+        <p:spPr>
+          <a:xfrm>
+            <a:off x="535577" y="1881051"/>
+            <a:ext cx="4310743" cy="0"/>
+          </a:xfrm>
+          <a:prstGeom prst="line">
+            <a:avLst/>
+          </a:prstGeom>
+        </p:spPr>
+        <p:style>
+          <a:lnRef idx="1">
+            <a:schemeClr val="accent1"/>
+          </a:lnRef>
+          <a:fillRef idx="0">
+            <a:schemeClr val="accent1"/>
+          </a:fillRef>
+          <a:effectRef idx="0">
+            <a:schemeClr val="accent1"/>
+          </a:effectRef>
+          <a:fontRef idx="minor">
+            <a:schemeClr val="tx1"/>
+          </a:fontRef>
+        </p:style>
+      </p:cxnSp>
+      <p:sp>
+        <p:nvSpPr>
+          <p:cNvPr id="7" name="TextBox 6">
+            <a:extLst>
+              <a:ext uri="{FF2B5EF4-FFF2-40B4-BE49-F238E27FC236}">
+                <a16:creationId xmlns:a16="http://schemas.microsoft.com/office/drawing/2014/main" id="{5E177FC6-CF3A-413D-91DA-B82E233BB94B}"/>
+              </a:ext>
+            </a:extLst>
+          </p:cNvPr>
+          <p:cNvSpPr txBox="1"/>
+          <p:nvPr/>
+        </p:nvSpPr>
+        <p:spPr>
+          <a:xfrm>
+            <a:off x="1946366" y="1463040"/>
+            <a:ext cx="1763485" cy="369332"/>
+          </a:xfrm>
+          <a:prstGeom prst="rect">
+            <a:avLst/>
+          </a:prstGeom>
+          <a:noFill/>
+        </p:spPr>
+        <p:txBody>
+          <a:bodyPr wrap="square" rtlCol="0">
+            <a:spAutoFit/>
+          </a:bodyPr>
+          <a:lstStyle/>
+          <a:p>
+            <a:r>
+              <a:rPr lang="en-US" dirty="0"/>
+              <a:t>TEACHER Table</a:t>
+            </a:r>
+          </a:p>
+        </p:txBody>
+      </p:sp>
+      <p:cxnSp>
+        <p:nvCxnSpPr>
+          <p:cNvPr id="9" name="Straight Connector 8">
+            <a:extLst>
+              <a:ext uri="{FF2B5EF4-FFF2-40B4-BE49-F238E27FC236}">
+                <a16:creationId xmlns:a16="http://schemas.microsoft.com/office/drawing/2014/main" id="{2A350E4B-7178-4CF2-9CBD-13F36310FC4C}"/>
+              </a:ext>
+            </a:extLst>
+          </p:cNvPr>
+          <p:cNvCxnSpPr>
+            <a:stCxn id="7" idx="2"/>
+          </p:cNvCxnSpPr>
+          <p:nvPr/>
+        </p:nvCxnSpPr>
+        <p:spPr>
+          <a:xfrm flipH="1">
+            <a:off x="2821577" y="1832372"/>
+            <a:ext cx="6532" cy="1851354"/>
+          </a:xfrm>
+          <a:prstGeom prst="line">
+            <a:avLst/>
+          </a:prstGeom>
+        </p:spPr>
+        <p:style>
+          <a:lnRef idx="1">
+            <a:schemeClr val="accent1"/>
+          </a:lnRef>
+          <a:fillRef idx="0">
+            <a:schemeClr val="accent1"/>
+          </a:fillRef>
+          <a:effectRef idx="0">
+            <a:schemeClr val="accent1"/>
+          </a:effectRef>
+          <a:fontRef idx="minor">
+            <a:schemeClr val="tx1"/>
+          </a:fontRef>
+        </p:style>
+      </p:cxnSp>
+      <p:cxnSp>
+        <p:nvCxnSpPr>
+          <p:cNvPr id="11" name="Straight Connector 10">
+            <a:extLst>
+              <a:ext uri="{FF2B5EF4-FFF2-40B4-BE49-F238E27FC236}">
+                <a16:creationId xmlns:a16="http://schemas.microsoft.com/office/drawing/2014/main" id="{4D782A34-19CA-40F1-880A-E4D43628796A}"/>
+              </a:ext>
+            </a:extLst>
+          </p:cNvPr>
+          <p:cNvCxnSpPr/>
+          <p:nvPr/>
+        </p:nvCxnSpPr>
+        <p:spPr>
+          <a:xfrm>
+            <a:off x="535577" y="2976545"/>
+            <a:ext cx="4310743" cy="0"/>
+          </a:xfrm>
+          <a:prstGeom prst="line">
+            <a:avLst/>
+          </a:prstGeom>
+        </p:spPr>
+        <p:style>
+          <a:lnRef idx="1">
+            <a:schemeClr val="accent1"/>
+          </a:lnRef>
+          <a:fillRef idx="0">
+            <a:schemeClr val="accent1"/>
+          </a:fillRef>
+          <a:effectRef idx="0">
+            <a:schemeClr val="accent1"/>
+          </a:effectRef>
+          <a:fontRef idx="minor">
+            <a:schemeClr val="tx1"/>
+          </a:fontRef>
+        </p:style>
+      </p:cxnSp>
+      <p:sp>
+        <p:nvSpPr>
+          <p:cNvPr id="12" name="TextBox 11">
+            <a:extLst>
+              <a:ext uri="{FF2B5EF4-FFF2-40B4-BE49-F238E27FC236}">
+                <a16:creationId xmlns:a16="http://schemas.microsoft.com/office/drawing/2014/main" id="{29BB1628-13D1-49DD-B50C-1DBC205A1FB9}"/>
+              </a:ext>
+            </a:extLst>
+          </p:cNvPr>
+          <p:cNvSpPr txBox="1"/>
+          <p:nvPr/>
+        </p:nvSpPr>
+        <p:spPr>
+          <a:xfrm>
+            <a:off x="770708" y="2407698"/>
+            <a:ext cx="2057400" cy="369332"/>
+          </a:xfrm>
+          <a:prstGeom prst="rect">
+            <a:avLst/>
+          </a:prstGeom>
+          <a:noFill/>
+        </p:spPr>
+        <p:txBody>
+          <a:bodyPr wrap="square" rtlCol="0">
+            <a:spAutoFit/>
+          </a:bodyPr>
+          <a:lstStyle/>
+          <a:p>
+            <a:r>
+              <a:rPr lang="en-US" dirty="0"/>
+              <a:t>MISS Matsuzaka</a:t>
+            </a:r>
+          </a:p>
+        </p:txBody>
+      </p:sp>
+      <p:sp>
+        <p:nvSpPr>
+          <p:cNvPr id="13" name="TextBox 12">
+            <a:extLst>
+              <a:ext uri="{FF2B5EF4-FFF2-40B4-BE49-F238E27FC236}">
+                <a16:creationId xmlns:a16="http://schemas.microsoft.com/office/drawing/2014/main" id="{4E8E894A-8783-489D-883B-DB2F3070F748}"/>
+              </a:ext>
+            </a:extLst>
+          </p:cNvPr>
+          <p:cNvSpPr txBox="1"/>
+          <p:nvPr/>
+        </p:nvSpPr>
+        <p:spPr>
+          <a:xfrm>
+            <a:off x="751115" y="3114879"/>
+            <a:ext cx="2057400" cy="369332"/>
+          </a:xfrm>
+          <a:prstGeom prst="rect">
+            <a:avLst/>
+          </a:prstGeom>
+          <a:noFill/>
+        </p:spPr>
+        <p:txBody>
+          <a:bodyPr wrap="square" rtlCol="0">
+            <a:spAutoFit/>
+          </a:bodyPr>
+          <a:lstStyle/>
+          <a:p>
+            <a:r>
+              <a:rPr lang="en-US" dirty="0"/>
+              <a:t>Miss Yoshinaka</a:t>
+            </a:r>
+          </a:p>
+        </p:txBody>
+      </p:sp>
+      <p:sp>
+        <p:nvSpPr>
+          <p:cNvPr id="14" name="TextBox 13">
+            <a:extLst>
+              <a:ext uri="{FF2B5EF4-FFF2-40B4-BE49-F238E27FC236}">
+                <a16:creationId xmlns:a16="http://schemas.microsoft.com/office/drawing/2014/main" id="{63E50AAB-1F02-4F1A-9FF5-69A675711A2F}"/>
+              </a:ext>
+            </a:extLst>
+          </p:cNvPr>
+          <p:cNvSpPr txBox="1"/>
+          <p:nvPr/>
+        </p:nvSpPr>
+        <p:spPr>
+          <a:xfrm>
+            <a:off x="3664131" y="2388717"/>
+            <a:ext cx="2057400" cy="369332"/>
+          </a:xfrm>
+          <a:prstGeom prst="rect">
+            <a:avLst/>
+          </a:prstGeom>
+          <a:noFill/>
+        </p:spPr>
+        <p:txBody>
+          <a:bodyPr wrap="square" rtlCol="0">
+            <a:spAutoFit/>
+          </a:bodyPr>
+          <a:lstStyle/>
+          <a:p>
+            <a:r>
+              <a:rPr lang="en-US" dirty="0"/>
+              <a:t>1</a:t>
+            </a:r>
+          </a:p>
+        </p:txBody>
+      </p:sp>
+      <p:sp>
+        <p:nvSpPr>
+          <p:cNvPr id="15" name="TextBox 14">
+            <a:extLst>
+              <a:ext uri="{FF2B5EF4-FFF2-40B4-BE49-F238E27FC236}">
+                <a16:creationId xmlns:a16="http://schemas.microsoft.com/office/drawing/2014/main" id="{990C00B7-6B1E-4A85-AF2C-0E4243CD5D61}"/>
+              </a:ext>
+            </a:extLst>
+          </p:cNvPr>
+          <p:cNvSpPr txBox="1"/>
+          <p:nvPr/>
+        </p:nvSpPr>
+        <p:spPr>
+          <a:xfrm>
+            <a:off x="3664131" y="3079262"/>
+            <a:ext cx="2057400" cy="369332"/>
+          </a:xfrm>
+          <a:prstGeom prst="rect">
+            <a:avLst/>
+          </a:prstGeom>
+          <a:noFill/>
+        </p:spPr>
+        <p:txBody>
+          <a:bodyPr wrap="square" rtlCol="0">
+            <a:spAutoFit/>
+          </a:bodyPr>
+          <a:lstStyle/>
+          <a:p>
+            <a:r>
+              <a:rPr lang="en-US" dirty="0"/>
+              <a:t>2</a:t>
+            </a:r>
+          </a:p>
+        </p:txBody>
+      </p:sp>
+      <p:cxnSp>
+        <p:nvCxnSpPr>
+          <p:cNvPr id="16" name="Straight Connector 15">
+            <a:extLst>
+              <a:ext uri="{FF2B5EF4-FFF2-40B4-BE49-F238E27FC236}">
+                <a16:creationId xmlns:a16="http://schemas.microsoft.com/office/drawing/2014/main" id="{2CDD382B-681C-4E1E-A343-E177D6862088}"/>
+              </a:ext>
+            </a:extLst>
+          </p:cNvPr>
+          <p:cNvCxnSpPr/>
+          <p:nvPr/>
+        </p:nvCxnSpPr>
+        <p:spPr>
+          <a:xfrm>
+            <a:off x="535576" y="2292923"/>
+            <a:ext cx="4310743" cy="0"/>
+          </a:xfrm>
+          <a:prstGeom prst="line">
+            <a:avLst/>
+          </a:prstGeom>
+        </p:spPr>
+        <p:style>
+          <a:lnRef idx="1">
+            <a:schemeClr val="accent1"/>
+          </a:lnRef>
+          <a:fillRef idx="0">
+            <a:schemeClr val="accent1"/>
+          </a:fillRef>
+          <a:effectRef idx="0">
+            <a:schemeClr val="accent1"/>
+          </a:effectRef>
+          <a:fontRef idx="minor">
+            <a:schemeClr val="tx1"/>
+          </a:fontRef>
+        </p:style>
+      </p:cxnSp>
+      <p:sp>
+        <p:nvSpPr>
+          <p:cNvPr id="17" name="TextBox 16">
+            <a:extLst>
+              <a:ext uri="{FF2B5EF4-FFF2-40B4-BE49-F238E27FC236}">
+                <a16:creationId xmlns:a16="http://schemas.microsoft.com/office/drawing/2014/main" id="{B7547DA5-F94C-4DAB-A929-CAACD4695CB9}"/>
+              </a:ext>
+            </a:extLst>
+          </p:cNvPr>
+          <p:cNvSpPr txBox="1"/>
+          <p:nvPr/>
+        </p:nvSpPr>
+        <p:spPr>
+          <a:xfrm>
+            <a:off x="751114" y="1922121"/>
+            <a:ext cx="2057400" cy="369332"/>
+          </a:xfrm>
+          <a:prstGeom prst="rect">
+            <a:avLst/>
+          </a:prstGeom>
+          <a:noFill/>
+        </p:spPr>
+        <p:txBody>
+          <a:bodyPr wrap="square" rtlCol="0">
+            <a:spAutoFit/>
+          </a:bodyPr>
+          <a:lstStyle/>
+          <a:p>
+            <a:pPr algn="ctr"/>
+            <a:r>
+              <a:rPr lang="en-US" dirty="0"/>
+              <a:t>name</a:t>
+            </a:r>
+          </a:p>
+        </p:txBody>
+      </p:sp>
+      <p:sp>
+        <p:nvSpPr>
+          <p:cNvPr id="18" name="TextBox 17">
+            <a:extLst>
+              <a:ext uri="{FF2B5EF4-FFF2-40B4-BE49-F238E27FC236}">
+                <a16:creationId xmlns:a16="http://schemas.microsoft.com/office/drawing/2014/main" id="{F1F8F9D4-0751-452E-87FB-C2D6F42D274B}"/>
+              </a:ext>
+            </a:extLst>
+          </p:cNvPr>
+          <p:cNvSpPr txBox="1"/>
+          <p:nvPr/>
+        </p:nvSpPr>
+        <p:spPr>
+          <a:xfrm>
+            <a:off x="2666994" y="1905206"/>
+            <a:ext cx="2057400" cy="369332"/>
+          </a:xfrm>
+          <a:prstGeom prst="rect">
+            <a:avLst/>
+          </a:prstGeom>
+          <a:noFill/>
+        </p:spPr>
+        <p:txBody>
+          <a:bodyPr wrap="square" rtlCol="0">
+            <a:spAutoFit/>
+          </a:bodyPr>
+          <a:lstStyle/>
+          <a:p>
+            <a:pPr algn="ctr"/>
+            <a:r>
+              <a:rPr lang="en-US" dirty="0"/>
+              <a:t>ID</a:t>
+            </a:r>
+          </a:p>
+        </p:txBody>
+      </p:sp>
+      <p:sp>
+        <p:nvSpPr>
+          <p:cNvPr id="19" name="Rectangle 18">
+            <a:extLst>
+              <a:ext uri="{FF2B5EF4-FFF2-40B4-BE49-F238E27FC236}">
+                <a16:creationId xmlns:a16="http://schemas.microsoft.com/office/drawing/2014/main" id="{3BBA11F8-420B-46E3-A54A-10656BF88CA9}"/>
+              </a:ext>
+            </a:extLst>
+          </p:cNvPr>
+          <p:cNvSpPr/>
+          <p:nvPr/>
+        </p:nvSpPr>
+        <p:spPr>
+          <a:xfrm>
+            <a:off x="6135205" y="2451462"/>
+            <a:ext cx="5758526" cy="4014650"/>
+          </a:xfrm>
+          <a:prstGeom prst="rect">
+            <a:avLst/>
+          </a:prstGeom>
+          <a:noFill/>
+        </p:spPr>
+        <p:style>
+          <a:lnRef idx="2">
+            <a:schemeClr val="accent1">
+              <a:shade val="50000"/>
+            </a:schemeClr>
+          </a:lnRef>
+          <a:fillRef idx="1">
+            <a:schemeClr val="accent1"/>
+          </a:fillRef>
+          <a:effectRef idx="0">
+            <a:schemeClr val="accent1"/>
+          </a:effectRef>
+          <a:fontRef idx="minor">
+            <a:schemeClr val="lt1"/>
+          </a:fontRef>
+        </p:style>
+        <p:txBody>
+          <a:bodyPr rtlCol="0" anchor="ctr"/>
+          <a:lstStyle/>
+          <a:p>
+            <a:pPr algn="ctr"/>
+            <a:endParaRPr lang="en-US"/>
+          </a:p>
+        </p:txBody>
+      </p:sp>
+      <p:cxnSp>
+        <p:nvCxnSpPr>
+          <p:cNvPr id="20" name="Straight Connector 19">
+            <a:extLst>
+              <a:ext uri="{FF2B5EF4-FFF2-40B4-BE49-F238E27FC236}">
+                <a16:creationId xmlns:a16="http://schemas.microsoft.com/office/drawing/2014/main" id="{1E3E121A-2034-4AB3-AEA5-4CD9F09B81C8}"/>
+              </a:ext>
+            </a:extLst>
+          </p:cNvPr>
+          <p:cNvCxnSpPr>
+            <a:cxnSpLocks/>
+          </p:cNvCxnSpPr>
+          <p:nvPr/>
+        </p:nvCxnSpPr>
+        <p:spPr>
+          <a:xfrm>
+            <a:off x="6135205" y="2869474"/>
+            <a:ext cx="5758526" cy="0"/>
+          </a:xfrm>
+          <a:prstGeom prst="line">
+            <a:avLst/>
+          </a:prstGeom>
+        </p:spPr>
+        <p:style>
+          <a:lnRef idx="1">
+            <a:schemeClr val="accent1"/>
+          </a:lnRef>
+          <a:fillRef idx="0">
+            <a:schemeClr val="accent1"/>
+          </a:fillRef>
+          <a:effectRef idx="0">
+            <a:schemeClr val="accent1"/>
+          </a:effectRef>
+          <a:fontRef idx="minor">
+            <a:schemeClr val="tx1"/>
+          </a:fontRef>
+        </p:style>
+      </p:cxnSp>
+      <p:sp>
+        <p:nvSpPr>
+          <p:cNvPr id="21" name="TextBox 20">
+            <a:extLst>
+              <a:ext uri="{FF2B5EF4-FFF2-40B4-BE49-F238E27FC236}">
+                <a16:creationId xmlns:a16="http://schemas.microsoft.com/office/drawing/2014/main" id="{5E622424-575C-4177-9EAD-C439F95EC3EE}"/>
+              </a:ext>
+            </a:extLst>
+          </p:cNvPr>
+          <p:cNvSpPr txBox="1"/>
+          <p:nvPr/>
+        </p:nvSpPr>
+        <p:spPr>
+          <a:xfrm>
+            <a:off x="7545994" y="2451463"/>
+            <a:ext cx="1763485" cy="369332"/>
+          </a:xfrm>
+          <a:prstGeom prst="rect">
+            <a:avLst/>
+          </a:prstGeom>
+          <a:noFill/>
+        </p:spPr>
+        <p:txBody>
+          <a:bodyPr wrap="square" rtlCol="0">
+            <a:spAutoFit/>
+          </a:bodyPr>
+          <a:lstStyle/>
+          <a:p>
+            <a:r>
+              <a:rPr lang="en-US" dirty="0"/>
+              <a:t>Student Table</a:t>
+            </a:r>
+          </a:p>
+        </p:txBody>
+      </p:sp>
+      <p:cxnSp>
+        <p:nvCxnSpPr>
+          <p:cNvPr id="22" name="Straight Connector 21">
+            <a:extLst>
+              <a:ext uri="{FF2B5EF4-FFF2-40B4-BE49-F238E27FC236}">
+                <a16:creationId xmlns:a16="http://schemas.microsoft.com/office/drawing/2014/main" id="{84E1DAD3-4D85-4DB5-98F8-264AB9494B6E}"/>
+              </a:ext>
+            </a:extLst>
+          </p:cNvPr>
+          <p:cNvCxnSpPr>
+            <a:cxnSpLocks/>
+            <a:stCxn id="21" idx="2"/>
+          </p:cNvCxnSpPr>
+          <p:nvPr/>
+        </p:nvCxnSpPr>
+        <p:spPr>
+          <a:xfrm>
+            <a:off x="8427737" y="2820795"/>
+            <a:ext cx="0" cy="3645317"/>
+          </a:xfrm>
+          <a:prstGeom prst="line">
+            <a:avLst/>
+          </a:prstGeom>
+        </p:spPr>
+        <p:style>
+          <a:lnRef idx="1">
+            <a:schemeClr val="accent1"/>
+          </a:lnRef>
+          <a:fillRef idx="0">
+            <a:schemeClr val="accent1"/>
+          </a:fillRef>
+          <a:effectRef idx="0">
+            <a:schemeClr val="accent1"/>
+          </a:effectRef>
+          <a:fontRef idx="minor">
+            <a:schemeClr val="tx1"/>
+          </a:fontRef>
+        </p:style>
+      </p:cxnSp>
+      <p:cxnSp>
+        <p:nvCxnSpPr>
+          <p:cNvPr id="23" name="Straight Connector 22">
+            <a:extLst>
+              <a:ext uri="{FF2B5EF4-FFF2-40B4-BE49-F238E27FC236}">
+                <a16:creationId xmlns:a16="http://schemas.microsoft.com/office/drawing/2014/main" id="{60A10098-2BD6-406B-9878-56EF775A98B5}"/>
+              </a:ext>
+            </a:extLst>
+          </p:cNvPr>
+          <p:cNvCxnSpPr>
+            <a:cxnSpLocks/>
+          </p:cNvCxnSpPr>
+          <p:nvPr/>
+        </p:nvCxnSpPr>
+        <p:spPr>
+          <a:xfrm flipV="1">
+            <a:off x="6135205" y="3937000"/>
+            <a:ext cx="5758526" cy="27968"/>
+          </a:xfrm>
+          <a:prstGeom prst="line">
+            <a:avLst/>
+          </a:prstGeom>
+        </p:spPr>
+        <p:style>
+          <a:lnRef idx="1">
+            <a:schemeClr val="accent1"/>
+          </a:lnRef>
+          <a:fillRef idx="0">
+            <a:schemeClr val="accent1"/>
+          </a:fillRef>
+          <a:effectRef idx="0">
+            <a:schemeClr val="accent1"/>
+          </a:effectRef>
+          <a:fontRef idx="minor">
+            <a:schemeClr val="tx1"/>
+          </a:fontRef>
+        </p:style>
+      </p:cxnSp>
+      <p:sp>
+        <p:nvSpPr>
+          <p:cNvPr id="24" name="TextBox 23">
+            <a:extLst>
+              <a:ext uri="{FF2B5EF4-FFF2-40B4-BE49-F238E27FC236}">
+                <a16:creationId xmlns:a16="http://schemas.microsoft.com/office/drawing/2014/main" id="{8CB16130-83E3-46BF-B358-BACCB2D74CAB}"/>
+              </a:ext>
+            </a:extLst>
+          </p:cNvPr>
+          <p:cNvSpPr txBox="1"/>
+          <p:nvPr/>
+        </p:nvSpPr>
+        <p:spPr>
+          <a:xfrm>
+            <a:off x="6370336" y="3396121"/>
+            <a:ext cx="2057400" cy="369332"/>
+          </a:xfrm>
+          <a:prstGeom prst="rect">
+            <a:avLst/>
+          </a:prstGeom>
+          <a:noFill/>
+        </p:spPr>
+        <p:txBody>
+          <a:bodyPr wrap="square" rtlCol="0">
+            <a:spAutoFit/>
+          </a:bodyPr>
+          <a:lstStyle/>
+          <a:p>
+            <a:r>
+              <a:rPr lang="en-US" dirty="0" err="1"/>
+              <a:t>Shinchan</a:t>
+            </a:r>
+            <a:endParaRPr lang="en-US" dirty="0"/>
+          </a:p>
+        </p:txBody>
+      </p:sp>
+      <p:sp>
+        <p:nvSpPr>
+          <p:cNvPr id="25" name="TextBox 24">
+            <a:extLst>
+              <a:ext uri="{FF2B5EF4-FFF2-40B4-BE49-F238E27FC236}">
+                <a16:creationId xmlns:a16="http://schemas.microsoft.com/office/drawing/2014/main" id="{238BCCC5-2F69-4D76-A50C-DBA85A8AFEEA}"/>
+              </a:ext>
+            </a:extLst>
+          </p:cNvPr>
+          <p:cNvSpPr txBox="1"/>
+          <p:nvPr/>
+        </p:nvSpPr>
+        <p:spPr>
+          <a:xfrm>
+            <a:off x="6350743" y="4103302"/>
+            <a:ext cx="2057400" cy="369332"/>
+          </a:xfrm>
+          <a:prstGeom prst="rect">
+            <a:avLst/>
+          </a:prstGeom>
+          <a:noFill/>
+        </p:spPr>
+        <p:txBody>
+          <a:bodyPr wrap="square" rtlCol="0">
+            <a:spAutoFit/>
+          </a:bodyPr>
+          <a:lstStyle/>
+          <a:p>
+            <a:r>
+              <a:rPr lang="en-US" dirty="0"/>
+              <a:t>Kazama</a:t>
+            </a:r>
+          </a:p>
+        </p:txBody>
+      </p:sp>
+      <p:sp>
+        <p:nvSpPr>
+          <p:cNvPr id="26" name="TextBox 25">
+            <a:extLst>
+              <a:ext uri="{FF2B5EF4-FFF2-40B4-BE49-F238E27FC236}">
+                <a16:creationId xmlns:a16="http://schemas.microsoft.com/office/drawing/2014/main" id="{815509AA-1187-459B-B39D-155E9000FB0C}"/>
+              </a:ext>
+            </a:extLst>
+          </p:cNvPr>
+          <p:cNvSpPr txBox="1"/>
+          <p:nvPr/>
+        </p:nvSpPr>
+        <p:spPr>
+          <a:xfrm>
+            <a:off x="9263759" y="3377140"/>
+            <a:ext cx="2057400" cy="369332"/>
+          </a:xfrm>
+          <a:prstGeom prst="rect">
+            <a:avLst/>
+          </a:prstGeom>
+          <a:noFill/>
+        </p:spPr>
+        <p:txBody>
+          <a:bodyPr wrap="square" rtlCol="0">
+            <a:spAutoFit/>
+          </a:bodyPr>
+          <a:lstStyle/>
+          <a:p>
+            <a:r>
+              <a:rPr lang="en-US" dirty="0"/>
+              <a:t>2</a:t>
+            </a:r>
+          </a:p>
+        </p:txBody>
+      </p:sp>
+      <p:sp>
+        <p:nvSpPr>
+          <p:cNvPr id="27" name="TextBox 26">
+            <a:extLst>
+              <a:ext uri="{FF2B5EF4-FFF2-40B4-BE49-F238E27FC236}">
+                <a16:creationId xmlns:a16="http://schemas.microsoft.com/office/drawing/2014/main" id="{9AF40F91-C020-439F-BDA4-A217FE982157}"/>
+              </a:ext>
+            </a:extLst>
+          </p:cNvPr>
+          <p:cNvSpPr txBox="1"/>
+          <p:nvPr/>
+        </p:nvSpPr>
+        <p:spPr>
+          <a:xfrm>
+            <a:off x="9263759" y="4067685"/>
+            <a:ext cx="2057400" cy="369332"/>
+          </a:xfrm>
+          <a:prstGeom prst="rect">
+            <a:avLst/>
+          </a:prstGeom>
+          <a:noFill/>
+        </p:spPr>
+        <p:txBody>
+          <a:bodyPr wrap="square" rtlCol="0">
+            <a:spAutoFit/>
+          </a:bodyPr>
+          <a:lstStyle/>
+          <a:p>
+            <a:r>
+              <a:rPr lang="en-US" dirty="0"/>
+              <a:t>2</a:t>
+            </a:r>
+          </a:p>
+        </p:txBody>
+      </p:sp>
+      <p:cxnSp>
+        <p:nvCxnSpPr>
+          <p:cNvPr id="28" name="Straight Connector 27">
+            <a:extLst>
+              <a:ext uri="{FF2B5EF4-FFF2-40B4-BE49-F238E27FC236}">
+                <a16:creationId xmlns:a16="http://schemas.microsoft.com/office/drawing/2014/main" id="{127FECA8-2152-4EAE-954A-B7082E339E87}"/>
+              </a:ext>
+            </a:extLst>
+          </p:cNvPr>
+          <p:cNvCxnSpPr>
+            <a:cxnSpLocks/>
+          </p:cNvCxnSpPr>
+          <p:nvPr/>
+        </p:nvCxnSpPr>
+        <p:spPr>
+          <a:xfrm flipV="1">
+            <a:off x="6135204" y="3262961"/>
+            <a:ext cx="5758527" cy="18385"/>
+          </a:xfrm>
+          <a:prstGeom prst="line">
+            <a:avLst/>
+          </a:prstGeom>
+        </p:spPr>
+        <p:style>
+          <a:lnRef idx="1">
+            <a:schemeClr val="accent1"/>
+          </a:lnRef>
+          <a:fillRef idx="0">
+            <a:schemeClr val="accent1"/>
+          </a:fillRef>
+          <a:effectRef idx="0">
+            <a:schemeClr val="accent1"/>
+          </a:effectRef>
+          <a:fontRef idx="minor">
+            <a:schemeClr val="tx1"/>
+          </a:fontRef>
+        </p:style>
+      </p:cxnSp>
+      <p:sp>
+        <p:nvSpPr>
+          <p:cNvPr id="29" name="TextBox 28">
+            <a:extLst>
+              <a:ext uri="{FF2B5EF4-FFF2-40B4-BE49-F238E27FC236}">
+                <a16:creationId xmlns:a16="http://schemas.microsoft.com/office/drawing/2014/main" id="{322605C9-E464-46F4-991E-A6ABEBE43E91}"/>
+              </a:ext>
+            </a:extLst>
+          </p:cNvPr>
+          <p:cNvSpPr txBox="1"/>
+          <p:nvPr/>
+        </p:nvSpPr>
+        <p:spPr>
+          <a:xfrm>
+            <a:off x="6350742" y="2910544"/>
+            <a:ext cx="2057400" cy="369332"/>
+          </a:xfrm>
+          <a:prstGeom prst="rect">
+            <a:avLst/>
+          </a:prstGeom>
+          <a:noFill/>
+        </p:spPr>
+        <p:txBody>
+          <a:bodyPr wrap="square" rtlCol="0">
+            <a:spAutoFit/>
+          </a:bodyPr>
+          <a:lstStyle/>
+          <a:p>
+            <a:pPr algn="ctr"/>
+            <a:r>
+              <a:rPr lang="en-US" dirty="0"/>
+              <a:t>name</a:t>
+            </a:r>
+          </a:p>
+        </p:txBody>
+      </p:sp>
+      <p:sp>
+        <p:nvSpPr>
+          <p:cNvPr id="30" name="TextBox 29">
+            <a:extLst>
+              <a:ext uri="{FF2B5EF4-FFF2-40B4-BE49-F238E27FC236}">
+                <a16:creationId xmlns:a16="http://schemas.microsoft.com/office/drawing/2014/main" id="{24398163-C596-497C-A0E6-EF386CA374B8}"/>
+              </a:ext>
+            </a:extLst>
+          </p:cNvPr>
+          <p:cNvSpPr txBox="1"/>
+          <p:nvPr/>
+        </p:nvSpPr>
+        <p:spPr>
+          <a:xfrm>
+            <a:off x="8266622" y="2893629"/>
+            <a:ext cx="2057400" cy="369332"/>
+          </a:xfrm>
+          <a:prstGeom prst="rect">
+            <a:avLst/>
+          </a:prstGeom>
+          <a:noFill/>
+        </p:spPr>
+        <p:txBody>
+          <a:bodyPr wrap="square" rtlCol="0">
+            <a:spAutoFit/>
+          </a:bodyPr>
+          <a:lstStyle/>
+          <a:p>
+            <a:pPr algn="ctr"/>
+            <a:r>
+              <a:rPr lang="en-US" dirty="0" err="1"/>
+              <a:t>Teacher_ID</a:t>
+            </a:r>
+            <a:endParaRPr lang="en-US" dirty="0"/>
+          </a:p>
+        </p:txBody>
+      </p:sp>
+      <p:cxnSp>
+        <p:nvCxnSpPr>
+          <p:cNvPr id="32" name="Straight Connector 31">
+            <a:extLst>
+              <a:ext uri="{FF2B5EF4-FFF2-40B4-BE49-F238E27FC236}">
+                <a16:creationId xmlns:a16="http://schemas.microsoft.com/office/drawing/2014/main" id="{47C33FD8-B552-41ED-9BF4-032B4ADBA355}"/>
+              </a:ext>
+            </a:extLst>
+          </p:cNvPr>
+          <p:cNvCxnSpPr>
+            <a:cxnSpLocks/>
+            <a:endCxn id="19" idx="3"/>
+          </p:cNvCxnSpPr>
+          <p:nvPr/>
+        </p:nvCxnSpPr>
+        <p:spPr>
+          <a:xfrm flipV="1">
+            <a:off x="6111250" y="4458787"/>
+            <a:ext cx="5782481" cy="13848"/>
+          </a:xfrm>
+          <a:prstGeom prst="line">
+            <a:avLst/>
+          </a:prstGeom>
+        </p:spPr>
+        <p:style>
+          <a:lnRef idx="1">
+            <a:schemeClr val="accent1"/>
+          </a:lnRef>
+          <a:fillRef idx="0">
+            <a:schemeClr val="accent1"/>
+          </a:fillRef>
+          <a:effectRef idx="0">
+            <a:schemeClr val="accent1"/>
+          </a:effectRef>
+          <a:fontRef idx="minor">
+            <a:schemeClr val="tx1"/>
+          </a:fontRef>
+        </p:style>
+      </p:cxnSp>
+      <p:cxnSp>
+        <p:nvCxnSpPr>
+          <p:cNvPr id="33" name="Straight Connector 32">
+            <a:extLst>
+              <a:ext uri="{FF2B5EF4-FFF2-40B4-BE49-F238E27FC236}">
+                <a16:creationId xmlns:a16="http://schemas.microsoft.com/office/drawing/2014/main" id="{0FC0C933-EB1D-4B2C-BFF6-0D9294C97AC6}"/>
+              </a:ext>
+            </a:extLst>
+          </p:cNvPr>
+          <p:cNvCxnSpPr>
+            <a:cxnSpLocks/>
+          </p:cNvCxnSpPr>
+          <p:nvPr/>
+        </p:nvCxnSpPr>
+        <p:spPr>
+          <a:xfrm>
+            <a:off x="6135204" y="5095297"/>
+            <a:ext cx="5758527" cy="0"/>
+          </a:xfrm>
+          <a:prstGeom prst="line">
+            <a:avLst/>
+          </a:prstGeom>
+        </p:spPr>
+        <p:style>
+          <a:lnRef idx="1">
+            <a:schemeClr val="accent1"/>
+          </a:lnRef>
+          <a:fillRef idx="0">
+            <a:schemeClr val="accent1"/>
+          </a:fillRef>
+          <a:effectRef idx="0">
+            <a:schemeClr val="accent1"/>
+          </a:effectRef>
+          <a:fontRef idx="minor">
+            <a:schemeClr val="tx1"/>
+          </a:fontRef>
+        </p:style>
+      </p:cxnSp>
+      <p:cxnSp>
+        <p:nvCxnSpPr>
+          <p:cNvPr id="34" name="Straight Connector 33">
+            <a:extLst>
+              <a:ext uri="{FF2B5EF4-FFF2-40B4-BE49-F238E27FC236}">
+                <a16:creationId xmlns:a16="http://schemas.microsoft.com/office/drawing/2014/main" id="{BCF74831-6421-4FDA-BB5C-F45A3159954B}"/>
+              </a:ext>
+            </a:extLst>
+          </p:cNvPr>
+          <p:cNvCxnSpPr>
+            <a:cxnSpLocks/>
+          </p:cNvCxnSpPr>
+          <p:nvPr/>
+        </p:nvCxnSpPr>
+        <p:spPr>
+          <a:xfrm>
+            <a:off x="6135204" y="5783274"/>
+            <a:ext cx="5758527" cy="0"/>
+          </a:xfrm>
+          <a:prstGeom prst="line">
+            <a:avLst/>
+          </a:prstGeom>
+        </p:spPr>
+        <p:style>
+          <a:lnRef idx="1">
+            <a:schemeClr val="accent1"/>
+          </a:lnRef>
+          <a:fillRef idx="0">
+            <a:schemeClr val="accent1"/>
+          </a:fillRef>
+          <a:effectRef idx="0">
+            <a:schemeClr val="accent1"/>
+          </a:effectRef>
+          <a:fontRef idx="minor">
+            <a:schemeClr val="tx1"/>
+          </a:fontRef>
+        </p:style>
+      </p:cxnSp>
+      <p:sp>
+        <p:nvSpPr>
+          <p:cNvPr id="36" name="TextBox 35">
+            <a:extLst>
+              <a:ext uri="{FF2B5EF4-FFF2-40B4-BE49-F238E27FC236}">
+                <a16:creationId xmlns:a16="http://schemas.microsoft.com/office/drawing/2014/main" id="{82EB26AC-B6C9-466F-B5B0-8B886E9F064C}"/>
+              </a:ext>
+            </a:extLst>
+          </p:cNvPr>
+          <p:cNvSpPr txBox="1"/>
+          <p:nvPr/>
+        </p:nvSpPr>
+        <p:spPr>
+          <a:xfrm>
+            <a:off x="6478082" y="4606613"/>
+            <a:ext cx="2057400" cy="369332"/>
+          </a:xfrm>
+          <a:prstGeom prst="rect">
+            <a:avLst/>
+          </a:prstGeom>
+          <a:noFill/>
+        </p:spPr>
+        <p:txBody>
+          <a:bodyPr wrap="square" rtlCol="0">
+            <a:spAutoFit/>
+          </a:bodyPr>
+          <a:lstStyle/>
+          <a:p>
+            <a:r>
+              <a:rPr lang="en-US" dirty="0"/>
+              <a:t>BO-</a:t>
+            </a:r>
+            <a:r>
+              <a:rPr lang="en-US" dirty="0" err="1"/>
+              <a:t>chan</a:t>
+            </a:r>
+            <a:endParaRPr lang="en-US" dirty="0"/>
+          </a:p>
+        </p:txBody>
+      </p:sp>
+      <p:sp>
+        <p:nvSpPr>
+          <p:cNvPr id="37" name="TextBox 36">
+            <a:extLst>
+              <a:ext uri="{FF2B5EF4-FFF2-40B4-BE49-F238E27FC236}">
+                <a16:creationId xmlns:a16="http://schemas.microsoft.com/office/drawing/2014/main" id="{C1FF65EE-3C86-489C-9655-153A01C771DA}"/>
+              </a:ext>
+            </a:extLst>
+          </p:cNvPr>
+          <p:cNvSpPr txBox="1"/>
+          <p:nvPr/>
+        </p:nvSpPr>
+        <p:spPr>
+          <a:xfrm>
+            <a:off x="6446546" y="5252050"/>
+            <a:ext cx="2057400" cy="369332"/>
+          </a:xfrm>
+          <a:prstGeom prst="rect">
+            <a:avLst/>
+          </a:prstGeom>
+          <a:noFill/>
+        </p:spPr>
+        <p:txBody>
+          <a:bodyPr wrap="square" rtlCol="0">
+            <a:spAutoFit/>
+          </a:bodyPr>
+          <a:lstStyle/>
+          <a:p>
+            <a:r>
+              <a:rPr lang="en-US" dirty="0"/>
+              <a:t>Cheetah</a:t>
+            </a:r>
+          </a:p>
+        </p:txBody>
+      </p:sp>
+      <p:sp>
+        <p:nvSpPr>
+          <p:cNvPr id="38" name="TextBox 37">
+            <a:extLst>
+              <a:ext uri="{FF2B5EF4-FFF2-40B4-BE49-F238E27FC236}">
+                <a16:creationId xmlns:a16="http://schemas.microsoft.com/office/drawing/2014/main" id="{EB7EE036-824D-4CDF-B042-230BB889A7DF}"/>
+              </a:ext>
+            </a:extLst>
+          </p:cNvPr>
+          <p:cNvSpPr txBox="1"/>
+          <p:nvPr/>
+        </p:nvSpPr>
+        <p:spPr>
+          <a:xfrm>
+            <a:off x="6446546" y="5940027"/>
+            <a:ext cx="2057400" cy="369332"/>
+          </a:xfrm>
+          <a:prstGeom prst="rect">
+            <a:avLst/>
+          </a:prstGeom>
+          <a:noFill/>
+        </p:spPr>
+        <p:txBody>
+          <a:bodyPr wrap="square" rtlCol="0">
+            <a:spAutoFit/>
+          </a:bodyPr>
+          <a:lstStyle/>
+          <a:p>
+            <a:r>
+              <a:rPr lang="en-US" dirty="0"/>
+              <a:t>Hitoshi</a:t>
+            </a:r>
+          </a:p>
+        </p:txBody>
+      </p:sp>
+      <p:cxnSp>
+        <p:nvCxnSpPr>
+          <p:cNvPr id="39" name="Straight Connector 38">
+            <a:extLst>
+              <a:ext uri="{FF2B5EF4-FFF2-40B4-BE49-F238E27FC236}">
+                <a16:creationId xmlns:a16="http://schemas.microsoft.com/office/drawing/2014/main" id="{8A421FCF-BBB6-462B-A21D-20BBFBEF8E89}"/>
+              </a:ext>
+            </a:extLst>
+          </p:cNvPr>
+          <p:cNvCxnSpPr>
+            <a:cxnSpLocks/>
+          </p:cNvCxnSpPr>
+          <p:nvPr/>
+        </p:nvCxnSpPr>
+        <p:spPr>
+          <a:xfrm>
+            <a:off x="10445947" y="2869474"/>
+            <a:ext cx="0" cy="3645317"/>
+          </a:xfrm>
+          <a:prstGeom prst="line">
+            <a:avLst/>
+          </a:prstGeom>
+        </p:spPr>
+        <p:style>
+          <a:lnRef idx="1">
+            <a:schemeClr val="accent1"/>
+          </a:lnRef>
+          <a:fillRef idx="0">
+            <a:schemeClr val="accent1"/>
+          </a:fillRef>
+          <a:effectRef idx="0">
+            <a:schemeClr val="accent1"/>
+          </a:effectRef>
+          <a:fontRef idx="minor">
+            <a:schemeClr val="tx1"/>
+          </a:fontRef>
+        </p:style>
+      </p:cxnSp>
+      <p:sp>
+        <p:nvSpPr>
+          <p:cNvPr id="46" name="TextBox 45">
+            <a:extLst>
+              <a:ext uri="{FF2B5EF4-FFF2-40B4-BE49-F238E27FC236}">
+                <a16:creationId xmlns:a16="http://schemas.microsoft.com/office/drawing/2014/main" id="{2C7B55AF-23A5-4AF6-A4BE-DD840559CBA9}"/>
+              </a:ext>
+            </a:extLst>
+          </p:cNvPr>
+          <p:cNvSpPr txBox="1"/>
+          <p:nvPr/>
+        </p:nvSpPr>
+        <p:spPr>
+          <a:xfrm>
+            <a:off x="10051868" y="2869411"/>
+            <a:ext cx="2057400" cy="369332"/>
+          </a:xfrm>
+          <a:prstGeom prst="rect">
+            <a:avLst/>
+          </a:prstGeom>
+          <a:noFill/>
+        </p:spPr>
+        <p:txBody>
+          <a:bodyPr wrap="square" rtlCol="0">
+            <a:spAutoFit/>
+          </a:bodyPr>
+          <a:lstStyle/>
+          <a:p>
+            <a:pPr algn="ctr"/>
+            <a:r>
+              <a:rPr lang="en-US" dirty="0"/>
+              <a:t>Student ID</a:t>
+            </a:r>
+          </a:p>
+        </p:txBody>
+      </p:sp>
+      <p:sp>
+        <p:nvSpPr>
+          <p:cNvPr id="47" name="TextBox 46">
+            <a:extLst>
+              <a:ext uri="{FF2B5EF4-FFF2-40B4-BE49-F238E27FC236}">
+                <a16:creationId xmlns:a16="http://schemas.microsoft.com/office/drawing/2014/main" id="{E862DF13-3828-4BA6-A8BE-CC1F782736A7}"/>
+              </a:ext>
+            </a:extLst>
+          </p:cNvPr>
+          <p:cNvSpPr txBox="1"/>
+          <p:nvPr/>
+        </p:nvSpPr>
+        <p:spPr>
+          <a:xfrm>
+            <a:off x="9295322" y="4627135"/>
+            <a:ext cx="2057400" cy="369332"/>
+          </a:xfrm>
+          <a:prstGeom prst="rect">
+            <a:avLst/>
+          </a:prstGeom>
+          <a:noFill/>
+        </p:spPr>
+        <p:txBody>
+          <a:bodyPr wrap="square" rtlCol="0">
+            <a:spAutoFit/>
+          </a:bodyPr>
+          <a:lstStyle/>
+          <a:p>
+            <a:r>
+              <a:rPr lang="en-US" dirty="0"/>
+              <a:t>2</a:t>
+            </a:r>
+          </a:p>
+        </p:txBody>
+      </p:sp>
+      <p:sp>
+        <p:nvSpPr>
+          <p:cNvPr id="48" name="TextBox 47">
+            <a:extLst>
+              <a:ext uri="{FF2B5EF4-FFF2-40B4-BE49-F238E27FC236}">
+                <a16:creationId xmlns:a16="http://schemas.microsoft.com/office/drawing/2014/main" id="{B005157F-8528-47C7-9A53-F2B023AB9E6D}"/>
+              </a:ext>
+            </a:extLst>
+          </p:cNvPr>
+          <p:cNvSpPr txBox="1"/>
+          <p:nvPr/>
+        </p:nvSpPr>
+        <p:spPr>
+          <a:xfrm>
+            <a:off x="9263759" y="5250493"/>
+            <a:ext cx="2057400" cy="369332"/>
+          </a:xfrm>
+          <a:prstGeom prst="rect">
+            <a:avLst/>
+          </a:prstGeom>
+          <a:noFill/>
+        </p:spPr>
+        <p:txBody>
+          <a:bodyPr wrap="square" rtlCol="0">
+            <a:spAutoFit/>
+          </a:bodyPr>
+          <a:lstStyle/>
+          <a:p>
+            <a:r>
+              <a:rPr lang="en-US" dirty="0"/>
+              <a:t>1</a:t>
+            </a:r>
+          </a:p>
+        </p:txBody>
+      </p:sp>
+      <p:sp>
+        <p:nvSpPr>
+          <p:cNvPr id="49" name="TextBox 48">
+            <a:extLst>
+              <a:ext uri="{FF2B5EF4-FFF2-40B4-BE49-F238E27FC236}">
+                <a16:creationId xmlns:a16="http://schemas.microsoft.com/office/drawing/2014/main" id="{99879941-3F62-4114-94C2-2EE070A7D04C}"/>
+              </a:ext>
+            </a:extLst>
+          </p:cNvPr>
+          <p:cNvSpPr txBox="1"/>
+          <p:nvPr/>
+        </p:nvSpPr>
+        <p:spPr>
+          <a:xfrm>
+            <a:off x="9263759" y="5960925"/>
+            <a:ext cx="2057400" cy="369332"/>
+          </a:xfrm>
+          <a:prstGeom prst="rect">
+            <a:avLst/>
+          </a:prstGeom>
+          <a:noFill/>
+        </p:spPr>
+        <p:txBody>
+          <a:bodyPr wrap="square" rtlCol="0">
+            <a:spAutoFit/>
+          </a:bodyPr>
+          <a:lstStyle/>
+          <a:p>
+            <a:r>
+              <a:rPr lang="en-US" dirty="0"/>
+              <a:t>1</a:t>
+            </a:r>
+          </a:p>
+        </p:txBody>
+      </p:sp>
+      <p:sp>
+        <p:nvSpPr>
+          <p:cNvPr id="50" name="TextBox 49">
+            <a:extLst>
+              <a:ext uri="{FF2B5EF4-FFF2-40B4-BE49-F238E27FC236}">
+                <a16:creationId xmlns:a16="http://schemas.microsoft.com/office/drawing/2014/main" id="{3DF4A22B-0D6E-41BE-BE56-A9EE633A07FE}"/>
+              </a:ext>
+            </a:extLst>
+          </p:cNvPr>
+          <p:cNvSpPr txBox="1"/>
+          <p:nvPr/>
+        </p:nvSpPr>
+        <p:spPr>
+          <a:xfrm>
+            <a:off x="10718074" y="3416393"/>
+            <a:ext cx="2057400" cy="2862322"/>
+          </a:xfrm>
+          <a:prstGeom prst="rect">
+            <a:avLst/>
+          </a:prstGeom>
+          <a:noFill/>
+        </p:spPr>
+        <p:txBody>
+          <a:bodyPr wrap="square" rtlCol="0">
+            <a:spAutoFit/>
+          </a:bodyPr>
+          <a:lstStyle/>
+          <a:p>
+            <a:r>
+              <a:rPr lang="en-US" dirty="0"/>
+              <a:t>1</a:t>
+            </a:r>
+          </a:p>
+          <a:p>
+            <a:endParaRPr lang="en-US" dirty="0"/>
+          </a:p>
+          <a:p>
+            <a:r>
+              <a:rPr lang="en-US" dirty="0"/>
+              <a:t>2</a:t>
+            </a:r>
+          </a:p>
+          <a:p>
+            <a:endParaRPr lang="en-US" dirty="0"/>
+          </a:p>
+          <a:p>
+            <a:r>
+              <a:rPr lang="en-US" dirty="0"/>
+              <a:t>3</a:t>
+            </a:r>
+          </a:p>
+          <a:p>
+            <a:endParaRPr lang="en-US" dirty="0"/>
+          </a:p>
+          <a:p>
+            <a:endParaRPr lang="en-US" dirty="0"/>
+          </a:p>
+          <a:p>
+            <a:r>
+              <a:rPr lang="en-US" dirty="0"/>
+              <a:t>4</a:t>
+            </a:r>
+          </a:p>
+          <a:p>
+            <a:endParaRPr lang="en-US" dirty="0"/>
+          </a:p>
+          <a:p>
+            <a:r>
+              <a:rPr lang="en-US" dirty="0"/>
+              <a:t>5</a:t>
+            </a:r>
+          </a:p>
+        </p:txBody>
+      </p:sp>
+      <p:sp>
+        <p:nvSpPr>
+          <p:cNvPr id="51" name="Oval 50">
+            <a:extLst>
+              <a:ext uri="{FF2B5EF4-FFF2-40B4-BE49-F238E27FC236}">
+                <a16:creationId xmlns:a16="http://schemas.microsoft.com/office/drawing/2014/main" id="{362B3111-6FEE-4959-A92A-4330A85678D5}"/>
+              </a:ext>
+            </a:extLst>
+          </p:cNvPr>
+          <p:cNvSpPr/>
+          <p:nvPr/>
+        </p:nvSpPr>
+        <p:spPr>
+          <a:xfrm>
+            <a:off x="8864776" y="3078295"/>
+            <a:ext cx="1067921" cy="2187768"/>
+          </a:xfrm>
+          <a:prstGeom prst="ellipse">
+            <a:avLst/>
+          </a:prstGeom>
+          <a:noFill/>
+          <a:ln w="57150">
+            <a:solidFill>
+              <a:schemeClr val="accent2">
+                <a:lumMod val="75000"/>
+              </a:schemeClr>
+            </a:solidFill>
+          </a:ln>
+        </p:spPr>
+        <p:style>
+          <a:lnRef idx="2">
+            <a:schemeClr val="accent1">
+              <a:shade val="50000"/>
+            </a:schemeClr>
+          </a:lnRef>
+          <a:fillRef idx="1">
+            <a:schemeClr val="accent1"/>
+          </a:fillRef>
+          <a:effectRef idx="0">
+            <a:schemeClr val="accent1"/>
+          </a:effectRef>
+          <a:fontRef idx="minor">
+            <a:schemeClr val="lt1"/>
+          </a:fontRef>
+        </p:style>
+        <p:txBody>
+          <a:bodyPr rtlCol="0" anchor="ctr"/>
+          <a:lstStyle/>
+          <a:p>
+            <a:pPr algn="ctr"/>
+            <a:endParaRPr lang="en-US"/>
+          </a:p>
+        </p:txBody>
+      </p:sp>
+      <p:sp>
+        <p:nvSpPr>
+          <p:cNvPr id="52" name="TextBox 51">
+            <a:extLst>
+              <a:ext uri="{FF2B5EF4-FFF2-40B4-BE49-F238E27FC236}">
+                <a16:creationId xmlns:a16="http://schemas.microsoft.com/office/drawing/2014/main" id="{E83E58C9-D033-449B-AF89-B1C7D88221F8}"/>
+              </a:ext>
+            </a:extLst>
+          </p:cNvPr>
+          <p:cNvSpPr txBox="1"/>
+          <p:nvPr/>
+        </p:nvSpPr>
+        <p:spPr>
+          <a:xfrm>
+            <a:off x="9411442" y="1987155"/>
+            <a:ext cx="1066800" cy="369332"/>
+          </a:xfrm>
+          <a:prstGeom prst="rect">
+            <a:avLst/>
+          </a:prstGeom>
+          <a:noFill/>
+        </p:spPr>
+        <p:txBody>
+          <a:bodyPr wrap="square" rtlCol="0">
+            <a:spAutoFit/>
+          </a:bodyPr>
+          <a:lstStyle/>
+          <a:p>
+            <a:r>
+              <a:rPr lang="en-US" b="1" dirty="0">
+                <a:solidFill>
+                  <a:schemeClr val="accent2">
+                    <a:lumMod val="75000"/>
+                  </a:schemeClr>
+                </a:solidFill>
+              </a:rPr>
+              <a:t>MANY</a:t>
+            </a:r>
+          </a:p>
+        </p:txBody>
+      </p:sp>
+      <p:sp>
+        <p:nvSpPr>
+          <p:cNvPr id="53" name="Oval 52">
+            <a:extLst>
+              <a:ext uri="{FF2B5EF4-FFF2-40B4-BE49-F238E27FC236}">
+                <a16:creationId xmlns:a16="http://schemas.microsoft.com/office/drawing/2014/main" id="{4CF8DA35-1675-462C-BE2B-8A5B8CE7761E}"/>
+              </a:ext>
+            </a:extLst>
+          </p:cNvPr>
+          <p:cNvSpPr/>
+          <p:nvPr/>
+        </p:nvSpPr>
+        <p:spPr>
+          <a:xfrm>
+            <a:off x="722811" y="2935477"/>
+            <a:ext cx="3759960" cy="748250"/>
+          </a:xfrm>
+          <a:prstGeom prst="ellipse">
+            <a:avLst/>
+          </a:prstGeom>
+          <a:noFill/>
+          <a:ln w="57150">
+            <a:solidFill>
+              <a:schemeClr val="accent2">
+                <a:lumMod val="75000"/>
+              </a:schemeClr>
+            </a:solidFill>
+          </a:ln>
+        </p:spPr>
+        <p:style>
+          <a:lnRef idx="2">
+            <a:schemeClr val="accent1">
+              <a:shade val="50000"/>
+            </a:schemeClr>
+          </a:lnRef>
+          <a:fillRef idx="1">
+            <a:schemeClr val="accent1"/>
+          </a:fillRef>
+          <a:effectRef idx="0">
+            <a:schemeClr val="accent1"/>
+          </a:effectRef>
+          <a:fontRef idx="minor">
+            <a:schemeClr val="lt1"/>
+          </a:fontRef>
+        </p:style>
+        <p:txBody>
+          <a:bodyPr rtlCol="0" anchor="ctr"/>
+          <a:lstStyle/>
+          <a:p>
+            <a:pPr algn="ctr"/>
+            <a:endParaRPr lang="en-US"/>
+          </a:p>
+        </p:txBody>
+      </p:sp>
+      <p:sp>
+        <p:nvSpPr>
+          <p:cNvPr id="54" name="TextBox 53">
+            <a:extLst>
+              <a:ext uri="{FF2B5EF4-FFF2-40B4-BE49-F238E27FC236}">
+                <a16:creationId xmlns:a16="http://schemas.microsoft.com/office/drawing/2014/main" id="{F6583F88-AB73-4FBF-BBD4-174F62E292BB}"/>
+              </a:ext>
+            </a:extLst>
+          </p:cNvPr>
+          <p:cNvSpPr txBox="1"/>
+          <p:nvPr/>
+        </p:nvSpPr>
+        <p:spPr>
+          <a:xfrm>
+            <a:off x="3590175" y="3841395"/>
+            <a:ext cx="1066800" cy="369332"/>
+          </a:xfrm>
+          <a:prstGeom prst="rect">
+            <a:avLst/>
+          </a:prstGeom>
+          <a:noFill/>
+        </p:spPr>
+        <p:txBody>
+          <a:bodyPr wrap="square" rtlCol="0">
+            <a:spAutoFit/>
+          </a:bodyPr>
+          <a:lstStyle/>
+          <a:p>
+            <a:r>
+              <a:rPr lang="en-US" b="1" dirty="0">
+                <a:solidFill>
+                  <a:schemeClr val="accent2">
+                    <a:lumMod val="75000"/>
+                  </a:schemeClr>
+                </a:solidFill>
+              </a:rPr>
+              <a:t>For One</a:t>
+            </a:r>
+          </a:p>
+        </p:txBody>
+      </p:sp>
+      <p:cxnSp>
+        <p:nvCxnSpPr>
+          <p:cNvPr id="56" name="Connector: Elbow 55">
+            <a:extLst>
+              <a:ext uri="{FF2B5EF4-FFF2-40B4-BE49-F238E27FC236}">
+                <a16:creationId xmlns:a16="http://schemas.microsoft.com/office/drawing/2014/main" id="{47AFE389-026D-4F65-BE29-55C65619C0D3}"/>
+              </a:ext>
+            </a:extLst>
+          </p:cNvPr>
+          <p:cNvCxnSpPr>
+            <a:stCxn id="53" idx="6"/>
+            <a:endCxn id="51" idx="0"/>
+          </p:cNvCxnSpPr>
+          <p:nvPr/>
+        </p:nvCxnSpPr>
+        <p:spPr>
+          <a:xfrm flipV="1">
+            <a:off x="4482771" y="3078295"/>
+            <a:ext cx="4915966" cy="231307"/>
+          </a:xfrm>
+          <a:prstGeom prst="bentConnector4">
+            <a:avLst>
+              <a:gd name="adj1" fmla="val 44569"/>
+              <a:gd name="adj2" fmla="val 260574"/>
+            </a:avLst>
+          </a:prstGeom>
+          <a:ln w="38100">
+            <a:solidFill>
+              <a:schemeClr val="accent2">
+                <a:lumMod val="75000"/>
+              </a:schemeClr>
+            </a:solidFill>
+          </a:ln>
+        </p:spPr>
+        <p:style>
+          <a:lnRef idx="1">
+            <a:schemeClr val="accent1"/>
+          </a:lnRef>
+          <a:fillRef idx="0">
+            <a:schemeClr val="accent1"/>
+          </a:fillRef>
+          <a:effectRef idx="0">
+            <a:schemeClr val="accent1"/>
+          </a:effectRef>
+          <a:fontRef idx="minor">
+            <a:schemeClr val="tx1"/>
+          </a:fontRef>
+        </p:style>
+      </p:cxnSp>
+    </p:spTree>
+    <p:extLst>
+      <p:ext uri="{BB962C8B-B14F-4D97-AF65-F5344CB8AC3E}">
+        <p14:creationId xmlns:p14="http://schemas.microsoft.com/office/powerpoint/2010/main" val="3459238204"/>
+      </p:ext>
+    </p:extLst>
+  </p:cSld>
+  <p:clrMapOvr>
+    <a:masterClrMapping/>
+  </p:clrMapOvr>
+</p:sld>
+</file>
+
+<file path=ppt/slides/slide9.xml><?xml version="1.0" encoding="utf-8"?>
+<p:sld xmlns:a="http://schemas.openxmlformats.org/drawingml/2006/main" xmlns:r="http://schemas.openxmlformats.org/officeDocument/2006/relationships" xmlns:p="http://schemas.openxmlformats.org/presentationml/2006/main">
+  <p:cSld>
+    <p:spTree>
+      <p:nvGrpSpPr>
+        <p:cNvPr id="1" name=""/>
+        <p:cNvGrpSpPr/>
+        <p:nvPr/>
+      </p:nvGrpSpPr>
+      <p:grpSpPr>
+        <a:xfrm>
+          <a:off x="0" y="0"/>
+          <a:ext cx="0" cy="0"/>
+          <a:chOff x="0" y="0"/>
+          <a:chExt cx="0" cy="0"/>
+        </a:xfrm>
+      </p:grpSpPr>
+      <p:sp>
+        <p:nvSpPr>
+          <p:cNvPr id="2" name="TextBox 1">
+            <a:extLst>
+              <a:ext uri="{FF2B5EF4-FFF2-40B4-BE49-F238E27FC236}">
+                <a16:creationId xmlns:a16="http://schemas.microsoft.com/office/drawing/2014/main" id="{B3A2CD77-37F3-452D-9454-3E2A08487029}"/>
+              </a:ext>
+            </a:extLst>
+          </p:cNvPr>
+          <p:cNvSpPr txBox="1"/>
+          <p:nvPr/>
+        </p:nvSpPr>
+        <p:spPr>
+          <a:xfrm>
+            <a:off x="4724394" y="121902"/>
+            <a:ext cx="5564777" cy="523220"/>
+          </a:xfrm>
+          <a:prstGeom prst="rect">
+            <a:avLst/>
+          </a:prstGeom>
+          <a:noFill/>
+        </p:spPr>
+        <p:txBody>
+          <a:bodyPr wrap="square" rtlCol="0">
+            <a:spAutoFit/>
+          </a:bodyPr>
+          <a:lstStyle/>
+          <a:p>
+            <a:r>
+              <a:rPr lang="en-US" sz="2800" dirty="0"/>
+              <a:t>Many TO MANY</a:t>
+            </a:r>
+          </a:p>
+        </p:txBody>
+      </p:sp>
+      <p:sp>
+        <p:nvSpPr>
+          <p:cNvPr id="3" name="Rectangle 2">
+            <a:extLst>
+              <a:ext uri="{FF2B5EF4-FFF2-40B4-BE49-F238E27FC236}">
+                <a16:creationId xmlns:a16="http://schemas.microsoft.com/office/drawing/2014/main" id="{EEDE757A-C7EC-4F08-B72E-1955892F9850}"/>
+              </a:ext>
+            </a:extLst>
+          </p:cNvPr>
+          <p:cNvSpPr/>
+          <p:nvPr/>
+        </p:nvSpPr>
+        <p:spPr>
+          <a:xfrm>
+            <a:off x="661126" y="1160417"/>
+            <a:ext cx="2438400" cy="1447800"/>
+          </a:xfrm>
+          <a:prstGeom prst="rect">
+            <a:avLst/>
+          </a:prstGeom>
+        </p:spPr>
+        <p:style>
+          <a:lnRef idx="2">
+            <a:schemeClr val="accent1">
+              <a:shade val="50000"/>
+            </a:schemeClr>
+          </a:lnRef>
+          <a:fillRef idx="1">
+            <a:schemeClr val="accent1"/>
+          </a:fillRef>
+          <a:effectRef idx="0">
+            <a:schemeClr val="accent1"/>
+          </a:effectRef>
+          <a:fontRef idx="minor">
+            <a:schemeClr val="lt1"/>
+          </a:fontRef>
+        </p:style>
+        <p:txBody>
+          <a:bodyPr rtlCol="0" anchor="ctr"/>
+          <a:lstStyle/>
+          <a:p>
+            <a:pPr algn="ctr"/>
+            <a:r>
+              <a:rPr lang="en-US" dirty="0"/>
+              <a:t>Student</a:t>
+            </a:r>
+          </a:p>
+        </p:txBody>
+      </p:sp>
+      <p:sp>
+        <p:nvSpPr>
+          <p:cNvPr id="4" name="Rectangle 3">
+            <a:extLst>
+              <a:ext uri="{FF2B5EF4-FFF2-40B4-BE49-F238E27FC236}">
+                <a16:creationId xmlns:a16="http://schemas.microsoft.com/office/drawing/2014/main" id="{A2C388ED-F6D7-49F4-A65D-79E9D61E3EDA}"/>
+              </a:ext>
+            </a:extLst>
+          </p:cNvPr>
+          <p:cNvSpPr/>
+          <p:nvPr/>
+        </p:nvSpPr>
+        <p:spPr>
+          <a:xfrm>
+            <a:off x="8780780" y="920750"/>
+            <a:ext cx="2438400" cy="1587500"/>
+          </a:xfrm>
+          <a:prstGeom prst="rect">
+            <a:avLst/>
+          </a:prstGeom>
+        </p:spPr>
+        <p:style>
+          <a:lnRef idx="2">
+            <a:schemeClr val="accent1">
+              <a:shade val="50000"/>
+            </a:schemeClr>
+          </a:lnRef>
+          <a:fillRef idx="1">
+            <a:schemeClr val="accent1"/>
+          </a:fillRef>
+          <a:effectRef idx="0">
+            <a:schemeClr val="accent1"/>
+          </a:effectRef>
+          <a:fontRef idx="minor">
+            <a:schemeClr val="lt1"/>
+          </a:fontRef>
+        </p:style>
+        <p:txBody>
+          <a:bodyPr rtlCol="0" anchor="ctr"/>
+          <a:lstStyle/>
+          <a:p>
+            <a:pPr algn="ctr"/>
+            <a:r>
+              <a:rPr lang="en-US" dirty="0"/>
+              <a:t>Courses</a:t>
+            </a:r>
+          </a:p>
+        </p:txBody>
+      </p:sp>
+      <p:cxnSp>
+        <p:nvCxnSpPr>
+          <p:cNvPr id="6" name="Straight Connector 5">
+            <a:extLst>
+              <a:ext uri="{FF2B5EF4-FFF2-40B4-BE49-F238E27FC236}">
+                <a16:creationId xmlns:a16="http://schemas.microsoft.com/office/drawing/2014/main" id="{C7F87719-15F9-4417-A918-54E6303E0339}"/>
+              </a:ext>
+            </a:extLst>
+          </p:cNvPr>
+          <p:cNvCxnSpPr>
+            <a:cxnSpLocks/>
+            <a:stCxn id="3" idx="3"/>
+          </p:cNvCxnSpPr>
+          <p:nvPr/>
+        </p:nvCxnSpPr>
+        <p:spPr>
+          <a:xfrm flipV="1">
+            <a:off x="3099526" y="1421311"/>
+            <a:ext cx="1917701" cy="463006"/>
+          </a:xfrm>
+          <a:prstGeom prst="line">
+            <a:avLst/>
+          </a:prstGeom>
+        </p:spPr>
+        <p:style>
+          <a:lnRef idx="1">
+            <a:schemeClr val="accent1"/>
+          </a:lnRef>
+          <a:fillRef idx="0">
+            <a:schemeClr val="accent1"/>
+          </a:fillRef>
+          <a:effectRef idx="0">
+            <a:schemeClr val="accent1"/>
+          </a:effectRef>
+          <a:fontRef idx="minor">
+            <a:schemeClr val="tx1"/>
+          </a:fontRef>
+        </p:style>
+      </p:cxnSp>
+      <p:sp>
+        <p:nvSpPr>
+          <p:cNvPr id="15" name="Rectangle 14">
+            <a:extLst>
+              <a:ext uri="{FF2B5EF4-FFF2-40B4-BE49-F238E27FC236}">
+                <a16:creationId xmlns:a16="http://schemas.microsoft.com/office/drawing/2014/main" id="{524686E7-B20D-4CD5-89A6-5C0FAEFCA7C8}"/>
+              </a:ext>
+            </a:extLst>
+          </p:cNvPr>
+          <p:cNvSpPr/>
+          <p:nvPr/>
+        </p:nvSpPr>
+        <p:spPr>
+          <a:xfrm>
+            <a:off x="5044802" y="920750"/>
+            <a:ext cx="1917701" cy="1783261"/>
+          </a:xfrm>
+          <a:prstGeom prst="rect">
+            <a:avLst/>
+          </a:prstGeom>
+        </p:spPr>
+        <p:style>
+          <a:lnRef idx="2">
+            <a:schemeClr val="accent1">
+              <a:shade val="50000"/>
+            </a:schemeClr>
+          </a:lnRef>
+          <a:fillRef idx="1">
+            <a:schemeClr val="accent1"/>
+          </a:fillRef>
+          <a:effectRef idx="0">
+            <a:schemeClr val="accent1"/>
+          </a:effectRef>
+          <a:fontRef idx="minor">
+            <a:schemeClr val="lt1"/>
+          </a:fontRef>
+        </p:style>
+        <p:txBody>
+          <a:bodyPr rtlCol="0" anchor="ctr"/>
+          <a:lstStyle/>
+          <a:p>
+            <a:pPr algn="ctr"/>
+            <a:endParaRPr lang="en-US" dirty="0"/>
+          </a:p>
+        </p:txBody>
+      </p:sp>
+      <p:cxnSp>
+        <p:nvCxnSpPr>
+          <p:cNvPr id="18" name="Straight Connector 17">
+            <a:extLst>
+              <a:ext uri="{FF2B5EF4-FFF2-40B4-BE49-F238E27FC236}">
+                <a16:creationId xmlns:a16="http://schemas.microsoft.com/office/drawing/2014/main" id="{09EFC247-15D1-43F5-99D4-60D7F4F2D54B}"/>
+              </a:ext>
+            </a:extLst>
+          </p:cNvPr>
+          <p:cNvCxnSpPr>
+            <a:cxnSpLocks/>
+            <a:stCxn id="35" idx="3"/>
+          </p:cNvCxnSpPr>
+          <p:nvPr/>
+        </p:nvCxnSpPr>
+        <p:spPr>
+          <a:xfrm flipV="1">
+            <a:off x="6962503" y="1776414"/>
+            <a:ext cx="1907531" cy="488982"/>
+          </a:xfrm>
+          <a:prstGeom prst="line">
+            <a:avLst/>
+          </a:prstGeom>
+        </p:spPr>
+        <p:style>
+          <a:lnRef idx="1">
+            <a:schemeClr val="accent1"/>
+          </a:lnRef>
+          <a:fillRef idx="0">
+            <a:schemeClr val="accent1"/>
+          </a:fillRef>
+          <a:effectRef idx="0">
+            <a:schemeClr val="accent1"/>
+          </a:effectRef>
+          <a:fontRef idx="minor">
+            <a:schemeClr val="tx1"/>
+          </a:fontRef>
+        </p:style>
+      </p:cxnSp>
+      <p:cxnSp>
+        <p:nvCxnSpPr>
+          <p:cNvPr id="20" name="Straight Connector 19">
+            <a:extLst>
+              <a:ext uri="{FF2B5EF4-FFF2-40B4-BE49-F238E27FC236}">
+                <a16:creationId xmlns:a16="http://schemas.microsoft.com/office/drawing/2014/main" id="{206F5756-2283-447D-AD2E-862585CCBDEE}"/>
+              </a:ext>
+            </a:extLst>
+          </p:cNvPr>
+          <p:cNvCxnSpPr>
+            <a:cxnSpLocks/>
+          </p:cNvCxnSpPr>
+          <p:nvPr/>
+        </p:nvCxnSpPr>
+        <p:spPr>
+          <a:xfrm flipV="1">
+            <a:off x="4557713" y="1224507"/>
+            <a:ext cx="459514" cy="307852"/>
+          </a:xfrm>
+          <a:prstGeom prst="line">
+            <a:avLst/>
+          </a:prstGeom>
+        </p:spPr>
+        <p:style>
+          <a:lnRef idx="1">
+            <a:schemeClr val="accent1"/>
+          </a:lnRef>
+          <a:fillRef idx="0">
+            <a:schemeClr val="accent1"/>
+          </a:fillRef>
+          <a:effectRef idx="0">
+            <a:schemeClr val="accent1"/>
+          </a:effectRef>
+          <a:fontRef idx="minor">
+            <a:schemeClr val="tx1"/>
+          </a:fontRef>
+        </p:style>
+      </p:cxnSp>
+      <p:cxnSp>
+        <p:nvCxnSpPr>
+          <p:cNvPr id="22" name="Straight Connector 21">
+            <a:extLst>
+              <a:ext uri="{FF2B5EF4-FFF2-40B4-BE49-F238E27FC236}">
+                <a16:creationId xmlns:a16="http://schemas.microsoft.com/office/drawing/2014/main" id="{DC5236D2-DE34-43A4-876E-0A18802741C4}"/>
+              </a:ext>
+            </a:extLst>
+          </p:cNvPr>
+          <p:cNvCxnSpPr>
+            <a:cxnSpLocks/>
+          </p:cNvCxnSpPr>
+          <p:nvPr/>
+        </p:nvCxnSpPr>
+        <p:spPr>
+          <a:xfrm>
+            <a:off x="4557713" y="1532359"/>
+            <a:ext cx="487089" cy="101133"/>
+          </a:xfrm>
+          <a:prstGeom prst="line">
+            <a:avLst/>
+          </a:prstGeom>
+        </p:spPr>
+        <p:style>
+          <a:lnRef idx="1">
+            <a:schemeClr val="accent1"/>
+          </a:lnRef>
+          <a:fillRef idx="0">
+            <a:schemeClr val="accent1"/>
+          </a:fillRef>
+          <a:effectRef idx="0">
+            <a:schemeClr val="accent1"/>
+          </a:effectRef>
+          <a:fontRef idx="minor">
+            <a:schemeClr val="tx1"/>
+          </a:fontRef>
+        </p:style>
+      </p:cxnSp>
+      <p:cxnSp>
+        <p:nvCxnSpPr>
+          <p:cNvPr id="27" name="Straight Connector 26">
+            <a:extLst>
+              <a:ext uri="{FF2B5EF4-FFF2-40B4-BE49-F238E27FC236}">
+                <a16:creationId xmlns:a16="http://schemas.microsoft.com/office/drawing/2014/main" id="{C5DD4A62-8E28-4C41-8A3A-A7A14D748069}"/>
+              </a:ext>
+            </a:extLst>
+          </p:cNvPr>
+          <p:cNvCxnSpPr>
+            <a:cxnSpLocks/>
+          </p:cNvCxnSpPr>
+          <p:nvPr/>
+        </p:nvCxnSpPr>
+        <p:spPr>
+          <a:xfrm flipH="1" flipV="1">
+            <a:off x="6863079" y="2047512"/>
+            <a:ext cx="536530" cy="108043"/>
+          </a:xfrm>
+          <a:prstGeom prst="line">
+            <a:avLst/>
+          </a:prstGeom>
+        </p:spPr>
+        <p:style>
+          <a:lnRef idx="1">
+            <a:schemeClr val="accent1"/>
+          </a:lnRef>
+          <a:fillRef idx="0">
+            <a:schemeClr val="accent1"/>
+          </a:fillRef>
+          <a:effectRef idx="0">
+            <a:schemeClr val="accent1"/>
+          </a:effectRef>
+          <a:fontRef idx="minor">
+            <a:schemeClr val="tx1"/>
+          </a:fontRef>
+        </p:style>
+      </p:cxnSp>
+      <p:cxnSp>
+        <p:nvCxnSpPr>
+          <p:cNvPr id="28" name="Straight Connector 27">
+            <a:extLst>
+              <a:ext uri="{FF2B5EF4-FFF2-40B4-BE49-F238E27FC236}">
+                <a16:creationId xmlns:a16="http://schemas.microsoft.com/office/drawing/2014/main" id="{19CF1F63-07F4-45C5-AB4F-A15F37E3963C}"/>
+              </a:ext>
+            </a:extLst>
+          </p:cNvPr>
+          <p:cNvCxnSpPr>
+            <a:cxnSpLocks/>
+          </p:cNvCxnSpPr>
+          <p:nvPr/>
+        </p:nvCxnSpPr>
+        <p:spPr>
+          <a:xfrm flipH="1">
+            <a:off x="6953906" y="2163732"/>
+            <a:ext cx="427698" cy="319548"/>
+          </a:xfrm>
+          <a:prstGeom prst="line">
+            <a:avLst/>
+          </a:prstGeom>
+        </p:spPr>
+        <p:style>
+          <a:lnRef idx="1">
+            <a:schemeClr val="accent1"/>
+          </a:lnRef>
+          <a:fillRef idx="0">
+            <a:schemeClr val="accent1"/>
+          </a:fillRef>
+          <a:effectRef idx="0">
+            <a:schemeClr val="accent1"/>
+          </a:effectRef>
+          <a:fontRef idx="minor">
+            <a:schemeClr val="tx1"/>
+          </a:fontRef>
+        </p:style>
+      </p:cxnSp>
+      <p:cxnSp>
+        <p:nvCxnSpPr>
+          <p:cNvPr id="32" name="Straight Connector 31">
+            <a:extLst>
+              <a:ext uri="{FF2B5EF4-FFF2-40B4-BE49-F238E27FC236}">
+                <a16:creationId xmlns:a16="http://schemas.microsoft.com/office/drawing/2014/main" id="{D1531171-8999-43A5-BC2C-5A5EABFCB7DB}"/>
+              </a:ext>
+            </a:extLst>
+          </p:cNvPr>
+          <p:cNvCxnSpPr>
+            <a:stCxn id="15" idx="1"/>
+            <a:endCxn id="15" idx="3"/>
+          </p:cNvCxnSpPr>
+          <p:nvPr/>
+        </p:nvCxnSpPr>
+        <p:spPr>
+          <a:xfrm>
+            <a:off x="5044802" y="1812381"/>
+            <a:ext cx="1917701" cy="0"/>
+          </a:xfrm>
+          <a:prstGeom prst="line">
+            <a:avLst/>
+          </a:prstGeom>
+          <a:ln>
+            <a:solidFill>
+              <a:schemeClr val="accent2">
+                <a:lumMod val="75000"/>
+              </a:schemeClr>
+            </a:solidFill>
+          </a:ln>
+        </p:spPr>
+        <p:style>
+          <a:lnRef idx="1">
+            <a:schemeClr val="accent1"/>
+          </a:lnRef>
+          <a:fillRef idx="0">
+            <a:schemeClr val="accent1"/>
+          </a:fillRef>
+          <a:effectRef idx="0">
+            <a:schemeClr val="accent1"/>
+          </a:effectRef>
+          <a:fontRef idx="minor">
+            <a:schemeClr val="tx1"/>
+          </a:fontRef>
+        </p:style>
+      </p:cxnSp>
+      <p:sp>
+        <p:nvSpPr>
+          <p:cNvPr id="33" name="TextBox 32">
+            <a:extLst>
+              <a:ext uri="{FF2B5EF4-FFF2-40B4-BE49-F238E27FC236}">
+                <a16:creationId xmlns:a16="http://schemas.microsoft.com/office/drawing/2014/main" id="{AE3DA105-C08F-4690-9788-78DF8879961A}"/>
+              </a:ext>
+            </a:extLst>
+          </p:cNvPr>
+          <p:cNvSpPr txBox="1"/>
+          <p:nvPr/>
+        </p:nvSpPr>
+        <p:spPr>
+          <a:xfrm>
+            <a:off x="5044802" y="2882900"/>
+            <a:ext cx="1917701" cy="369332"/>
+          </a:xfrm>
+          <a:prstGeom prst="rect">
+            <a:avLst/>
+          </a:prstGeom>
+          <a:noFill/>
+        </p:spPr>
+        <p:txBody>
+          <a:bodyPr wrap="square" rtlCol="0">
+            <a:spAutoFit/>
+          </a:bodyPr>
+          <a:lstStyle/>
+          <a:p>
+            <a:r>
+              <a:rPr lang="en-US" dirty="0"/>
+              <a:t>Junction table</a:t>
+            </a:r>
+          </a:p>
+        </p:txBody>
+      </p:sp>
+      <p:sp>
+        <p:nvSpPr>
+          <p:cNvPr id="34" name="TextBox 33">
+            <a:extLst>
+              <a:ext uri="{FF2B5EF4-FFF2-40B4-BE49-F238E27FC236}">
+                <a16:creationId xmlns:a16="http://schemas.microsoft.com/office/drawing/2014/main" id="{13E61D37-7D34-4CA9-B674-84003562734D}"/>
+              </a:ext>
+            </a:extLst>
+          </p:cNvPr>
+          <p:cNvSpPr txBox="1"/>
+          <p:nvPr/>
+        </p:nvSpPr>
+        <p:spPr>
+          <a:xfrm>
+            <a:off x="5426158" y="1282457"/>
+            <a:ext cx="1498600" cy="369332"/>
+          </a:xfrm>
+          <a:prstGeom prst="rect">
+            <a:avLst/>
+          </a:prstGeom>
+          <a:noFill/>
+        </p:spPr>
+        <p:txBody>
+          <a:bodyPr wrap="square" rtlCol="0">
+            <a:spAutoFit/>
+          </a:bodyPr>
+          <a:lstStyle/>
+          <a:p>
+            <a:r>
+              <a:rPr lang="en-US" dirty="0">
+                <a:solidFill>
+                  <a:schemeClr val="bg1"/>
+                </a:solidFill>
+              </a:rPr>
+              <a:t>COURSES</a:t>
+            </a:r>
+          </a:p>
+        </p:txBody>
+      </p:sp>
+      <p:sp>
+        <p:nvSpPr>
+          <p:cNvPr id="35" name="TextBox 34">
+            <a:extLst>
+              <a:ext uri="{FF2B5EF4-FFF2-40B4-BE49-F238E27FC236}">
+                <a16:creationId xmlns:a16="http://schemas.microsoft.com/office/drawing/2014/main" id="{D4DB7CAB-4935-4C49-A5C7-A3B6CFBA8A95}"/>
+              </a:ext>
+            </a:extLst>
+          </p:cNvPr>
+          <p:cNvSpPr txBox="1"/>
+          <p:nvPr/>
+        </p:nvSpPr>
+        <p:spPr>
+          <a:xfrm>
+            <a:off x="5463903" y="2080730"/>
+            <a:ext cx="1498600" cy="369332"/>
+          </a:xfrm>
+          <a:prstGeom prst="rect">
+            <a:avLst/>
+          </a:prstGeom>
+          <a:noFill/>
+        </p:spPr>
+        <p:txBody>
+          <a:bodyPr wrap="square" rtlCol="0">
+            <a:spAutoFit/>
+          </a:bodyPr>
+          <a:lstStyle/>
+          <a:p>
+            <a:r>
+              <a:rPr lang="en-US" dirty="0">
+                <a:solidFill>
+                  <a:schemeClr val="bg1"/>
+                </a:solidFill>
+              </a:rPr>
+              <a:t>STUDENTS</a:t>
+            </a:r>
+          </a:p>
+        </p:txBody>
+      </p:sp>
+      <p:sp>
+        <p:nvSpPr>
+          <p:cNvPr id="46" name="TextBox 45">
+            <a:extLst>
+              <a:ext uri="{FF2B5EF4-FFF2-40B4-BE49-F238E27FC236}">
+                <a16:creationId xmlns:a16="http://schemas.microsoft.com/office/drawing/2014/main" id="{034D9676-1552-4268-845D-0C09AE277AB9}"/>
+              </a:ext>
+            </a:extLst>
+          </p:cNvPr>
+          <p:cNvSpPr txBox="1"/>
+          <p:nvPr/>
+        </p:nvSpPr>
+        <p:spPr>
+          <a:xfrm>
+            <a:off x="1005840" y="3579223"/>
+            <a:ext cx="5199017" cy="923330"/>
+          </a:xfrm>
+          <a:prstGeom prst="rect">
+            <a:avLst/>
+          </a:prstGeom>
+          <a:noFill/>
+        </p:spPr>
+        <p:txBody>
+          <a:bodyPr wrap="square" rtlCol="0">
+            <a:spAutoFit/>
+          </a:bodyPr>
+          <a:lstStyle/>
+          <a:p>
+            <a:r>
+              <a:rPr lang="en-US" dirty="0"/>
+              <a:t>So this makes it instead of one many to many relationship into two one to many relationships which we can handle easily</a:t>
+            </a:r>
+          </a:p>
+        </p:txBody>
+      </p:sp>
+      <p:grpSp>
+        <p:nvGrpSpPr>
+          <p:cNvPr id="47" name="Group 46">
+            <a:extLst>
+              <a:ext uri="{FF2B5EF4-FFF2-40B4-BE49-F238E27FC236}">
+                <a16:creationId xmlns:a16="http://schemas.microsoft.com/office/drawing/2014/main" id="{6999BDAC-28B7-4B37-AE90-3670961FB216}"/>
+              </a:ext>
+            </a:extLst>
+          </p:cNvPr>
+          <p:cNvGrpSpPr/>
+          <p:nvPr/>
+        </p:nvGrpSpPr>
+        <p:grpSpPr>
+          <a:xfrm>
+            <a:off x="1880325" y="4979349"/>
+            <a:ext cx="1829525" cy="1656582"/>
+            <a:chOff x="718458" y="444137"/>
+            <a:chExt cx="1606732" cy="1117619"/>
+          </a:xfrm>
+        </p:grpSpPr>
+        <p:sp>
+          <p:nvSpPr>
+            <p:cNvPr id="48" name="Rectangle 47">
+              <a:extLst>
+                <a:ext uri="{FF2B5EF4-FFF2-40B4-BE49-F238E27FC236}">
+                  <a16:creationId xmlns:a16="http://schemas.microsoft.com/office/drawing/2014/main" id="{8B3FB26A-2C72-47A0-8005-619C45AF1824}"/>
+                </a:ext>
+              </a:extLst>
+            </p:cNvPr>
+            <p:cNvSpPr/>
+            <p:nvPr/>
+          </p:nvSpPr>
+          <p:spPr>
+            <a:xfrm>
+              <a:off x="718458" y="444138"/>
+              <a:ext cx="1606732" cy="1117618"/>
+            </a:xfrm>
+            <a:prstGeom prst="rect">
+              <a:avLst/>
+            </a:prstGeom>
+            <a:noFill/>
+            <a:ln>
+              <a:solidFill>
+                <a:schemeClr val="tx1"/>
+              </a:solidFill>
+            </a:ln>
+          </p:spPr>
+          <p:style>
+            <a:lnRef idx="2">
+              <a:schemeClr val="accent1">
+                <a:shade val="50000"/>
+              </a:schemeClr>
+            </a:lnRef>
+            <a:fillRef idx="1">
+              <a:schemeClr val="accent1"/>
+            </a:fillRef>
+            <a:effectRef idx="0">
+              <a:schemeClr val="accent1"/>
+            </a:effectRef>
+            <a:fontRef idx="minor">
+              <a:schemeClr val="lt1"/>
+            </a:fontRef>
+          </p:style>
+          <p:txBody>
+            <a:bodyPr rtlCol="0" anchor="ctr"/>
+            <a:lstStyle/>
+            <a:p>
+              <a:pPr algn="ctr"/>
+              <a:endParaRPr lang="en-US" sz="2800" dirty="0"/>
+            </a:p>
+          </p:txBody>
+        </p:sp>
+        <p:sp>
+          <p:nvSpPr>
+            <p:cNvPr id="49" name="Rectangle 48">
+              <a:extLst>
+                <a:ext uri="{FF2B5EF4-FFF2-40B4-BE49-F238E27FC236}">
+                  <a16:creationId xmlns:a16="http://schemas.microsoft.com/office/drawing/2014/main" id="{76EC0F27-424A-4704-9ACB-0D50AF187526}"/>
+                </a:ext>
+              </a:extLst>
+            </p:cNvPr>
+            <p:cNvSpPr/>
+            <p:nvPr/>
+          </p:nvSpPr>
+          <p:spPr>
+            <a:xfrm>
+              <a:off x="718458" y="444137"/>
+              <a:ext cx="1606732" cy="384538"/>
+            </a:xfrm>
+            <a:prstGeom prst="rect">
+              <a:avLst/>
+            </a:prstGeom>
+            <a:solidFill>
+              <a:schemeClr val="accent1">
+                <a:lumMod val="60000"/>
+                <a:lumOff val="40000"/>
+              </a:schemeClr>
+            </a:solidFill>
+            <a:ln>
+              <a:solidFill>
+                <a:schemeClr val="tx1"/>
+              </a:solidFill>
+            </a:ln>
+          </p:spPr>
+          <p:style>
+            <a:lnRef idx="2">
+              <a:schemeClr val="accent1">
+                <a:shade val="50000"/>
+              </a:schemeClr>
+            </a:lnRef>
+            <a:fillRef idx="1">
+              <a:schemeClr val="accent1"/>
+            </a:fillRef>
+            <a:effectRef idx="0">
+              <a:schemeClr val="accent1"/>
+            </a:effectRef>
+            <a:fontRef idx="minor">
+              <a:schemeClr val="lt1"/>
+            </a:fontRef>
+          </p:style>
+          <p:txBody>
+            <a:bodyPr rtlCol="0" anchor="ctr"/>
+            <a:lstStyle/>
+            <a:p>
+              <a:pPr algn="ctr"/>
+              <a:r>
+                <a:rPr lang="en-US" sz="2800" dirty="0"/>
+                <a:t>Courses</a:t>
+              </a:r>
+            </a:p>
+          </p:txBody>
+        </p:sp>
+        <p:sp>
+          <p:nvSpPr>
+            <p:cNvPr id="50" name="TextBox 49">
+              <a:extLst>
+                <a:ext uri="{FF2B5EF4-FFF2-40B4-BE49-F238E27FC236}">
+                  <a16:creationId xmlns:a16="http://schemas.microsoft.com/office/drawing/2014/main" id="{DB5A91A7-B888-4F63-BDEE-A2BA8D0295ED}"/>
+                </a:ext>
+              </a:extLst>
+            </p:cNvPr>
+            <p:cNvSpPr txBox="1"/>
+            <p:nvPr/>
+          </p:nvSpPr>
+          <p:spPr>
+            <a:xfrm>
+              <a:off x="781048" y="914400"/>
+              <a:ext cx="1544142" cy="228407"/>
+            </a:xfrm>
+            <a:prstGeom prst="rect">
+              <a:avLst/>
+            </a:prstGeom>
+            <a:noFill/>
+          </p:spPr>
+          <p:txBody>
+            <a:bodyPr wrap="square" rtlCol="0">
+              <a:spAutoFit/>
+            </a:bodyPr>
+            <a:lstStyle/>
+            <a:p>
+              <a:r>
+                <a:rPr lang="en-US" sz="1600" b="1" dirty="0"/>
+                <a:t>Attributes ▼</a:t>
+              </a:r>
+            </a:p>
+          </p:txBody>
+        </p:sp>
+        <p:sp>
+          <p:nvSpPr>
+            <p:cNvPr id="51" name="TextBox 50">
+              <a:extLst>
+                <a:ext uri="{FF2B5EF4-FFF2-40B4-BE49-F238E27FC236}">
+                  <a16:creationId xmlns:a16="http://schemas.microsoft.com/office/drawing/2014/main" id="{34F65FA7-3456-4514-A9DA-2F4717836DF7}"/>
+                </a:ext>
+              </a:extLst>
+            </p:cNvPr>
+            <p:cNvSpPr txBox="1"/>
+            <p:nvPr/>
+          </p:nvSpPr>
+          <p:spPr>
+            <a:xfrm>
+              <a:off x="718458" y="1092241"/>
+              <a:ext cx="1276350" cy="311464"/>
+            </a:xfrm>
+            <a:prstGeom prst="rect">
+              <a:avLst/>
+            </a:prstGeom>
+            <a:noFill/>
+          </p:spPr>
+          <p:txBody>
+            <a:bodyPr wrap="square" rtlCol="0">
+              <a:spAutoFit/>
+            </a:bodyPr>
+            <a:lstStyle/>
+            <a:p>
+              <a:r>
+                <a:rPr lang="en-US" sz="1200" dirty="0">
+                  <a:solidFill>
+                    <a:schemeClr val="accent2">
+                      <a:lumMod val="75000"/>
+                    </a:schemeClr>
+                  </a:solidFill>
+                </a:rPr>
+                <a:t>ID</a:t>
+              </a:r>
+            </a:p>
+            <a:p>
+              <a:r>
+                <a:rPr lang="en-US" sz="1200" dirty="0" err="1">
+                  <a:solidFill>
+                    <a:srgbClr val="00B050"/>
+                  </a:solidFill>
+                </a:rPr>
+                <a:t>titile</a:t>
+              </a:r>
+              <a:endParaRPr lang="en-US" sz="1200" dirty="0">
+                <a:solidFill>
+                  <a:srgbClr val="00B050"/>
+                </a:solidFill>
+              </a:endParaRPr>
+            </a:p>
+          </p:txBody>
+        </p:sp>
+      </p:grpSp>
+      <p:grpSp>
+        <p:nvGrpSpPr>
+          <p:cNvPr id="52" name="Group 51">
+            <a:extLst>
+              <a:ext uri="{FF2B5EF4-FFF2-40B4-BE49-F238E27FC236}">
+                <a16:creationId xmlns:a16="http://schemas.microsoft.com/office/drawing/2014/main" id="{11CDC678-D1FA-4710-B715-BBFE06528EBD}"/>
+              </a:ext>
+            </a:extLst>
+          </p:cNvPr>
+          <p:cNvGrpSpPr/>
+          <p:nvPr/>
+        </p:nvGrpSpPr>
+        <p:grpSpPr>
+          <a:xfrm>
+            <a:off x="7675879" y="4848102"/>
+            <a:ext cx="1829525" cy="1656582"/>
+            <a:chOff x="718458" y="444137"/>
+            <a:chExt cx="1606732" cy="1117619"/>
+          </a:xfrm>
+        </p:grpSpPr>
+        <p:sp>
+          <p:nvSpPr>
+            <p:cNvPr id="53" name="Rectangle 52">
+              <a:extLst>
+                <a:ext uri="{FF2B5EF4-FFF2-40B4-BE49-F238E27FC236}">
+                  <a16:creationId xmlns:a16="http://schemas.microsoft.com/office/drawing/2014/main" id="{F0F32FC5-D019-429B-B518-3824ED60A692}"/>
+                </a:ext>
+              </a:extLst>
+            </p:cNvPr>
+            <p:cNvSpPr/>
+            <p:nvPr/>
+          </p:nvSpPr>
+          <p:spPr>
+            <a:xfrm>
+              <a:off x="718458" y="444138"/>
+              <a:ext cx="1606732" cy="1117618"/>
+            </a:xfrm>
+            <a:prstGeom prst="rect">
+              <a:avLst/>
+            </a:prstGeom>
+            <a:noFill/>
+            <a:ln>
+              <a:solidFill>
+                <a:schemeClr val="tx1"/>
+              </a:solidFill>
+            </a:ln>
+          </p:spPr>
+          <p:style>
+            <a:lnRef idx="2">
+              <a:schemeClr val="accent1">
+                <a:shade val="50000"/>
+              </a:schemeClr>
+            </a:lnRef>
+            <a:fillRef idx="1">
+              <a:schemeClr val="accent1"/>
+            </a:fillRef>
+            <a:effectRef idx="0">
+              <a:schemeClr val="accent1"/>
+            </a:effectRef>
+            <a:fontRef idx="minor">
+              <a:schemeClr val="lt1"/>
+            </a:fontRef>
+          </p:style>
+          <p:txBody>
+            <a:bodyPr rtlCol="0" anchor="ctr"/>
+            <a:lstStyle/>
+            <a:p>
+              <a:pPr algn="ctr"/>
+              <a:endParaRPr lang="en-US" sz="2800" dirty="0"/>
+            </a:p>
+          </p:txBody>
+        </p:sp>
+        <p:sp>
+          <p:nvSpPr>
+            <p:cNvPr id="54" name="Rectangle 53">
+              <a:extLst>
+                <a:ext uri="{FF2B5EF4-FFF2-40B4-BE49-F238E27FC236}">
+                  <a16:creationId xmlns:a16="http://schemas.microsoft.com/office/drawing/2014/main" id="{A06DA787-2FDF-4BB3-B945-7742768E3BF2}"/>
+                </a:ext>
+              </a:extLst>
+            </p:cNvPr>
+            <p:cNvSpPr/>
+            <p:nvPr/>
+          </p:nvSpPr>
+          <p:spPr>
+            <a:xfrm>
+              <a:off x="718458" y="444137"/>
+              <a:ext cx="1606732" cy="384538"/>
+            </a:xfrm>
+            <a:prstGeom prst="rect">
+              <a:avLst/>
+            </a:prstGeom>
+            <a:solidFill>
+              <a:schemeClr val="accent1">
+                <a:lumMod val="60000"/>
+                <a:lumOff val="40000"/>
+              </a:schemeClr>
+            </a:solidFill>
+            <a:ln>
+              <a:solidFill>
+                <a:schemeClr val="tx1"/>
+              </a:solidFill>
+            </a:ln>
+          </p:spPr>
+          <p:style>
+            <a:lnRef idx="2">
+              <a:schemeClr val="accent1">
+                <a:shade val="50000"/>
+              </a:schemeClr>
+            </a:lnRef>
+            <a:fillRef idx="1">
+              <a:schemeClr val="accent1"/>
+            </a:fillRef>
+            <a:effectRef idx="0">
+              <a:schemeClr val="accent1"/>
+            </a:effectRef>
+            <a:fontRef idx="minor">
+              <a:schemeClr val="lt1"/>
+            </a:fontRef>
+          </p:style>
+          <p:txBody>
+            <a:bodyPr rtlCol="0" anchor="ctr"/>
+            <a:lstStyle/>
+            <a:p>
+              <a:pPr algn="ctr"/>
+              <a:r>
+                <a:rPr lang="en-US" sz="2800" dirty="0"/>
+                <a:t>Students</a:t>
+              </a:r>
+            </a:p>
+          </p:txBody>
+        </p:sp>
+        <p:sp>
+          <p:nvSpPr>
+            <p:cNvPr id="55" name="TextBox 54">
+              <a:extLst>
+                <a:ext uri="{FF2B5EF4-FFF2-40B4-BE49-F238E27FC236}">
+                  <a16:creationId xmlns:a16="http://schemas.microsoft.com/office/drawing/2014/main" id="{5BF9F509-3F5A-461F-8631-7862B41641D7}"/>
+                </a:ext>
+              </a:extLst>
+            </p:cNvPr>
+            <p:cNvSpPr txBox="1"/>
+            <p:nvPr/>
+          </p:nvSpPr>
+          <p:spPr>
+            <a:xfrm>
+              <a:off x="781048" y="914400"/>
+              <a:ext cx="1544142" cy="228407"/>
+            </a:xfrm>
+            <a:prstGeom prst="rect">
+              <a:avLst/>
+            </a:prstGeom>
+            <a:noFill/>
+          </p:spPr>
+          <p:txBody>
+            <a:bodyPr wrap="square" rtlCol="0">
+              <a:spAutoFit/>
+            </a:bodyPr>
+            <a:lstStyle/>
+            <a:p>
+              <a:r>
+                <a:rPr lang="en-US" sz="1600" b="1" dirty="0"/>
+                <a:t>Attributes ▼</a:t>
+              </a:r>
+            </a:p>
+          </p:txBody>
+        </p:sp>
+        <p:sp>
+          <p:nvSpPr>
+            <p:cNvPr id="56" name="TextBox 55">
+              <a:extLst>
+                <a:ext uri="{FF2B5EF4-FFF2-40B4-BE49-F238E27FC236}">
+                  <a16:creationId xmlns:a16="http://schemas.microsoft.com/office/drawing/2014/main" id="{4BA0AADD-2A97-4210-97F5-668F4F61893C}"/>
+                </a:ext>
+              </a:extLst>
+            </p:cNvPr>
+            <p:cNvSpPr txBox="1"/>
+            <p:nvPr/>
+          </p:nvSpPr>
+          <p:spPr>
+            <a:xfrm>
+              <a:off x="718458" y="1092241"/>
+              <a:ext cx="1276350" cy="436050"/>
+            </a:xfrm>
+            <a:prstGeom prst="rect">
+              <a:avLst/>
+            </a:prstGeom>
+            <a:noFill/>
+          </p:spPr>
+          <p:txBody>
+            <a:bodyPr wrap="square" rtlCol="0">
+              <a:spAutoFit/>
+            </a:bodyPr>
+            <a:lstStyle/>
+            <a:p>
+              <a:r>
+                <a:rPr lang="en-US" sz="1200" dirty="0">
+                  <a:solidFill>
+                    <a:schemeClr val="accent2">
+                      <a:lumMod val="75000"/>
+                    </a:schemeClr>
+                  </a:solidFill>
+                </a:rPr>
+                <a:t>ID</a:t>
+              </a:r>
+            </a:p>
+            <a:p>
+              <a:r>
+                <a:rPr lang="en-US" sz="1200" dirty="0">
+                  <a:solidFill>
+                    <a:srgbClr val="00B050"/>
+                  </a:solidFill>
+                </a:rPr>
+                <a:t>Name</a:t>
+              </a:r>
+            </a:p>
+            <a:p>
+              <a:r>
+                <a:rPr lang="en-US" sz="1200" dirty="0"/>
+                <a:t>email</a:t>
+              </a:r>
+            </a:p>
+          </p:txBody>
+        </p:sp>
+      </p:grpSp>
+      <p:grpSp>
+        <p:nvGrpSpPr>
+          <p:cNvPr id="57" name="Group 56">
+            <a:extLst>
+              <a:ext uri="{FF2B5EF4-FFF2-40B4-BE49-F238E27FC236}">
+                <a16:creationId xmlns:a16="http://schemas.microsoft.com/office/drawing/2014/main" id="{A9C67CDC-4EB0-445D-99BC-299199FF3201}"/>
+              </a:ext>
+            </a:extLst>
+          </p:cNvPr>
+          <p:cNvGrpSpPr/>
+          <p:nvPr/>
+        </p:nvGrpSpPr>
+        <p:grpSpPr>
+          <a:xfrm>
+            <a:off x="4711330" y="4947138"/>
+            <a:ext cx="1829525" cy="1656582"/>
+            <a:chOff x="718458" y="444137"/>
+            <a:chExt cx="1606732" cy="1117619"/>
+          </a:xfrm>
+        </p:grpSpPr>
+        <p:sp>
+          <p:nvSpPr>
+            <p:cNvPr id="58" name="Rectangle 57">
+              <a:extLst>
+                <a:ext uri="{FF2B5EF4-FFF2-40B4-BE49-F238E27FC236}">
+                  <a16:creationId xmlns:a16="http://schemas.microsoft.com/office/drawing/2014/main" id="{DFF7A9B3-B6EC-4BDE-9BE7-72B7B82E0BF2}"/>
+                </a:ext>
+              </a:extLst>
+            </p:cNvPr>
+            <p:cNvSpPr/>
+            <p:nvPr/>
+          </p:nvSpPr>
+          <p:spPr>
+            <a:xfrm>
+              <a:off x="718458" y="444138"/>
+              <a:ext cx="1606732" cy="1117618"/>
+            </a:xfrm>
+            <a:prstGeom prst="rect">
+              <a:avLst/>
+            </a:prstGeom>
+            <a:noFill/>
+            <a:ln>
+              <a:solidFill>
+                <a:schemeClr val="tx1"/>
+              </a:solidFill>
+            </a:ln>
+          </p:spPr>
+          <p:style>
+            <a:lnRef idx="2">
+              <a:schemeClr val="accent1">
+                <a:shade val="50000"/>
+              </a:schemeClr>
+            </a:lnRef>
+            <a:fillRef idx="1">
+              <a:schemeClr val="accent1"/>
+            </a:fillRef>
+            <a:effectRef idx="0">
+              <a:schemeClr val="accent1"/>
+            </a:effectRef>
+            <a:fontRef idx="minor">
+              <a:schemeClr val="lt1"/>
+            </a:fontRef>
+          </p:style>
+          <p:txBody>
+            <a:bodyPr rtlCol="0" anchor="ctr"/>
+            <a:lstStyle/>
+            <a:p>
+              <a:pPr algn="ctr"/>
+              <a:endParaRPr lang="en-US" sz="2800" dirty="0"/>
+            </a:p>
+          </p:txBody>
+        </p:sp>
+        <p:sp>
+          <p:nvSpPr>
+            <p:cNvPr id="59" name="Rectangle 58">
+              <a:extLst>
+                <a:ext uri="{FF2B5EF4-FFF2-40B4-BE49-F238E27FC236}">
+                  <a16:creationId xmlns:a16="http://schemas.microsoft.com/office/drawing/2014/main" id="{050F089C-5B94-42B8-BA69-F929CCEBA404}"/>
+                </a:ext>
+              </a:extLst>
+            </p:cNvPr>
+            <p:cNvSpPr/>
+            <p:nvPr/>
+          </p:nvSpPr>
+          <p:spPr>
+            <a:xfrm>
+              <a:off x="718458" y="444137"/>
+              <a:ext cx="1606732" cy="384538"/>
+            </a:xfrm>
+            <a:prstGeom prst="rect">
+              <a:avLst/>
+            </a:prstGeom>
+            <a:solidFill>
+              <a:schemeClr val="accent1">
+                <a:lumMod val="60000"/>
+                <a:lumOff val="40000"/>
+              </a:schemeClr>
+            </a:solidFill>
+            <a:ln>
+              <a:solidFill>
+                <a:schemeClr val="tx1"/>
+              </a:solidFill>
+            </a:ln>
+          </p:spPr>
+          <p:style>
+            <a:lnRef idx="2">
+              <a:schemeClr val="accent1">
+                <a:shade val="50000"/>
+              </a:schemeClr>
+            </a:lnRef>
+            <a:fillRef idx="1">
+              <a:schemeClr val="accent1"/>
+            </a:fillRef>
+            <a:effectRef idx="0">
+              <a:schemeClr val="accent1"/>
+            </a:effectRef>
+            <a:fontRef idx="minor">
+              <a:schemeClr val="lt1"/>
+            </a:fontRef>
+          </p:style>
+          <p:txBody>
+            <a:bodyPr rtlCol="0" anchor="ctr"/>
+            <a:lstStyle/>
+            <a:p>
+              <a:pPr algn="ctr"/>
+              <a:r>
+                <a:rPr lang="en-US" sz="2800" dirty="0"/>
+                <a:t>Junction</a:t>
+              </a:r>
+            </a:p>
+          </p:txBody>
+        </p:sp>
+        <p:sp>
+          <p:nvSpPr>
+            <p:cNvPr id="60" name="TextBox 59">
+              <a:extLst>
+                <a:ext uri="{FF2B5EF4-FFF2-40B4-BE49-F238E27FC236}">
+                  <a16:creationId xmlns:a16="http://schemas.microsoft.com/office/drawing/2014/main" id="{2464F862-66DB-4B40-9592-FE1BBC3C97A5}"/>
+                </a:ext>
+              </a:extLst>
+            </p:cNvPr>
+            <p:cNvSpPr txBox="1"/>
+            <p:nvPr/>
+          </p:nvSpPr>
+          <p:spPr>
+            <a:xfrm>
+              <a:off x="781048" y="914400"/>
+              <a:ext cx="1544142" cy="228407"/>
+            </a:xfrm>
+            <a:prstGeom prst="rect">
+              <a:avLst/>
+            </a:prstGeom>
+            <a:noFill/>
+          </p:spPr>
+          <p:txBody>
+            <a:bodyPr wrap="square" rtlCol="0">
+              <a:spAutoFit/>
+            </a:bodyPr>
+            <a:lstStyle/>
+            <a:p>
+              <a:r>
+                <a:rPr lang="en-US" sz="1600" b="1" dirty="0"/>
+                <a:t>Attributes ▼</a:t>
+              </a:r>
+            </a:p>
+          </p:txBody>
+        </p:sp>
+        <p:sp>
+          <p:nvSpPr>
+            <p:cNvPr id="61" name="TextBox 60">
+              <a:extLst>
+                <a:ext uri="{FF2B5EF4-FFF2-40B4-BE49-F238E27FC236}">
+                  <a16:creationId xmlns:a16="http://schemas.microsoft.com/office/drawing/2014/main" id="{F9DA68B5-A7BA-4CED-95F0-4F8CA5139B10}"/>
+                </a:ext>
+              </a:extLst>
+            </p:cNvPr>
+            <p:cNvSpPr txBox="1"/>
+            <p:nvPr/>
+          </p:nvSpPr>
+          <p:spPr>
+            <a:xfrm>
+              <a:off x="718458" y="1092241"/>
+              <a:ext cx="1276350" cy="311464"/>
+            </a:xfrm>
+            <a:prstGeom prst="rect">
+              <a:avLst/>
+            </a:prstGeom>
+            <a:noFill/>
+          </p:spPr>
+          <p:txBody>
+            <a:bodyPr wrap="square" rtlCol="0">
+              <a:spAutoFit/>
+            </a:bodyPr>
+            <a:lstStyle/>
+            <a:p>
+              <a:r>
+                <a:rPr lang="en-US" sz="1200" dirty="0" err="1">
+                  <a:solidFill>
+                    <a:srgbClr val="7030A0"/>
+                  </a:solidFill>
+                </a:rPr>
+                <a:t>Student_id</a:t>
+              </a:r>
+              <a:endParaRPr lang="en-US" sz="1200" dirty="0">
+                <a:solidFill>
+                  <a:srgbClr val="7030A0"/>
+                </a:solidFill>
+              </a:endParaRPr>
+            </a:p>
+            <a:p>
+              <a:r>
+                <a:rPr lang="en-US" sz="1200" dirty="0" err="1">
+                  <a:solidFill>
+                    <a:srgbClr val="7030A0"/>
+                  </a:solidFill>
+                </a:rPr>
+                <a:t>Course_id</a:t>
+              </a:r>
+              <a:endParaRPr lang="en-US" sz="1200" dirty="0">
+                <a:solidFill>
+                  <a:srgbClr val="7030A0"/>
+                </a:solidFill>
+              </a:endParaRPr>
+            </a:p>
+          </p:txBody>
+        </p:sp>
+      </p:grpSp>
+      <p:cxnSp>
+        <p:nvCxnSpPr>
+          <p:cNvPr id="63" name="Straight Arrow Connector 62">
+            <a:extLst>
+              <a:ext uri="{FF2B5EF4-FFF2-40B4-BE49-F238E27FC236}">
+                <a16:creationId xmlns:a16="http://schemas.microsoft.com/office/drawing/2014/main" id="{92502A19-203B-4B58-92D5-537D21A891CA}"/>
+              </a:ext>
+            </a:extLst>
+          </p:cNvPr>
+          <p:cNvCxnSpPr>
+            <a:cxnSpLocks/>
+          </p:cNvCxnSpPr>
+          <p:nvPr/>
+        </p:nvCxnSpPr>
+        <p:spPr>
+          <a:xfrm flipH="1" flipV="1">
+            <a:off x="2143126" y="6109802"/>
+            <a:ext cx="2581268" cy="168748"/>
+          </a:xfrm>
+          <a:prstGeom prst="straightConnector1">
+            <a:avLst/>
+          </a:prstGeom>
+          <a:ln w="38100">
+            <a:solidFill>
+              <a:srgbClr val="7030A0"/>
+            </a:solidFill>
+            <a:tailEnd type="triangle"/>
+          </a:ln>
+        </p:spPr>
+        <p:style>
+          <a:lnRef idx="1">
+            <a:schemeClr val="accent1"/>
+          </a:lnRef>
+          <a:fillRef idx="0">
+            <a:schemeClr val="accent1"/>
+          </a:fillRef>
+          <a:effectRef idx="0">
+            <a:schemeClr val="accent1"/>
+          </a:effectRef>
+          <a:fontRef idx="minor">
+            <a:schemeClr val="tx1"/>
+          </a:fontRef>
+        </p:style>
+      </p:cxnSp>
+      <p:cxnSp>
+        <p:nvCxnSpPr>
+          <p:cNvPr id="65" name="Straight Arrow Connector 64">
+            <a:extLst>
+              <a:ext uri="{FF2B5EF4-FFF2-40B4-BE49-F238E27FC236}">
+                <a16:creationId xmlns:a16="http://schemas.microsoft.com/office/drawing/2014/main" id="{13065100-B3D9-4277-BCFA-9D17017FB2EA}"/>
+              </a:ext>
+            </a:extLst>
+          </p:cNvPr>
+          <p:cNvCxnSpPr>
+            <a:cxnSpLocks/>
+          </p:cNvCxnSpPr>
+          <p:nvPr/>
+        </p:nvCxnSpPr>
+        <p:spPr>
+          <a:xfrm flipV="1">
+            <a:off x="5626092" y="5937250"/>
+            <a:ext cx="2121056" cy="77698"/>
+          </a:xfrm>
+          <a:prstGeom prst="straightConnector1">
+            <a:avLst/>
+          </a:prstGeom>
+          <a:ln w="38100">
+            <a:solidFill>
+              <a:srgbClr val="7030A0"/>
+            </a:solidFill>
+            <a:tailEnd type="triangle"/>
+          </a:ln>
+        </p:spPr>
+        <p:style>
+          <a:lnRef idx="1">
+            <a:schemeClr val="accent1"/>
+          </a:lnRef>
+          <a:fillRef idx="0">
+            <a:schemeClr val="accent1"/>
+          </a:fillRef>
+          <a:effectRef idx="0">
+            <a:schemeClr val="accent1"/>
+          </a:effectRef>
+          <a:fontRef idx="minor">
+            <a:schemeClr val="tx1"/>
+          </a:fontRef>
+        </p:style>
+      </p:cxnSp>
+    </p:spTree>
+    <p:extLst>
+      <p:ext uri="{BB962C8B-B14F-4D97-AF65-F5344CB8AC3E}">
+        <p14:creationId xmlns:p14="http://schemas.microsoft.com/office/powerpoint/2010/main" val="3455243741"/>
       </p:ext>
     </p:extLst>
   </p:cSld>
